--- a/2025-Q4/Promises4/2025-10-26-Promises4.pptx
+++ b/2025-Q4/Promises4/2025-10-26-Promises4.pptx
@@ -22,7 +22,7 @@
     <p:sldId id="577" r:id="rId13"/>
   </p:sldIdLst>
   <p:sldSz cx="9144000" cy="6858000" type="screen4x3"/>
-  <p:notesSz cx="7315200" cy="9601200"/>
+  <p:notesSz cx="7099300" cy="9385300"/>
   <p:defaultTextStyle>
     <a:defPPr>
       <a:defRPr lang="en-US"/>
@@ -213,15 +213,15 @@
         </p:nvSpPr>
         <p:spPr>
           <a:xfrm>
-            <a:off x="2" y="1"/>
-            <a:ext cx="3169921" cy="480060"/>
+            <a:off x="3" y="1"/>
+            <a:ext cx="3076364" cy="469265"/>
           </a:xfrm>
           <a:prstGeom prst="rect">
             <a:avLst/>
           </a:prstGeom>
         </p:spPr>
         <p:txBody>
-          <a:bodyPr vert="horz" wrap="square" lIns="96628" tIns="48314" rIns="96628" bIns="48314" numCol="1" anchor="t" anchorCtr="0" compatLnSpc="1">
+          <a:bodyPr vert="horz" wrap="square" lIns="94154" tIns="47077" rIns="94154" bIns="47077" numCol="1" anchor="t" anchorCtr="0" compatLnSpc="1">
             <a:prstTxWarp prst="textNoShape">
               <a:avLst/>
             </a:prstTxWarp>
@@ -254,15 +254,15 @@
         </p:nvSpPr>
         <p:spPr>
           <a:xfrm>
-            <a:off x="4143589" y="1"/>
-            <a:ext cx="3169921" cy="480060"/>
+            <a:off x="4021296" y="1"/>
+            <a:ext cx="3076364" cy="469265"/>
           </a:xfrm>
           <a:prstGeom prst="rect">
             <a:avLst/>
           </a:prstGeom>
         </p:spPr>
         <p:txBody>
-          <a:bodyPr vert="horz" wrap="square" lIns="96628" tIns="48314" rIns="96628" bIns="48314" numCol="1" anchor="t" anchorCtr="0" compatLnSpc="1">
+          <a:bodyPr vert="horz" wrap="square" lIns="94154" tIns="47077" rIns="94154" bIns="47077" numCol="1" anchor="t" anchorCtr="0" compatLnSpc="1">
             <a:prstTxWarp prst="textNoShape">
               <a:avLst/>
             </a:prstTxWarp>
@@ -284,7 +284,7 @@
               <a:pPr>
                 <a:defRPr/>
               </a:pPr>
-              <a:t>10/24/2025</a:t>
+              <a:t>10/25/2025</a:t>
             </a:fld>
             <a:endParaRPr lang="en-US"/>
           </a:p>
@@ -302,8 +302,8 @@
         </p:nvSpPr>
         <p:spPr>
           <a:xfrm>
-            <a:off x="1257300" y="720725"/>
-            <a:ext cx="4800600" cy="3600450"/>
+            <a:off x="1203325" y="704850"/>
+            <a:ext cx="4692650" cy="3519488"/>
           </a:xfrm>
           <a:prstGeom prst="rect">
             <a:avLst/>
@@ -316,7 +316,7 @@
           </a:ln>
         </p:spPr>
         <p:txBody>
-          <a:bodyPr vert="horz" wrap="square" lIns="96628" tIns="48314" rIns="96628" bIns="48314" numCol="1" anchor="ctr" anchorCtr="0" compatLnSpc="1">
+          <a:bodyPr vert="horz" wrap="square" lIns="94154" tIns="47077" rIns="94154" bIns="47077" numCol="1" anchor="ctr" anchorCtr="0" compatLnSpc="1">
             <a:prstTxWarp prst="textNoShape">
               <a:avLst/>
             </a:prstTxWarp>
@@ -340,15 +340,15 @@
         </p:nvSpPr>
         <p:spPr>
           <a:xfrm>
-            <a:off x="731521" y="4560571"/>
-            <a:ext cx="5852160" cy="4320540"/>
+            <a:off x="709931" y="4458018"/>
+            <a:ext cx="5679440" cy="4223385"/>
           </a:xfrm>
           <a:prstGeom prst="rect">
             <a:avLst/>
           </a:prstGeom>
         </p:spPr>
         <p:txBody>
-          <a:bodyPr vert="horz" wrap="square" lIns="96628" tIns="48314" rIns="96628" bIns="48314" numCol="1" anchor="t" anchorCtr="0" compatLnSpc="1">
+          <a:bodyPr vert="horz" wrap="square" lIns="94154" tIns="47077" rIns="94154" bIns="47077" numCol="1" anchor="t" anchorCtr="0" compatLnSpc="1">
             <a:prstTxWarp prst="textNoShape">
               <a:avLst/>
             </a:prstTxWarp>
@@ -404,15 +404,15 @@
         </p:nvSpPr>
         <p:spPr>
           <a:xfrm>
-            <a:off x="2" y="9119474"/>
-            <a:ext cx="3169921" cy="480060"/>
+            <a:off x="3" y="8914406"/>
+            <a:ext cx="3076364" cy="469265"/>
           </a:xfrm>
           <a:prstGeom prst="rect">
             <a:avLst/>
           </a:prstGeom>
         </p:spPr>
         <p:txBody>
-          <a:bodyPr vert="horz" wrap="square" lIns="96628" tIns="48314" rIns="96628" bIns="48314" numCol="1" anchor="b" anchorCtr="0" compatLnSpc="1">
+          <a:bodyPr vert="horz" wrap="square" lIns="94154" tIns="47077" rIns="94154" bIns="47077" numCol="1" anchor="b" anchorCtr="0" compatLnSpc="1">
             <a:prstTxWarp prst="textNoShape">
               <a:avLst/>
             </a:prstTxWarp>
@@ -445,15 +445,15 @@
         </p:nvSpPr>
         <p:spPr>
           <a:xfrm>
-            <a:off x="4143589" y="9119474"/>
-            <a:ext cx="3169921" cy="480060"/>
+            <a:off x="4021296" y="8914406"/>
+            <a:ext cx="3076364" cy="469265"/>
           </a:xfrm>
           <a:prstGeom prst="rect">
             <a:avLst/>
           </a:prstGeom>
         </p:spPr>
         <p:txBody>
-          <a:bodyPr vert="horz" wrap="square" lIns="96628" tIns="48314" rIns="96628" bIns="48314" numCol="1" anchor="b" anchorCtr="0" compatLnSpc="1">
+          <a:bodyPr vert="horz" wrap="square" lIns="94154" tIns="47077" rIns="94154" bIns="47077" numCol="1" anchor="b" anchorCtr="0" compatLnSpc="1">
             <a:prstTxWarp prst="textNoShape">
               <a:avLst/>
             </a:prstTxWarp>
@@ -656,226 +656,90 @@
         <p:spPr/>
         <p:txBody>
           <a:bodyPr>
-            <a:normAutofit/>
+            <a:normAutofit lnSpcReduction="10000"/>
           </a:bodyPr>
           <a:lstStyle/>
           <a:p>
             <a:r>
-              <a:rPr lang="en-US" sz="1200" b="1" kern="1200" dirty="0">
-                <a:solidFill>
-                  <a:schemeClr val="tx1"/>
-                </a:solidFill>
-                <a:effectLst/>
-                <a:latin typeface="+mn-lt"/>
-                <a:ea typeface="ＭＳ Ｐゴシック" pitchFamily="-106" charset="-128"/>
-                <a:cs typeface="ＭＳ Ｐゴシック" pitchFamily="-106" charset="-128"/>
-              </a:rPr>
+              <a:rPr lang="en-US" sz="1400" b="1" dirty="0"/>
               <a:t>Promise to David: An Eternal Kingdom</a:t>
             </a:r>
           </a:p>
           <a:p>
-            <a:endParaRPr lang="en-US" sz="1200" kern="1200" dirty="0">
-              <a:solidFill>
-                <a:schemeClr val="tx1"/>
-              </a:solidFill>
-              <a:effectLst/>
-              <a:latin typeface="+mn-lt"/>
-              <a:ea typeface="ＭＳ Ｐゴシック" pitchFamily="-106" charset="-128"/>
-              <a:cs typeface="ＭＳ Ｐゴシック" pitchFamily="-106" charset="-128"/>
-            </a:endParaRPr>
-          </a:p>
-          <a:p>
-            <a:r>
-              <a:rPr lang="en-US" sz="1200" b="1" kern="1200" dirty="0">
-                <a:solidFill>
-                  <a:schemeClr val="tx1"/>
-                </a:solidFill>
-                <a:effectLst/>
-                <a:latin typeface="+mn-lt"/>
-                <a:ea typeface="ＭＳ Ｐゴシック" pitchFamily="-106" charset="-128"/>
-                <a:cs typeface="ＭＳ Ｐゴシック" pitchFamily="-106" charset="-128"/>
-              </a:rPr>
+            <a:endParaRPr lang="en-US" sz="1400" dirty="0"/>
+          </a:p>
+          <a:p>
+            <a:r>
+              <a:rPr lang="en-US" sz="1400" b="1" dirty="0"/>
               <a:t>Core Theme</a:t>
             </a:r>
-            <a:endParaRPr lang="en-US" sz="1200" kern="1200" dirty="0">
-              <a:solidFill>
-                <a:schemeClr val="tx1"/>
-              </a:solidFill>
-              <a:effectLst/>
-              <a:latin typeface="+mn-lt"/>
-              <a:ea typeface="ＭＳ Ｐゴシック" pitchFamily="-106" charset="-128"/>
-              <a:cs typeface="ＭＳ Ｐゴシック" pitchFamily="-106" charset="-128"/>
-            </a:endParaRPr>
-          </a:p>
-          <a:p>
-            <a:r>
-              <a:rPr lang="en-US" sz="1200" kern="1200" dirty="0">
-                <a:solidFill>
-                  <a:schemeClr val="tx1"/>
-                </a:solidFill>
-                <a:effectLst/>
-                <a:latin typeface="+mn-lt"/>
-                <a:ea typeface="ＭＳ Ｐゴシック" pitchFamily="-106" charset="-128"/>
-                <a:cs typeface="ＭＳ Ｐゴシック" pitchFamily="-106" charset="-128"/>
-              </a:rPr>
+            <a:endParaRPr lang="en-US" sz="1400" dirty="0"/>
+          </a:p>
+          <a:p>
+            <a:r>
+              <a:rPr lang="en-US" sz="1400" dirty="0"/>
               <a:t>God’s covenant with David promised an everlasting throne and a royal descendant whose kingdom would never end. This promise is fulfilled in Jesus Christ, the Son of David, whose eternal reign brings the Kingdom of God to every believer’s heart and to the ends of the earth.</a:t>
             </a:r>
           </a:p>
           <a:p>
-            <a:endParaRPr lang="en-US" sz="1200" b="1" kern="1200" dirty="0">
-              <a:solidFill>
-                <a:schemeClr val="tx1"/>
-              </a:solidFill>
-              <a:effectLst/>
-              <a:latin typeface="+mn-lt"/>
-              <a:ea typeface="ＭＳ Ｐゴシック" pitchFamily="-106" charset="-128"/>
-              <a:cs typeface="ＭＳ Ｐゴシック" pitchFamily="-106" charset="-128"/>
-            </a:endParaRPr>
-          </a:p>
-          <a:p>
-            <a:r>
-              <a:rPr lang="en-US" sz="1200" b="1" kern="1200" dirty="0">
-                <a:solidFill>
-                  <a:schemeClr val="tx1"/>
-                </a:solidFill>
-                <a:effectLst/>
-                <a:latin typeface="+mn-lt"/>
-                <a:ea typeface="ＭＳ Ｐゴシック" pitchFamily="-106" charset="-128"/>
-                <a:cs typeface="ＭＳ Ｐゴシック" pitchFamily="-106" charset="-128"/>
-              </a:rPr>
+            <a:endParaRPr lang="en-US" sz="1400" b="1" dirty="0"/>
+          </a:p>
+          <a:p>
+            <a:r>
+              <a:rPr lang="en-US" sz="1400" b="1" dirty="0"/>
               <a:t>Key Verse:</a:t>
             </a:r>
             <a:r>
-              <a:rPr lang="en-US" sz="1200" kern="1200" dirty="0">
-                <a:solidFill>
-                  <a:schemeClr val="tx1"/>
-                </a:solidFill>
-                <a:effectLst/>
-                <a:latin typeface="+mn-lt"/>
-                <a:ea typeface="ＭＳ Ｐゴシック" pitchFamily="-106" charset="-128"/>
-                <a:cs typeface="ＭＳ Ｐゴシック" pitchFamily="-106" charset="-128"/>
-              </a:rPr>
+              <a:rPr lang="en-US" sz="1400" dirty="0"/>
               <a:t> “Your house and your kingdom shall be made sure forever before me; your throne shall be established forever.” - </a:t>
             </a:r>
             <a:r>
-              <a:rPr lang="en-US" sz="1200" i="1" kern="1200" dirty="0">
-                <a:solidFill>
-                  <a:schemeClr val="tx1"/>
-                </a:solidFill>
-                <a:effectLst/>
-                <a:latin typeface="+mn-lt"/>
-                <a:ea typeface="ＭＳ Ｐゴシック" pitchFamily="-106" charset="-128"/>
-                <a:cs typeface="ＭＳ Ｐゴシック" pitchFamily="-106" charset="-128"/>
-              </a:rPr>
+              <a:rPr lang="en-US" sz="1400" i="1" dirty="0"/>
               <a:t>2 Samuel 7:16 (ESV)</a:t>
             </a:r>
-            <a:endParaRPr lang="en-US" sz="1200" kern="1200" dirty="0">
-              <a:solidFill>
-                <a:schemeClr val="tx1"/>
-              </a:solidFill>
-              <a:effectLst/>
-              <a:latin typeface="+mn-lt"/>
-              <a:ea typeface="ＭＳ Ｐゴシック" pitchFamily="-106" charset="-128"/>
-              <a:cs typeface="ＭＳ Ｐゴシック" pitchFamily="-106" charset="-128"/>
-            </a:endParaRPr>
-          </a:p>
-          <a:p>
-            <a:endParaRPr lang="en-US" sz="1400" kern="1200" dirty="0">
-              <a:solidFill>
-                <a:schemeClr val="tx1"/>
-              </a:solidFill>
-              <a:effectLst/>
-              <a:latin typeface="+mn-lt"/>
-              <a:ea typeface="ＭＳ Ｐゴシック" pitchFamily="-106" charset="-128"/>
-              <a:cs typeface="ＭＳ Ｐゴシック" pitchFamily="-106" charset="-128"/>
-            </a:endParaRPr>
-          </a:p>
-          <a:p>
-            <a:endParaRPr lang="en-US" sz="1400" kern="1200" dirty="0">
-              <a:solidFill>
-                <a:schemeClr val="tx1"/>
-              </a:solidFill>
-              <a:effectLst/>
-              <a:latin typeface="+mn-lt"/>
-              <a:ea typeface="ＭＳ Ｐゴシック" pitchFamily="-106" charset="-128"/>
-              <a:cs typeface="ＭＳ Ｐゴシック" pitchFamily="-106" charset="-128"/>
-            </a:endParaRPr>
-          </a:p>
-          <a:p>
-            <a:pPr marL="171450" indent="-171450">
+            <a:endParaRPr lang="en-US" sz="1400" dirty="0"/>
+          </a:p>
+          <a:p>
+            <a:endParaRPr lang="en-US" sz="1400" dirty="0"/>
+          </a:p>
+          <a:p>
+            <a:endParaRPr lang="en-US" sz="1400" dirty="0"/>
+          </a:p>
+          <a:p>
+            <a:pPr marL="167061" indent="-167061">
               <a:buFont typeface="Arial" panose="020B0604020202020204" pitchFamily="34" charset="0"/>
               <a:buChar char="•"/>
             </a:pPr>
             <a:r>
-              <a:rPr lang="en-US" sz="1200" kern="1200" dirty="0">
-                <a:solidFill>
-                  <a:schemeClr val="tx1"/>
-                </a:solidFill>
-                <a:effectLst/>
-                <a:latin typeface="+mn-lt"/>
-                <a:ea typeface="ＭＳ Ｐゴシック" pitchFamily="-106" charset="-128"/>
-                <a:cs typeface="ＭＳ Ｐゴシック" pitchFamily="-106" charset="-128"/>
-              </a:rPr>
+              <a:rPr lang="en-US" sz="1400" dirty="0"/>
               <a:t>God’s covenant with David was not merely about a dynasty but about </a:t>
             </a:r>
             <a:r>
-              <a:rPr lang="en-US" sz="1200" b="1" kern="1200" dirty="0">
-                <a:solidFill>
-                  <a:schemeClr val="tx1"/>
-                </a:solidFill>
-                <a:effectLst/>
-                <a:latin typeface="+mn-lt"/>
-                <a:ea typeface="ＭＳ Ｐゴシック" pitchFamily="-106" charset="-128"/>
-                <a:cs typeface="ＭＳ Ｐゴシック" pitchFamily="-106" charset="-128"/>
-              </a:rPr>
+              <a:rPr lang="en-US" sz="1400" b="1" dirty="0"/>
               <a:t>divine destiny</a:t>
             </a:r>
             <a:r>
-              <a:rPr lang="en-US" sz="1200" kern="1200" dirty="0">
-                <a:solidFill>
-                  <a:schemeClr val="tx1"/>
-                </a:solidFill>
-                <a:effectLst/>
-                <a:latin typeface="+mn-lt"/>
-                <a:ea typeface="ＭＳ Ｐゴシック" pitchFamily="-106" charset="-128"/>
-                <a:cs typeface="ＭＳ Ｐゴシック" pitchFamily="-106" charset="-128"/>
-              </a:rPr>
+              <a:rPr lang="en-US" sz="1400" dirty="0"/>
               <a:t> - the revelation of the eternal King, Jesus Christ.</a:t>
             </a:r>
           </a:p>
           <a:p>
-            <a:pPr marL="171450" indent="-171450">
+            <a:pPr marL="167061" indent="-167061">
               <a:buFont typeface="Arial" panose="020B0604020202020204" pitchFamily="34" charset="0"/>
               <a:buChar char="•"/>
             </a:pPr>
             <a:r>
-              <a:rPr lang="en-US" sz="1200" kern="1200" dirty="0">
-                <a:solidFill>
-                  <a:schemeClr val="tx1"/>
-                </a:solidFill>
-                <a:effectLst/>
-                <a:latin typeface="+mn-lt"/>
-                <a:ea typeface="ＭＳ Ｐゴシック" pitchFamily="-106" charset="-128"/>
-                <a:cs typeface="ＭＳ Ｐゴシック" pitchFamily="-106" charset="-128"/>
-              </a:rPr>
+              <a:rPr lang="en-US" sz="1400" dirty="0"/>
               <a:t>The Psalms sing His story, the prophets foretell His coming, the Gospels reveal His glory, and the Church proclaims His reign.</a:t>
             </a:r>
           </a:p>
           <a:p>
-            <a:pPr marL="171450" indent="-171450">
+            <a:pPr marL="167061" indent="-167061">
               <a:buFont typeface="Arial" panose="020B0604020202020204" pitchFamily="34" charset="0"/>
               <a:buChar char="•"/>
             </a:pPr>
             <a:r>
-              <a:rPr lang="en-US" sz="1200" kern="1200" dirty="0">
-                <a:solidFill>
-                  <a:schemeClr val="tx1"/>
-                </a:solidFill>
-                <a:effectLst/>
-                <a:latin typeface="+mn-lt"/>
-                <a:ea typeface="ＭＳ Ｐゴシック" pitchFamily="-106" charset="-128"/>
-                <a:cs typeface="ＭＳ Ｐゴシック" pitchFamily="-106" charset="-128"/>
-              </a:rPr>
+              <a:rPr lang="en-US" sz="1400" dirty="0"/>
               <a:t>Through Christ, the throne of David becomes the throne of grace.</a:t>
             </a:r>
           </a:p>
@@ -986,362 +850,130 @@
         <p:spPr/>
         <p:txBody>
           <a:bodyPr>
-            <a:normAutofit/>
+            <a:normAutofit lnSpcReduction="10000"/>
           </a:bodyPr>
           <a:lstStyle/>
           <a:p>
             <a:r>
-              <a:rPr lang="en-US" sz="1400" b="1" kern="1200" dirty="0">
-                <a:solidFill>
-                  <a:schemeClr val="tx1"/>
-                </a:solidFill>
-                <a:effectLst/>
-                <a:latin typeface="+mn-lt"/>
-                <a:ea typeface="ＭＳ Ｐゴシック" pitchFamily="-106" charset="-128"/>
-                <a:cs typeface="ＭＳ Ｐゴシック" pitchFamily="-106" charset="-128"/>
-              </a:rPr>
+              <a:rPr lang="en-US" sz="1400" b="1" dirty="0"/>
               <a:t>REVELATION REFERENCES</a:t>
             </a:r>
-            <a:endParaRPr lang="en-US" sz="1400" kern="1200" dirty="0">
-              <a:solidFill>
-                <a:schemeClr val="tx1"/>
-              </a:solidFill>
-              <a:effectLst/>
-              <a:latin typeface="+mn-lt"/>
-              <a:ea typeface="ＭＳ Ｐゴシック" pitchFamily="-106" charset="-128"/>
-              <a:cs typeface="ＭＳ Ｐゴシック" pitchFamily="-106" charset="-128"/>
-            </a:endParaRPr>
-          </a:p>
-          <a:p>
-            <a:endParaRPr lang="en-US" sz="1400" b="1" kern="1200" dirty="0">
-              <a:solidFill>
-                <a:schemeClr val="tx1"/>
-              </a:solidFill>
-              <a:effectLst/>
-              <a:latin typeface="+mn-lt"/>
-              <a:ea typeface="ＭＳ Ｐゴシック" pitchFamily="-106" charset="-128"/>
-              <a:cs typeface="ＭＳ Ｐゴシック" pitchFamily="-106" charset="-128"/>
-            </a:endParaRPr>
-          </a:p>
-          <a:p>
-            <a:r>
-              <a:rPr lang="en-US" sz="1400" b="1" kern="1200" dirty="0">
-                <a:solidFill>
-                  <a:schemeClr val="tx1"/>
-                </a:solidFill>
-                <a:effectLst/>
-                <a:latin typeface="+mn-lt"/>
-                <a:ea typeface="ＭＳ Ｐゴシック" pitchFamily="-106" charset="-128"/>
-                <a:cs typeface="ＭＳ Ｐゴシック" pitchFamily="-106" charset="-128"/>
-              </a:rPr>
+            <a:endParaRPr lang="en-US" sz="1400" dirty="0"/>
+          </a:p>
+          <a:p>
+            <a:endParaRPr lang="en-US" sz="1400" b="1" dirty="0"/>
+          </a:p>
+          <a:p>
+            <a:r>
+              <a:rPr lang="en-US" sz="1400" b="1" dirty="0"/>
               <a:t>18. Revelation 3:7</a:t>
             </a:r>
-            <a:endParaRPr lang="en-US" sz="1400" kern="1200" dirty="0">
-              <a:solidFill>
-                <a:schemeClr val="tx1"/>
-              </a:solidFill>
-              <a:effectLst/>
-              <a:latin typeface="+mn-lt"/>
-              <a:ea typeface="ＭＳ Ｐゴシック" pitchFamily="-106" charset="-128"/>
-              <a:cs typeface="ＭＳ Ｐゴシック" pitchFamily="-106" charset="-128"/>
-            </a:endParaRPr>
-          </a:p>
-          <a:p>
-            <a:r>
-              <a:rPr lang="en-US" sz="1400" kern="1200" dirty="0">
-                <a:solidFill>
-                  <a:schemeClr val="tx1"/>
-                </a:solidFill>
-                <a:effectLst/>
-                <a:latin typeface="+mn-lt"/>
-                <a:ea typeface="ＭＳ Ｐゴシック" pitchFamily="-106" charset="-128"/>
-                <a:cs typeface="ＭＳ Ｐゴシック" pitchFamily="-106" charset="-128"/>
-              </a:rPr>
+            <a:endParaRPr lang="en-US" sz="1400" dirty="0"/>
+          </a:p>
+          <a:p>
+            <a:r>
+              <a:rPr lang="en-US" sz="1400" dirty="0"/>
               <a:t>“The words of him who is holy and true, who holds the key of David.”</a:t>
             </a:r>
           </a:p>
           <a:p>
             <a:pPr rtl="0" fontAlgn="ctr"/>
             <a:r>
-              <a:rPr lang="en-US" sz="1400" kern="1200" dirty="0">
-                <a:solidFill>
-                  <a:schemeClr val="tx1"/>
-                </a:solidFill>
-                <a:effectLst/>
-                <a:latin typeface="+mn-lt"/>
-                <a:ea typeface="ＭＳ Ｐゴシック" pitchFamily="-106" charset="-128"/>
-                <a:cs typeface="ＭＳ Ｐゴシック" pitchFamily="-106" charset="-128"/>
-              </a:rPr>
+              <a:rPr lang="en-US" sz="1400" dirty="0"/>
               <a:t>Jesus holds </a:t>
             </a:r>
             <a:r>
-              <a:rPr lang="en-US" sz="1400" b="1" kern="1200" dirty="0">
-                <a:solidFill>
-                  <a:schemeClr val="tx1"/>
-                </a:solidFill>
-                <a:effectLst/>
-                <a:latin typeface="+mn-lt"/>
-                <a:ea typeface="ＭＳ Ｐゴシック" pitchFamily="-106" charset="-128"/>
-                <a:cs typeface="ＭＳ Ｐゴシック" pitchFamily="-106" charset="-128"/>
-              </a:rPr>
+              <a:rPr lang="en-US" sz="1400" b="1" dirty="0"/>
               <a:t>the key of David</a:t>
             </a:r>
             <a:r>
-              <a:rPr lang="en-US" sz="1400" kern="1200" dirty="0">
-                <a:solidFill>
-                  <a:schemeClr val="tx1"/>
-                </a:solidFill>
-                <a:effectLst/>
-                <a:latin typeface="+mn-lt"/>
-                <a:ea typeface="ＭＳ Ｐゴシック" pitchFamily="-106" charset="-128"/>
-                <a:cs typeface="ＭＳ Ｐゴシック" pitchFamily="-106" charset="-128"/>
-              </a:rPr>
+              <a:rPr lang="en-US" sz="1400" dirty="0"/>
               <a:t>, symbolizing ultimate royal and spiritual authority - fulfillment of </a:t>
             </a:r>
             <a:r>
-              <a:rPr lang="en-US" sz="1400" b="1" kern="1200" dirty="0">
-                <a:solidFill>
-                  <a:schemeClr val="tx1"/>
-                </a:solidFill>
-                <a:effectLst/>
-                <a:latin typeface="+mn-lt"/>
-                <a:ea typeface="ＭＳ Ｐゴシック" pitchFamily="-106" charset="-128"/>
-                <a:cs typeface="ＭＳ Ｐゴシック" pitchFamily="-106" charset="-128"/>
-              </a:rPr>
+              <a:rPr lang="en-US" sz="1400" b="1" dirty="0"/>
               <a:t>Isaiah 22:22</a:t>
             </a:r>
             <a:r>
-              <a:rPr lang="en-US" sz="1400" kern="1200" dirty="0">
-                <a:solidFill>
-                  <a:schemeClr val="tx1"/>
-                </a:solidFill>
-                <a:effectLst/>
-                <a:latin typeface="+mn-lt"/>
-                <a:ea typeface="ＭＳ Ｐゴシック" pitchFamily="-106" charset="-128"/>
-                <a:cs typeface="ＭＳ Ｐゴシック" pitchFamily="-106" charset="-128"/>
-              </a:rPr>
+              <a:rPr lang="en-US" sz="1400" dirty="0"/>
               <a:t> and the Davidic covenantal right to rule.</a:t>
             </a:r>
           </a:p>
           <a:p>
-            <a:endParaRPr lang="en-US" sz="1400" b="1" kern="1200" dirty="0">
-              <a:solidFill>
-                <a:schemeClr val="tx1"/>
-              </a:solidFill>
-              <a:effectLst/>
-              <a:latin typeface="+mn-lt"/>
-              <a:ea typeface="ＭＳ Ｐゴシック" pitchFamily="-106" charset="-128"/>
-              <a:cs typeface="ＭＳ Ｐゴシック" pitchFamily="-106" charset="-128"/>
-            </a:endParaRPr>
-          </a:p>
-          <a:p>
-            <a:r>
-              <a:rPr lang="en-US" sz="1400" b="1" kern="1200" dirty="0">
-                <a:solidFill>
-                  <a:schemeClr val="tx1"/>
-                </a:solidFill>
-                <a:effectLst/>
-                <a:latin typeface="+mn-lt"/>
-                <a:ea typeface="ＭＳ Ｐゴシック" pitchFamily="-106" charset="-128"/>
-                <a:cs typeface="ＭＳ Ｐゴシック" pitchFamily="-106" charset="-128"/>
-              </a:rPr>
+            <a:endParaRPr lang="en-US" sz="1400" b="1" dirty="0"/>
+          </a:p>
+          <a:p>
+            <a:r>
+              <a:rPr lang="en-US" sz="1400" b="1" dirty="0"/>
               <a:t>19. Revelation 5:5</a:t>
             </a:r>
-            <a:endParaRPr lang="en-US" sz="1400" kern="1200" dirty="0">
-              <a:solidFill>
-                <a:schemeClr val="tx1"/>
-              </a:solidFill>
-              <a:effectLst/>
-              <a:latin typeface="+mn-lt"/>
-              <a:ea typeface="ＭＳ Ｐゴシック" pitchFamily="-106" charset="-128"/>
-              <a:cs typeface="ＭＳ Ｐゴシック" pitchFamily="-106" charset="-128"/>
-            </a:endParaRPr>
-          </a:p>
-          <a:p>
-            <a:r>
-              <a:rPr lang="en-US" sz="1400" kern="1200" dirty="0">
-                <a:solidFill>
-                  <a:schemeClr val="tx1"/>
-                </a:solidFill>
-                <a:effectLst/>
-                <a:latin typeface="+mn-lt"/>
-                <a:ea typeface="ＭＳ Ｐゴシック" pitchFamily="-106" charset="-128"/>
-                <a:cs typeface="ＭＳ Ｐゴシック" pitchFamily="-106" charset="-128"/>
-              </a:rPr>
+            <a:endParaRPr lang="en-US" sz="1400" dirty="0"/>
+          </a:p>
+          <a:p>
+            <a:r>
+              <a:rPr lang="en-US" sz="1400" dirty="0"/>
               <a:t>“See, the Lion of the tribe of Judah, the Root of David, has triumphed.”</a:t>
             </a:r>
           </a:p>
           <a:p>
             <a:pPr rtl="0" fontAlgn="ctr"/>
             <a:r>
-              <a:rPr lang="en-US" sz="1400" kern="1200" dirty="0">
-                <a:solidFill>
-                  <a:schemeClr val="tx1"/>
-                </a:solidFill>
-                <a:effectLst/>
-                <a:latin typeface="+mn-lt"/>
-                <a:ea typeface="ＭＳ Ｐゴシック" pitchFamily="-106" charset="-128"/>
-                <a:cs typeface="ＭＳ Ｐゴシック" pitchFamily="-106" charset="-128"/>
-              </a:rPr>
+              <a:rPr lang="en-US" sz="1400" dirty="0"/>
               <a:t>The </a:t>
             </a:r>
             <a:r>
-              <a:rPr lang="en-US" sz="1400" b="1" kern="1200" dirty="0">
-                <a:solidFill>
-                  <a:schemeClr val="tx1"/>
-                </a:solidFill>
-                <a:effectLst/>
-                <a:latin typeface="+mn-lt"/>
-                <a:ea typeface="ＭＳ Ｐゴシック" pitchFamily="-106" charset="-128"/>
-                <a:cs typeface="ＭＳ Ｐゴシック" pitchFamily="-106" charset="-128"/>
-              </a:rPr>
+              <a:rPr lang="en-US" sz="1400" b="1" dirty="0"/>
               <a:t>Root of David</a:t>
             </a:r>
             <a:r>
-              <a:rPr lang="en-US" sz="1400" kern="1200" dirty="0">
-                <a:solidFill>
-                  <a:schemeClr val="tx1"/>
-                </a:solidFill>
-                <a:effectLst/>
-                <a:latin typeface="+mn-lt"/>
-                <a:ea typeface="ＭＳ Ｐゴシック" pitchFamily="-106" charset="-128"/>
-                <a:cs typeface="ＭＳ Ｐゴシック" pitchFamily="-106" charset="-128"/>
-              </a:rPr>
+              <a:rPr lang="en-US" sz="1400" dirty="0"/>
               <a:t> title explicitly identifies Jesus as the </a:t>
             </a:r>
             <a:r>
-              <a:rPr lang="en-US" sz="1400" b="1" kern="1200" dirty="0">
-                <a:solidFill>
-                  <a:schemeClr val="tx1"/>
-                </a:solidFill>
-                <a:effectLst/>
-                <a:latin typeface="+mn-lt"/>
-                <a:ea typeface="ＭＳ Ｐゴシック" pitchFamily="-106" charset="-128"/>
-                <a:cs typeface="ＭＳ Ｐゴシック" pitchFamily="-106" charset="-128"/>
-              </a:rPr>
+              <a:rPr lang="en-US" sz="1400" b="1" dirty="0"/>
               <a:t>Messianic King</a:t>
             </a:r>
             <a:r>
-              <a:rPr lang="en-US" sz="1400" kern="1200" dirty="0">
-                <a:solidFill>
-                  <a:schemeClr val="tx1"/>
-                </a:solidFill>
-                <a:effectLst/>
-                <a:latin typeface="+mn-lt"/>
-                <a:ea typeface="ＭＳ Ｐゴシック" pitchFamily="-106" charset="-128"/>
-                <a:cs typeface="ＭＳ Ｐゴシック" pitchFamily="-106" charset="-128"/>
-              </a:rPr>
+              <a:rPr lang="en-US" sz="1400" dirty="0"/>
               <a:t> promised to David, now enthroned in heavenly glory.</a:t>
             </a:r>
           </a:p>
           <a:p>
-            <a:endParaRPr lang="en-US" sz="1400" b="1" kern="1200" dirty="0">
-              <a:solidFill>
-                <a:schemeClr val="tx1"/>
-              </a:solidFill>
-              <a:effectLst/>
-              <a:latin typeface="+mn-lt"/>
-              <a:ea typeface="ＭＳ Ｐゴシック" pitchFamily="-106" charset="-128"/>
-              <a:cs typeface="ＭＳ Ｐゴシック" pitchFamily="-106" charset="-128"/>
-            </a:endParaRPr>
-          </a:p>
-          <a:p>
-            <a:r>
-              <a:rPr lang="en-US" sz="1400" b="1" kern="1200" dirty="0">
-                <a:solidFill>
-                  <a:schemeClr val="tx1"/>
-                </a:solidFill>
-                <a:effectLst/>
-                <a:latin typeface="+mn-lt"/>
-                <a:ea typeface="ＭＳ Ｐゴシック" pitchFamily="-106" charset="-128"/>
-                <a:cs typeface="ＭＳ Ｐゴシック" pitchFamily="-106" charset="-128"/>
-              </a:rPr>
+            <a:endParaRPr lang="en-US" sz="1400" b="1" dirty="0"/>
+          </a:p>
+          <a:p>
+            <a:r>
+              <a:rPr lang="en-US" sz="1400" b="1" dirty="0"/>
               <a:t>20. Revelation 22:16</a:t>
             </a:r>
-            <a:endParaRPr lang="en-US" sz="1400" kern="1200" dirty="0">
-              <a:solidFill>
-                <a:schemeClr val="tx1"/>
-              </a:solidFill>
-              <a:effectLst/>
-              <a:latin typeface="+mn-lt"/>
-              <a:ea typeface="ＭＳ Ｐゴシック" pitchFamily="-106" charset="-128"/>
-              <a:cs typeface="ＭＳ Ｐゴシック" pitchFamily="-106" charset="-128"/>
-            </a:endParaRPr>
-          </a:p>
-          <a:p>
-            <a:r>
-              <a:rPr lang="en-US" sz="1400" kern="1200" dirty="0">
-                <a:solidFill>
-                  <a:schemeClr val="tx1"/>
-                </a:solidFill>
-                <a:effectLst/>
-                <a:latin typeface="+mn-lt"/>
-                <a:ea typeface="ＭＳ Ｐゴシック" pitchFamily="-106" charset="-128"/>
-                <a:cs typeface="ＭＳ Ｐゴシック" pitchFamily="-106" charset="-128"/>
-              </a:rPr>
+            <a:endParaRPr lang="en-US" sz="1400" dirty="0"/>
+          </a:p>
+          <a:p>
+            <a:r>
+              <a:rPr lang="en-US" sz="1400" dirty="0"/>
               <a:t>“I, Jesus… am the Root and the Offspring of David, the bright Morning Star.”</a:t>
             </a:r>
           </a:p>
           <a:p>
             <a:pPr rtl="0" fontAlgn="ctr"/>
             <a:r>
-              <a:rPr lang="en-US" sz="1400" kern="1200" dirty="0">
-                <a:solidFill>
-                  <a:schemeClr val="tx1"/>
-                </a:solidFill>
-                <a:effectLst/>
-                <a:latin typeface="+mn-lt"/>
-                <a:ea typeface="ＭＳ Ｐゴシック" pitchFamily="-106" charset="-128"/>
-                <a:cs typeface="ＭＳ Ｐゴシック" pitchFamily="-106" charset="-128"/>
-              </a:rPr>
+              <a:rPr lang="en-US" sz="1400" dirty="0"/>
               <a:t>Jesus claims both </a:t>
             </a:r>
             <a:r>
-              <a:rPr lang="en-US" sz="1400" b="1" kern="1200" dirty="0">
-                <a:solidFill>
-                  <a:schemeClr val="tx1"/>
-                </a:solidFill>
-                <a:effectLst/>
-                <a:latin typeface="+mn-lt"/>
-                <a:ea typeface="ＭＳ Ｐゴシック" pitchFamily="-106" charset="-128"/>
-                <a:cs typeface="ＭＳ Ｐゴシック" pitchFamily="-106" charset="-128"/>
-              </a:rPr>
+              <a:rPr lang="en-US" sz="1400" b="1" dirty="0"/>
               <a:t>preexistence (Root)</a:t>
             </a:r>
             <a:r>
-              <a:rPr lang="en-US" sz="1400" kern="1200" dirty="0">
-                <a:solidFill>
-                  <a:schemeClr val="tx1"/>
-                </a:solidFill>
-                <a:effectLst/>
-                <a:latin typeface="+mn-lt"/>
-                <a:ea typeface="ＭＳ Ｐゴシック" pitchFamily="-106" charset="-128"/>
-                <a:cs typeface="ＭＳ Ｐゴシック" pitchFamily="-106" charset="-128"/>
-              </a:rPr>
+              <a:rPr lang="en-US" sz="1400" dirty="0"/>
               <a:t> and </a:t>
             </a:r>
             <a:r>
-              <a:rPr lang="en-US" sz="1400" b="1" kern="1200" dirty="0">
-                <a:solidFill>
-                  <a:schemeClr val="tx1"/>
-                </a:solidFill>
-                <a:effectLst/>
-                <a:latin typeface="+mn-lt"/>
-                <a:ea typeface="ＭＳ Ｐゴシック" pitchFamily="-106" charset="-128"/>
-                <a:cs typeface="ＭＳ Ｐゴシック" pitchFamily="-106" charset="-128"/>
-              </a:rPr>
+              <a:rPr lang="en-US" sz="1400" b="1" dirty="0"/>
               <a:t>fulfillment (Offspring)</a:t>
             </a:r>
             <a:r>
-              <a:rPr lang="en-US" sz="1400" kern="1200" dirty="0">
-                <a:solidFill>
-                  <a:schemeClr val="tx1"/>
-                </a:solidFill>
-                <a:effectLst/>
-                <a:latin typeface="+mn-lt"/>
-                <a:ea typeface="ＭＳ Ｐゴシック" pitchFamily="-106" charset="-128"/>
-                <a:cs typeface="ＭＳ Ｐゴシック" pitchFamily="-106" charset="-128"/>
-              </a:rPr>
+              <a:rPr lang="en-US" sz="1400" dirty="0"/>
               <a:t> - the eternal Son and promised heir who reigns forever.</a:t>
             </a:r>
           </a:p>
@@ -1463,260 +1095,100 @@
           <a:lstStyle/>
           <a:p>
             <a:r>
-              <a:rPr lang="en-US" sz="1400" kern="1200" dirty="0">
-                <a:solidFill>
-                  <a:schemeClr val="tx1"/>
-                </a:solidFill>
-                <a:effectLst/>
-                <a:latin typeface="+mn-lt"/>
-                <a:ea typeface="ＭＳ Ｐゴシック" pitchFamily="-106" charset="-128"/>
-                <a:cs typeface="ＭＳ Ｐゴシック" pitchFamily="-106" charset="-128"/>
-              </a:rPr>
+              <a:rPr lang="en-US" sz="1400" dirty="0"/>
               <a:t>The </a:t>
             </a:r>
             <a:r>
-              <a:rPr lang="en-US" sz="1400" b="1" kern="1200" dirty="0">
-                <a:solidFill>
-                  <a:schemeClr val="tx1"/>
-                </a:solidFill>
-                <a:effectLst/>
-                <a:latin typeface="+mn-lt"/>
-                <a:ea typeface="ＭＳ Ｐゴシック" pitchFamily="-106" charset="-128"/>
-                <a:cs typeface="ＭＳ Ｐゴシック" pitchFamily="-106" charset="-128"/>
-              </a:rPr>
+              <a:rPr lang="en-US" sz="1400" b="1" dirty="0"/>
               <a:t>New Testament repeatedly affirms</a:t>
             </a:r>
             <a:r>
-              <a:rPr lang="en-US" sz="1400" kern="1200" dirty="0">
-                <a:solidFill>
-                  <a:schemeClr val="tx1"/>
-                </a:solidFill>
-                <a:effectLst/>
-                <a:latin typeface="+mn-lt"/>
-                <a:ea typeface="ＭＳ Ｐゴシック" pitchFamily="-106" charset="-128"/>
-                <a:cs typeface="ＭＳ Ｐゴシック" pitchFamily="-106" charset="-128"/>
-              </a:rPr>
+              <a:rPr lang="en-US" sz="1400" dirty="0"/>
               <a:t> that:</a:t>
             </a:r>
           </a:p>
           <a:p>
-            <a:pPr marL="171450" indent="-171450" rtl="0" fontAlgn="ctr">
+            <a:pPr marL="167061" indent="-167061" fontAlgn="ctr">
               <a:buFont typeface="Arial" panose="020B0604020202020204" pitchFamily="34" charset="0"/>
               <a:buChar char="•"/>
             </a:pPr>
             <a:r>
-              <a:rPr lang="en-US" sz="1400" b="0" i="0" kern="1200" dirty="0">
-                <a:solidFill>
-                  <a:schemeClr val="tx1"/>
-                </a:solidFill>
-                <a:effectLst/>
-                <a:latin typeface="+mn-lt"/>
-                <a:ea typeface="ＭＳ Ｐゴシック" pitchFamily="-106" charset="-128"/>
-                <a:cs typeface="ＭＳ Ｐゴシック" pitchFamily="-106" charset="-128"/>
-              </a:rPr>
+              <a:rPr lang="en-US" sz="1400" dirty="0"/>
               <a:t>Jesus is </a:t>
             </a:r>
             <a:r>
-              <a:rPr lang="en-US" sz="1400" b="1" i="0" kern="1200" dirty="0">
-                <a:solidFill>
-                  <a:schemeClr val="tx1"/>
-                </a:solidFill>
-                <a:effectLst/>
-                <a:latin typeface="+mn-lt"/>
-                <a:ea typeface="ＭＳ Ｐゴシック" pitchFamily="-106" charset="-128"/>
-                <a:cs typeface="ＭＳ Ｐゴシック" pitchFamily="-106" charset="-128"/>
-              </a:rPr>
+              <a:rPr lang="en-US" sz="1400" b="1" dirty="0"/>
               <a:t>descended from David</a:t>
             </a:r>
             <a:r>
-              <a:rPr lang="en-US" sz="1400" b="0" i="0" kern="1200" dirty="0">
-                <a:solidFill>
-                  <a:schemeClr val="tx1"/>
-                </a:solidFill>
-                <a:effectLst/>
-                <a:latin typeface="+mn-lt"/>
-                <a:ea typeface="ＭＳ Ｐゴシック" pitchFamily="-106" charset="-128"/>
-                <a:cs typeface="ＭＳ Ｐゴシック" pitchFamily="-106" charset="-128"/>
-              </a:rPr>
+              <a:rPr lang="en-US" sz="1400" dirty="0"/>
               <a:t> according to the flesh (human lineage).</a:t>
             </a:r>
           </a:p>
           <a:p>
-            <a:pPr marL="171450" indent="-171450" rtl="0" fontAlgn="ctr">
+            <a:pPr marL="167061" indent="-167061" fontAlgn="ctr">
               <a:buFont typeface="Arial" panose="020B0604020202020204" pitchFamily="34" charset="0"/>
               <a:buChar char="•"/>
             </a:pPr>
             <a:r>
-              <a:rPr lang="en-US" sz="1400" b="0" i="0" kern="1200" dirty="0">
-                <a:solidFill>
-                  <a:schemeClr val="tx1"/>
-                </a:solidFill>
-                <a:effectLst/>
-                <a:latin typeface="+mn-lt"/>
-                <a:ea typeface="ＭＳ Ｐゴシック" pitchFamily="-106" charset="-128"/>
-                <a:cs typeface="ＭＳ Ｐゴシック" pitchFamily="-106" charset="-128"/>
-              </a:rPr>
+              <a:rPr lang="en-US" sz="1400" dirty="0"/>
               <a:t>God </a:t>
             </a:r>
             <a:r>
-              <a:rPr lang="en-US" sz="1400" b="1" i="0" kern="1200" dirty="0">
-                <a:solidFill>
-                  <a:schemeClr val="tx1"/>
-                </a:solidFill>
-                <a:effectLst/>
-                <a:latin typeface="+mn-lt"/>
-                <a:ea typeface="ＭＳ Ｐゴシック" pitchFamily="-106" charset="-128"/>
-                <a:cs typeface="ＭＳ Ｐゴシック" pitchFamily="-106" charset="-128"/>
-              </a:rPr>
+              <a:rPr lang="en-US" sz="1400" b="1" dirty="0"/>
               <a:t>confirmed His covenant</a:t>
             </a:r>
             <a:r>
-              <a:rPr lang="en-US" sz="1400" b="0" i="0" kern="1200" dirty="0">
-                <a:solidFill>
-                  <a:schemeClr val="tx1"/>
-                </a:solidFill>
-                <a:effectLst/>
-                <a:latin typeface="+mn-lt"/>
-                <a:ea typeface="ＭＳ Ｐゴシック" pitchFamily="-106" charset="-128"/>
-                <a:cs typeface="ＭＳ Ｐゴシック" pitchFamily="-106" charset="-128"/>
-              </a:rPr>
+              <a:rPr lang="en-US" sz="1400" dirty="0"/>
               <a:t> with David through Jesus’ </a:t>
             </a:r>
             <a:r>
-              <a:rPr lang="en-US" sz="1400" b="1" i="0" kern="1200" dirty="0">
-                <a:solidFill>
-                  <a:schemeClr val="tx1"/>
-                </a:solidFill>
-                <a:effectLst/>
-                <a:latin typeface="+mn-lt"/>
-                <a:ea typeface="ＭＳ Ｐゴシック" pitchFamily="-106" charset="-128"/>
-                <a:cs typeface="ＭＳ Ｐゴシック" pitchFamily="-106" charset="-128"/>
-              </a:rPr>
+              <a:rPr lang="en-US" sz="1400" b="1" dirty="0"/>
               <a:t>resurrection and exaltation</a:t>
             </a:r>
             <a:r>
-              <a:rPr lang="en-US" sz="1400" b="0" i="0" kern="1200" dirty="0">
-                <a:solidFill>
-                  <a:schemeClr val="tx1"/>
-                </a:solidFill>
-                <a:effectLst/>
-                <a:latin typeface="+mn-lt"/>
-                <a:ea typeface="ＭＳ Ｐゴシック" pitchFamily="-106" charset="-128"/>
-                <a:cs typeface="ＭＳ Ｐゴシック" pitchFamily="-106" charset="-128"/>
-              </a:rPr>
+              <a:rPr lang="en-US" sz="1400" dirty="0"/>
               <a:t>.</a:t>
             </a:r>
           </a:p>
           <a:p>
-            <a:pPr marL="171450" indent="-171450" rtl="0" fontAlgn="ctr">
+            <a:pPr marL="167061" indent="-167061" fontAlgn="ctr">
               <a:buFont typeface="Arial" panose="020B0604020202020204" pitchFamily="34" charset="0"/>
               <a:buChar char="•"/>
             </a:pPr>
             <a:r>
-              <a:rPr lang="en-US" sz="1400" b="0" i="0" kern="1200" dirty="0">
-                <a:solidFill>
-                  <a:schemeClr val="tx1"/>
-                </a:solidFill>
-                <a:effectLst/>
-                <a:latin typeface="+mn-lt"/>
-                <a:ea typeface="ＭＳ Ｐゴシック" pitchFamily="-106" charset="-128"/>
-                <a:cs typeface="ＭＳ Ｐゴシック" pitchFamily="-106" charset="-128"/>
-              </a:rPr>
+              <a:rPr lang="en-US" sz="1400" dirty="0"/>
               <a:t>Christ now </a:t>
             </a:r>
             <a:r>
-              <a:rPr lang="en-US" sz="1400" b="1" i="0" kern="1200" dirty="0">
-                <a:solidFill>
-                  <a:schemeClr val="tx1"/>
-                </a:solidFill>
-                <a:effectLst/>
-                <a:latin typeface="+mn-lt"/>
-                <a:ea typeface="ＭＳ Ｐゴシック" pitchFamily="-106" charset="-128"/>
-                <a:cs typeface="ＭＳ Ｐゴシック" pitchFamily="-106" charset="-128"/>
-              </a:rPr>
+              <a:rPr lang="en-US" sz="1400" b="1" dirty="0"/>
               <a:t>reigns forever</a:t>
             </a:r>
             <a:r>
-              <a:rPr lang="en-US" sz="1400" b="0" i="0" kern="1200" dirty="0">
-                <a:solidFill>
-                  <a:schemeClr val="tx1"/>
-                </a:solidFill>
-                <a:effectLst/>
-                <a:latin typeface="+mn-lt"/>
-                <a:ea typeface="ＭＳ Ｐゴシック" pitchFamily="-106" charset="-128"/>
-                <a:cs typeface="ＭＳ Ｐゴシック" pitchFamily="-106" charset="-128"/>
-              </a:rPr>
+              <a:rPr lang="en-US" sz="1400" dirty="0"/>
               <a:t> as the eternal fulfillment of the promise that David’s throne would never end.</a:t>
             </a:r>
           </a:p>
           <a:p>
-            <a:endParaRPr lang="en-US" sz="1400" b="1" kern="1200" dirty="0">
-              <a:solidFill>
-                <a:schemeClr val="tx1"/>
-              </a:solidFill>
-              <a:effectLst/>
-              <a:latin typeface="+mn-lt"/>
-              <a:ea typeface="ＭＳ Ｐゴシック" pitchFamily="-106" charset="-128"/>
-              <a:cs typeface="ＭＳ Ｐゴシック" pitchFamily="-106" charset="-128"/>
-            </a:endParaRPr>
-          </a:p>
-          <a:p>
-            <a:r>
-              <a:rPr lang="en-US" sz="1400" b="1" kern="1200" dirty="0">
-                <a:solidFill>
-                  <a:schemeClr val="tx1"/>
-                </a:solidFill>
-                <a:effectLst/>
-                <a:latin typeface="+mn-lt"/>
-                <a:ea typeface="ＭＳ Ｐゴシック" pitchFamily="-106" charset="-128"/>
-                <a:cs typeface="ＭＳ Ｐゴシック" pitchFamily="-106" charset="-128"/>
-              </a:rPr>
+            <a:endParaRPr lang="en-US" sz="1400" b="1" dirty="0"/>
+          </a:p>
+          <a:p>
+            <a:r>
+              <a:rPr lang="en-US" sz="1400" b="1" dirty="0"/>
               <a:t>Summary Verse:</a:t>
             </a:r>
-            <a:endParaRPr lang="en-US" sz="1400" kern="1200" dirty="0">
-              <a:solidFill>
-                <a:schemeClr val="tx1"/>
-              </a:solidFill>
-              <a:effectLst/>
-              <a:latin typeface="+mn-lt"/>
-              <a:ea typeface="ＭＳ Ｐゴシック" pitchFamily="-106" charset="-128"/>
-              <a:cs typeface="ＭＳ Ｐゴシック" pitchFamily="-106" charset="-128"/>
-            </a:endParaRPr>
-          </a:p>
-          <a:p>
-            <a:r>
-              <a:rPr lang="en-US" sz="1400" kern="1200" dirty="0">
-                <a:solidFill>
-                  <a:schemeClr val="tx1"/>
-                </a:solidFill>
-                <a:effectLst/>
-                <a:latin typeface="+mn-lt"/>
-                <a:ea typeface="ＭＳ Ｐゴシック" pitchFamily="-106" charset="-128"/>
-                <a:cs typeface="ＭＳ Ｐゴシック" pitchFamily="-106" charset="-128"/>
-              </a:rPr>
+            <a:endParaRPr lang="en-US" sz="1400" dirty="0"/>
+          </a:p>
+          <a:p>
+            <a:r>
+              <a:rPr lang="en-US" sz="1400" dirty="0"/>
               <a:t>“He will reign over the house of Jacob forever, and of His kingdom there will be no end.” - </a:t>
             </a:r>
             <a:r>
-              <a:rPr lang="en-US" sz="1400" i="1" kern="1200" dirty="0">
-                <a:solidFill>
-                  <a:schemeClr val="tx1"/>
-                </a:solidFill>
-                <a:effectLst/>
-                <a:latin typeface="+mn-lt"/>
-                <a:ea typeface="ＭＳ Ｐゴシック" pitchFamily="-106" charset="-128"/>
-                <a:cs typeface="ＭＳ Ｐゴシック" pitchFamily="-106" charset="-128"/>
-              </a:rPr>
+              <a:rPr lang="en-US" sz="1400" i="1" dirty="0"/>
               <a:t>Luke 1:33</a:t>
             </a:r>
-            <a:endParaRPr lang="en-US" sz="1400" kern="1200" dirty="0">
-              <a:solidFill>
-                <a:schemeClr val="tx1"/>
-              </a:solidFill>
-              <a:effectLst/>
-              <a:latin typeface="+mn-lt"/>
-              <a:ea typeface="ＭＳ Ｐゴシック" pitchFamily="-106" charset="-128"/>
-              <a:cs typeface="ＭＳ Ｐゴシック" pitchFamily="-106" charset="-128"/>
-            </a:endParaRPr>
+            <a:endParaRPr lang="en-US" sz="1400" dirty="0"/>
           </a:p>
           <a:p>
             <a:endParaRPr lang="en-US" dirty="0"/>
@@ -1818,319 +1290,119 @@
           <a:lstStyle/>
           <a:p>
             <a:r>
-              <a:rPr lang="en-US" sz="1200" b="1" kern="1200" dirty="0">
-                <a:solidFill>
-                  <a:schemeClr val="tx1"/>
-                </a:solidFill>
-                <a:effectLst/>
-                <a:latin typeface="+mn-lt"/>
-                <a:ea typeface="ＭＳ Ｐゴシック" pitchFamily="-106" charset="-128"/>
-                <a:cs typeface="ＭＳ Ｐゴシック" pitchFamily="-106" charset="-128"/>
-              </a:rPr>
+              <a:rPr lang="en-US" b="1" dirty="0"/>
               <a:t>God’s Character in Scripture</a:t>
             </a:r>
-            <a:endParaRPr lang="en-US" sz="1200" kern="1200" dirty="0">
-              <a:solidFill>
-                <a:schemeClr val="tx1"/>
-              </a:solidFill>
-              <a:effectLst/>
-              <a:latin typeface="+mn-lt"/>
-              <a:ea typeface="ＭＳ Ｐゴシック" pitchFamily="-106" charset="-128"/>
-              <a:cs typeface="ＭＳ Ｐゴシック" pitchFamily="-106" charset="-128"/>
-            </a:endParaRPr>
-          </a:p>
-          <a:p>
-            <a:endParaRPr lang="en-US" sz="1200" b="1" kern="1200" dirty="0">
-              <a:solidFill>
-                <a:schemeClr val="tx1"/>
-              </a:solidFill>
-              <a:effectLst/>
-              <a:latin typeface="+mn-lt"/>
-              <a:ea typeface="ＭＳ Ｐゴシック" pitchFamily="-106" charset="-128"/>
-              <a:cs typeface="ＭＳ Ｐゴシック" pitchFamily="-106" charset="-128"/>
-            </a:endParaRPr>
-          </a:p>
-          <a:p>
-            <a:r>
-              <a:rPr lang="en-US" sz="1200" b="1" kern="1200" dirty="0">
-                <a:solidFill>
-                  <a:schemeClr val="tx1"/>
-                </a:solidFill>
-                <a:effectLst/>
-                <a:latin typeface="+mn-lt"/>
-                <a:ea typeface="ＭＳ Ｐゴシック" pitchFamily="-106" charset="-128"/>
-                <a:cs typeface="ＭＳ Ｐゴシック" pitchFamily="-106" charset="-128"/>
-              </a:rPr>
+            <a:endParaRPr lang="en-US" dirty="0"/>
+          </a:p>
+          <a:p>
+            <a:endParaRPr lang="en-US" b="1" dirty="0"/>
+          </a:p>
+          <a:p>
+            <a:r>
+              <a:rPr lang="en-US" b="1" dirty="0"/>
               <a:t>Scripture Focus:</a:t>
             </a:r>
-            <a:endParaRPr lang="en-US" sz="1200" kern="1200" dirty="0">
-              <a:solidFill>
-                <a:schemeClr val="tx1"/>
-              </a:solidFill>
-              <a:effectLst/>
-              <a:latin typeface="+mn-lt"/>
-              <a:ea typeface="ＭＳ Ｐゴシック" pitchFamily="-106" charset="-128"/>
-              <a:cs typeface="ＭＳ Ｐゴシック" pitchFamily="-106" charset="-128"/>
-            </a:endParaRPr>
-          </a:p>
-          <a:p>
-            <a:r>
-              <a:rPr lang="en-US" sz="1200" i="1" kern="1200" dirty="0">
-                <a:solidFill>
-                  <a:schemeClr val="tx1"/>
-                </a:solidFill>
-                <a:effectLst/>
-                <a:latin typeface="+mn-lt"/>
-                <a:ea typeface="ＭＳ Ｐゴシック" pitchFamily="-106" charset="-128"/>
-                <a:cs typeface="ＭＳ Ｐゴシック" pitchFamily="-106" charset="-128"/>
-              </a:rPr>
+            <a:endParaRPr lang="en-US" dirty="0"/>
+          </a:p>
+          <a:p>
+            <a:r>
+              <a:rPr lang="en-US" i="1" dirty="0"/>
               <a:t>2 Samuel 7:12-16; Psalm 89:3-4, 28-37; Psalm 132:11-12</a:t>
             </a:r>
-            <a:endParaRPr lang="en-US" sz="1200" kern="1200" dirty="0">
-              <a:solidFill>
-                <a:schemeClr val="tx1"/>
-              </a:solidFill>
-              <a:effectLst/>
-              <a:latin typeface="+mn-lt"/>
-              <a:ea typeface="ＭＳ Ｐゴシック" pitchFamily="-106" charset="-128"/>
-              <a:cs typeface="ＭＳ Ｐゴシック" pitchFamily="-106" charset="-128"/>
-            </a:endParaRPr>
+            <a:endParaRPr lang="en-US" dirty="0"/>
           </a:p>
           <a:p>
             <a:pPr rtl="0" fontAlgn="ctr"/>
-            <a:endParaRPr lang="en-US" sz="1200" kern="1200" dirty="0">
-              <a:solidFill>
-                <a:schemeClr val="tx1"/>
-              </a:solidFill>
-              <a:effectLst/>
-              <a:latin typeface="+mn-lt"/>
-              <a:ea typeface="ＭＳ Ｐゴシック" pitchFamily="-106" charset="-128"/>
-              <a:cs typeface="ＭＳ Ｐゴシック" pitchFamily="-106" charset="-128"/>
-            </a:endParaRPr>
-          </a:p>
-          <a:p>
-            <a:pPr marL="171450" indent="-171450" rtl="0" fontAlgn="ctr">
+            <a:endParaRPr lang="en-US" dirty="0"/>
+          </a:p>
+          <a:p>
+            <a:pPr marL="167061" indent="-167061" fontAlgn="ctr">
               <a:buFont typeface="Arial" panose="020B0604020202020204" pitchFamily="34" charset="0"/>
               <a:buChar char="•"/>
             </a:pPr>
             <a:r>
-              <a:rPr lang="en-US" sz="1200" kern="1200" dirty="0">
-                <a:solidFill>
-                  <a:schemeClr val="tx1"/>
-                </a:solidFill>
-                <a:effectLst/>
-                <a:latin typeface="+mn-lt"/>
-                <a:ea typeface="ＭＳ Ｐゴシック" pitchFamily="-106" charset="-128"/>
-                <a:cs typeface="ＭＳ Ｐゴシック" pitchFamily="-106" charset="-128"/>
-              </a:rPr>
+              <a:rPr lang="en-US" dirty="0"/>
               <a:t>In 2 Samuel 7, God covenants with David that his offspring will build a house for God’s name and that his throne will be established forever.</a:t>
             </a:r>
           </a:p>
           <a:p>
-            <a:pPr marL="171450" indent="-171450" rtl="0" fontAlgn="ctr">
+            <a:pPr marL="167061" indent="-167061" fontAlgn="ctr">
               <a:buFont typeface="Arial" panose="020B0604020202020204" pitchFamily="34" charset="0"/>
               <a:buChar char="•"/>
             </a:pPr>
             <a:r>
-              <a:rPr lang="en-US" sz="1200" kern="1200" dirty="0">
-                <a:solidFill>
-                  <a:schemeClr val="tx1"/>
-                </a:solidFill>
-                <a:effectLst/>
-                <a:latin typeface="+mn-lt"/>
-                <a:ea typeface="ＭＳ Ｐゴシック" pitchFamily="-106" charset="-128"/>
-                <a:cs typeface="ＭＳ Ｐゴシック" pitchFamily="-106" charset="-128"/>
-              </a:rPr>
+              <a:rPr lang="en-US" dirty="0"/>
               <a:t>God binds Himself by promise, revealing His </a:t>
             </a:r>
             <a:r>
-              <a:rPr lang="en-US" sz="1200" i="1" kern="1200" dirty="0">
-                <a:solidFill>
-                  <a:schemeClr val="tx1"/>
-                </a:solidFill>
-                <a:effectLst/>
-                <a:latin typeface="+mn-lt"/>
-                <a:ea typeface="ＭＳ Ｐゴシック" pitchFamily="-106" charset="-128"/>
-                <a:cs typeface="ＭＳ Ｐゴシック" pitchFamily="-106" charset="-128"/>
-              </a:rPr>
+              <a:rPr lang="en-US" i="1" dirty="0"/>
               <a:t>steadfast love</a:t>
             </a:r>
             <a:r>
-              <a:rPr lang="en-US" sz="1200" kern="1200" dirty="0">
-                <a:solidFill>
-                  <a:schemeClr val="tx1"/>
-                </a:solidFill>
-                <a:effectLst/>
-                <a:latin typeface="+mn-lt"/>
-                <a:ea typeface="ＭＳ Ｐゴシック" pitchFamily="-106" charset="-128"/>
-                <a:cs typeface="ＭＳ Ｐゴシック" pitchFamily="-106" charset="-128"/>
-              </a:rPr>
+              <a:rPr lang="en-US" dirty="0"/>
               <a:t> and </a:t>
             </a:r>
             <a:r>
-              <a:rPr lang="en-US" sz="1200" i="1" kern="1200" dirty="0">
-                <a:solidFill>
-                  <a:schemeClr val="tx1"/>
-                </a:solidFill>
-                <a:effectLst/>
-                <a:latin typeface="+mn-lt"/>
-                <a:ea typeface="ＭＳ Ｐゴシック" pitchFamily="-106" charset="-128"/>
-                <a:cs typeface="ＭＳ Ｐゴシック" pitchFamily="-106" charset="-128"/>
-              </a:rPr>
+              <a:rPr lang="en-US" i="1" dirty="0"/>
               <a:t>faithfulness</a:t>
             </a:r>
             <a:r>
-              <a:rPr lang="en-US" sz="1200" kern="1200" dirty="0">
-                <a:solidFill>
-                  <a:schemeClr val="tx1"/>
-                </a:solidFill>
-                <a:effectLst/>
-                <a:latin typeface="+mn-lt"/>
-                <a:ea typeface="ＭＳ Ｐゴシック" pitchFamily="-106" charset="-128"/>
-                <a:cs typeface="ＭＳ Ｐゴシック" pitchFamily="-106" charset="-128"/>
-              </a:rPr>
+              <a:rPr lang="en-US" dirty="0"/>
               <a:t>.</a:t>
             </a:r>
           </a:p>
           <a:p>
-            <a:pPr marL="171450" indent="-171450" rtl="0" fontAlgn="ctr">
+            <a:pPr marL="167061" indent="-167061" fontAlgn="ctr">
               <a:buFont typeface="Arial" panose="020B0604020202020204" pitchFamily="34" charset="0"/>
               <a:buChar char="•"/>
             </a:pPr>
             <a:r>
-              <a:rPr lang="en-US" sz="1200" kern="1200" dirty="0">
-                <a:solidFill>
-                  <a:schemeClr val="tx1"/>
-                </a:solidFill>
-                <a:effectLst/>
-                <a:latin typeface="+mn-lt"/>
-                <a:ea typeface="ＭＳ Ｐゴシック" pitchFamily="-106" charset="-128"/>
-                <a:cs typeface="ＭＳ Ｐゴシック" pitchFamily="-106" charset="-128"/>
-              </a:rPr>
+              <a:rPr lang="en-US" dirty="0"/>
               <a:t>Psalm 89 and Psalm 132 echo this covenant: God will not revoke His promise even when David’s descendants falter. His mercy upholds His covenant.</a:t>
             </a:r>
           </a:p>
           <a:p>
-            <a:pPr marL="171450" indent="-171450">
+            <a:pPr marL="167061" indent="-167061">
               <a:buFont typeface="Arial" panose="020B0604020202020204" pitchFamily="34" charset="0"/>
               <a:buChar char="•"/>
             </a:pPr>
-            <a:endParaRPr lang="en-US" sz="1200" b="1" kern="1200" dirty="0">
-              <a:solidFill>
-                <a:schemeClr val="tx1"/>
-              </a:solidFill>
-              <a:effectLst/>
-              <a:latin typeface="+mn-lt"/>
-              <a:ea typeface="ＭＳ Ｐゴシック" pitchFamily="-106" charset="-128"/>
-              <a:cs typeface="ＭＳ Ｐゴシック" pitchFamily="-106" charset="-128"/>
-            </a:endParaRPr>
-          </a:p>
-          <a:p>
-            <a:r>
-              <a:rPr lang="en-US" sz="1200" b="1" kern="1200" dirty="0">
-                <a:solidFill>
-                  <a:schemeClr val="tx1"/>
-                </a:solidFill>
-                <a:effectLst/>
-                <a:latin typeface="+mn-lt"/>
-                <a:ea typeface="ＭＳ Ｐゴシック" pitchFamily="-106" charset="-128"/>
-                <a:cs typeface="ＭＳ Ｐゴシック" pitchFamily="-106" charset="-128"/>
-              </a:rPr>
+            <a:endParaRPr lang="en-US" b="1" dirty="0"/>
+          </a:p>
+          <a:p>
+            <a:r>
+              <a:rPr lang="en-US" b="1" dirty="0"/>
               <a:t>Revelation of God’s Character:</a:t>
             </a:r>
-            <a:endParaRPr lang="en-US" sz="1200" kern="1200" dirty="0">
-              <a:solidFill>
-                <a:schemeClr val="tx1"/>
-              </a:solidFill>
-              <a:effectLst/>
-              <a:latin typeface="+mn-lt"/>
-              <a:ea typeface="ＭＳ Ｐゴシック" pitchFamily="-106" charset="-128"/>
-              <a:cs typeface="ＭＳ Ｐゴシック" pitchFamily="-106" charset="-128"/>
-            </a:endParaRPr>
-          </a:p>
-          <a:p>
-            <a:r>
-              <a:rPr lang="en-US" sz="1200" kern="1200" dirty="0">
-                <a:solidFill>
-                  <a:schemeClr val="tx1"/>
-                </a:solidFill>
-                <a:effectLst/>
-                <a:latin typeface="+mn-lt"/>
-                <a:ea typeface="ＭＳ Ｐゴシック" pitchFamily="-106" charset="-128"/>
-                <a:cs typeface="ＭＳ Ｐゴシック" pitchFamily="-106" charset="-128"/>
-              </a:rPr>
+            <a:endParaRPr lang="en-US" dirty="0"/>
+          </a:p>
+          <a:p>
+            <a:r>
+              <a:rPr lang="en-US" dirty="0"/>
               <a:t>God is faithful to His word even when human kings fail. He shows Himself as the </a:t>
             </a:r>
             <a:r>
-              <a:rPr lang="en-US" sz="1200" b="1" kern="1200" dirty="0">
-                <a:solidFill>
-                  <a:schemeClr val="tx1"/>
-                </a:solidFill>
-                <a:effectLst/>
-                <a:latin typeface="+mn-lt"/>
-                <a:ea typeface="ＭＳ Ｐゴシック" pitchFamily="-106" charset="-128"/>
-                <a:cs typeface="ＭＳ Ｐゴシック" pitchFamily="-106" charset="-128"/>
-              </a:rPr>
+              <a:rPr lang="en-US" b="1" dirty="0"/>
               <a:t>Covenant Keeper</a:t>
             </a:r>
             <a:r>
-              <a:rPr lang="en-US" sz="1200" kern="1200" dirty="0">
-                <a:solidFill>
-                  <a:schemeClr val="tx1"/>
-                </a:solidFill>
-                <a:effectLst/>
-                <a:latin typeface="+mn-lt"/>
-                <a:ea typeface="ＭＳ Ｐゴシック" pitchFamily="-106" charset="-128"/>
-                <a:cs typeface="ＭＳ Ｐゴシック" pitchFamily="-106" charset="-128"/>
-              </a:rPr>
+              <a:rPr lang="en-US" dirty="0"/>
               <a:t>, the </a:t>
             </a:r>
             <a:r>
-              <a:rPr lang="en-US" sz="1200" b="1" kern="1200" dirty="0">
-                <a:solidFill>
-                  <a:schemeClr val="tx1"/>
-                </a:solidFill>
-                <a:effectLst/>
-                <a:latin typeface="+mn-lt"/>
-                <a:ea typeface="ＭＳ Ｐゴシック" pitchFamily="-106" charset="-128"/>
-                <a:cs typeface="ＭＳ Ｐゴシック" pitchFamily="-106" charset="-128"/>
-              </a:rPr>
+              <a:rPr lang="en-US" b="1" dirty="0"/>
               <a:t>Promise Sustainer</a:t>
             </a:r>
             <a:r>
-              <a:rPr lang="en-US" sz="1200" kern="1200" dirty="0">
-                <a:solidFill>
-                  <a:schemeClr val="tx1"/>
-                </a:solidFill>
-                <a:effectLst/>
-                <a:latin typeface="+mn-lt"/>
-                <a:ea typeface="ＭＳ Ｐゴシック" pitchFamily="-106" charset="-128"/>
-                <a:cs typeface="ＭＳ Ｐゴシック" pitchFamily="-106" charset="-128"/>
-              </a:rPr>
+              <a:rPr lang="en-US" dirty="0"/>
               <a:t>, and the </a:t>
             </a:r>
             <a:r>
-              <a:rPr lang="en-US" sz="1200" b="1" kern="1200" dirty="0">
-                <a:solidFill>
-                  <a:schemeClr val="tx1"/>
-                </a:solidFill>
-                <a:effectLst/>
-                <a:latin typeface="+mn-lt"/>
-                <a:ea typeface="ＭＳ Ｐゴシック" pitchFamily="-106" charset="-128"/>
-                <a:cs typeface="ＭＳ Ｐゴシック" pitchFamily="-106" charset="-128"/>
-              </a:rPr>
+              <a:rPr lang="en-US" b="1" dirty="0"/>
               <a:t>Faithful Kingmaker</a:t>
             </a:r>
             <a:r>
-              <a:rPr lang="en-US" sz="1200" kern="1200" dirty="0">
-                <a:solidFill>
-                  <a:schemeClr val="tx1"/>
-                </a:solidFill>
-                <a:effectLst/>
-                <a:latin typeface="+mn-lt"/>
-                <a:ea typeface="ＭＳ Ｐゴシック" pitchFamily="-106" charset="-128"/>
-                <a:cs typeface="ＭＳ Ｐゴシック" pitchFamily="-106" charset="-128"/>
-              </a:rPr>
+              <a:rPr lang="en-US" dirty="0"/>
               <a:t>.</a:t>
             </a:r>
           </a:p>
@@ -2138,43 +1410,15 @@
             <a:endParaRPr lang="en-US" sz="1400" dirty="0"/>
           </a:p>
           <a:p>
-            <a:pPr marL="0" marR="0" lvl="0" indent="0" algn="l" defTabSz="914400" rtl="0" eaLnBrk="0" fontAlgn="base" latinLnBrk="0" hangingPunct="0">
-              <a:lnSpc>
-                <a:spcPct val="100000"/>
-              </a:lnSpc>
-              <a:spcBef>
-                <a:spcPct val="30000"/>
-              </a:spcBef>
-              <a:spcAft>
-                <a:spcPct val="0"/>
-              </a:spcAft>
-              <a:buClrTx/>
-              <a:buSzTx/>
-              <a:buFontTx/>
-              <a:buNone/>
-              <a:tabLst/>
+            <a:pPr defTabSz="890991">
               <a:defRPr/>
             </a:pPr>
             <a:r>
-              <a:rPr lang="en-US" sz="1200" b="1" i="0" u="none" strike="noStrike" kern="1200" baseline="0" dirty="0">
-                <a:solidFill>
-                  <a:schemeClr val="tx1"/>
-                </a:solidFill>
-                <a:latin typeface="+mn-lt"/>
-                <a:ea typeface="ＭＳ Ｐゴシック" pitchFamily="-106" charset="-128"/>
-                <a:cs typeface="ＭＳ Ｐゴシック" pitchFamily="-106" charset="-128"/>
-              </a:rPr>
+              <a:rPr lang="en-US" b="1" dirty="0"/>
               <a:t>2Sa 7:10-16  </a:t>
             </a:r>
             <a:r>
-              <a:rPr lang="en-US" sz="1200" b="0" i="0" u="none" strike="noStrike" kern="1200" baseline="0" dirty="0">
-                <a:solidFill>
-                  <a:schemeClr val="tx1"/>
-                </a:solidFill>
-                <a:latin typeface="+mn-lt"/>
-                <a:ea typeface="ＭＳ Ｐゴシック" pitchFamily="-106" charset="-128"/>
-                <a:cs typeface="ＭＳ Ｐゴシック" pitchFamily="-106" charset="-128"/>
-              </a:rPr>
+              <a:rPr lang="en-US" dirty="0"/>
               <a:t>I will establish a place for my people Israel and settle them there; they will live there and not be disturbed any more. Violent men will not oppress them again, as they did in the beginning  (11)  and during the time when I appointed judges to lead my people Israel. Instead, I will give you relief from all your enemies. The LORD declares to you that he himself will build a dynastic house for you.  (12)  When the time comes for you to die, I will raise up your descendant, one of your own sons, to succeed you, and I will establish his kingdom.  (13)  He will build a house for my name, and I will make his dynasty permanent.  (14)  I will become his father and he will become my son. When he sins, I will correct him with the rod of men and with wounds inflicted by human beings.  (15)  But my loyal love will not be removed from him as I removed it from Saul, whom I removed from before you.  (16)  Your house and your kingdom will stand before me permanently; your dynasty will be permanent.’”</a:t>
             </a:r>
           </a:p>
@@ -2183,54 +1427,19 @@
             <a:endParaRPr lang="en-US" sz="1400" dirty="0"/>
           </a:p>
           <a:p>
-            <a:pPr marL="0" marR="0" lvl="0" indent="0" algn="l" defTabSz="914400" rtl="0" eaLnBrk="0" fontAlgn="base" latinLnBrk="0" hangingPunct="0">
-              <a:lnSpc>
-                <a:spcPct val="100000"/>
-              </a:lnSpc>
-              <a:spcBef>
-                <a:spcPct val="30000"/>
-              </a:spcBef>
-              <a:spcAft>
-                <a:spcPct val="0"/>
-              </a:spcAft>
-              <a:buClrTx/>
-              <a:buSzTx/>
-              <a:buFontTx/>
-              <a:buNone/>
-              <a:tabLst/>
+            <a:pPr defTabSz="890991">
               <a:defRPr/>
             </a:pPr>
             <a:r>
-              <a:rPr lang="en-US" sz="1200" b="1" i="0" u="none" strike="noStrike" kern="1200" baseline="0" dirty="0" err="1">
-                <a:solidFill>
-                  <a:schemeClr val="tx1"/>
-                </a:solidFill>
-                <a:latin typeface="+mn-lt"/>
-                <a:ea typeface="ＭＳ Ｐゴシック" pitchFamily="-106" charset="-128"/>
-                <a:cs typeface="ＭＳ Ｐゴシック" pitchFamily="-106" charset="-128"/>
-              </a:rPr>
+              <a:rPr lang="en-US" b="1" dirty="0" err="1"/>
               <a:t>Psa</a:t>
             </a:r>
             <a:r>
-              <a:rPr lang="en-US" sz="1200" b="1" i="0" u="none" strike="noStrike" kern="1200" baseline="0" dirty="0">
-                <a:solidFill>
-                  <a:schemeClr val="tx1"/>
-                </a:solidFill>
-                <a:latin typeface="+mn-lt"/>
-                <a:ea typeface="ＭＳ Ｐゴシック" pitchFamily="-106" charset="-128"/>
-                <a:cs typeface="ＭＳ Ｐゴシック" pitchFamily="-106" charset="-128"/>
-              </a:rPr>
+              <a:rPr lang="en-US" b="1" dirty="0"/>
               <a:t> 89:2-4  </a:t>
             </a:r>
             <a:r>
-              <a:rPr lang="en-US" sz="1200" b="0" i="0" u="none" strike="noStrike" kern="1200" baseline="0" dirty="0">
-                <a:solidFill>
-                  <a:schemeClr val="tx1"/>
-                </a:solidFill>
-                <a:latin typeface="+mn-lt"/>
-                <a:ea typeface="ＭＳ Ｐゴシック" pitchFamily="-106" charset="-128"/>
-                <a:cs typeface="ＭＳ Ｐゴシック" pitchFamily="-106" charset="-128"/>
-              </a:rPr>
+              <a:rPr lang="en-US" dirty="0"/>
               <a:t>For I say, “Loyal love is permanently established; in the skies you set up your faithfulness.”  (3)  The LORD said, “I have made a covenant with my chosen one; I have made a promise on oath to David, my servant:  (4)  ‘I will give you an eternal dynasty and establish your throne throughout future generations.’” (Selah)</a:t>
             </a:r>
           </a:p>
@@ -2239,54 +1448,19 @@
             <a:endParaRPr lang="en-US" sz="1400" dirty="0"/>
           </a:p>
           <a:p>
-            <a:pPr marL="0" marR="0" lvl="0" indent="0" algn="l" defTabSz="914400" rtl="0" eaLnBrk="0" fontAlgn="base" latinLnBrk="0" hangingPunct="0">
-              <a:lnSpc>
-                <a:spcPct val="100000"/>
-              </a:lnSpc>
-              <a:spcBef>
-                <a:spcPct val="30000"/>
-              </a:spcBef>
-              <a:spcAft>
-                <a:spcPct val="0"/>
-              </a:spcAft>
-              <a:buClrTx/>
-              <a:buSzTx/>
-              <a:buFontTx/>
-              <a:buNone/>
-              <a:tabLst/>
+            <a:pPr defTabSz="890991">
               <a:defRPr/>
             </a:pPr>
             <a:r>
-              <a:rPr lang="en-US" sz="1200" b="1" i="0" u="none" strike="noStrike" kern="1200" baseline="0" dirty="0" err="1">
-                <a:solidFill>
-                  <a:schemeClr val="tx1"/>
-                </a:solidFill>
-                <a:latin typeface="+mn-lt"/>
-                <a:ea typeface="ＭＳ Ｐゴシック" pitchFamily="-106" charset="-128"/>
-                <a:cs typeface="ＭＳ Ｐゴシック" pitchFamily="-106" charset="-128"/>
-              </a:rPr>
+              <a:rPr lang="en-US" b="1" dirty="0" err="1"/>
               <a:t>Psa</a:t>
             </a:r>
             <a:r>
-              <a:rPr lang="en-US" sz="1200" b="1" i="0" u="none" strike="noStrike" kern="1200" baseline="0" dirty="0">
-                <a:solidFill>
-                  <a:schemeClr val="tx1"/>
-                </a:solidFill>
-                <a:latin typeface="+mn-lt"/>
-                <a:ea typeface="ＭＳ Ｐゴシック" pitchFamily="-106" charset="-128"/>
-                <a:cs typeface="ＭＳ Ｐゴシック" pitchFamily="-106" charset="-128"/>
-              </a:rPr>
+              <a:rPr lang="en-US" b="1" dirty="0"/>
               <a:t> 132:10-12  </a:t>
             </a:r>
             <a:r>
-              <a:rPr lang="en-US" sz="1200" b="0" i="0" u="none" strike="noStrike" kern="1200" baseline="0" dirty="0">
-                <a:solidFill>
-                  <a:schemeClr val="tx1"/>
-                </a:solidFill>
-                <a:latin typeface="+mn-lt"/>
-                <a:ea typeface="ＭＳ Ｐゴシック" pitchFamily="-106" charset="-128"/>
-                <a:cs typeface="ＭＳ Ｐゴシック" pitchFamily="-106" charset="-128"/>
-              </a:rPr>
+              <a:rPr lang="en-US" dirty="0"/>
               <a:t>For the sake of David, your servant, do not reject your chosen king!  (11)  The LORD made a reliable promise to David; he will not go back on his word. He said, “I will place one of your descendants on your throne.  (12)  If your sons keep my covenant and the rules I teach them, their sons will also sit on your throne forever.”</a:t>
             </a:r>
           </a:p>
@@ -2398,567 +1572,235 @@
         <p:spPr/>
         <p:txBody>
           <a:bodyPr>
-            <a:normAutofit fontScale="85000" lnSpcReduction="20000"/>
+            <a:normAutofit fontScale="40000" lnSpcReduction="20000"/>
           </a:bodyPr>
           <a:lstStyle/>
           <a:p>
             <a:r>
-              <a:rPr lang="en-US" sz="1200" b="1" kern="1200" dirty="0">
-                <a:solidFill>
-                  <a:schemeClr val="tx1"/>
-                </a:solidFill>
-                <a:effectLst/>
-                <a:latin typeface="+mn-lt"/>
-                <a:ea typeface="ＭＳ Ｐゴシック" pitchFamily="-106" charset="-128"/>
-                <a:cs typeface="ＭＳ Ｐゴシック" pitchFamily="-106" charset="-128"/>
-              </a:rPr>
+              <a:rPr lang="en-US" sz="1400" b="1" dirty="0"/>
               <a:t>God’s Character in History</a:t>
             </a:r>
-            <a:endParaRPr lang="en-US" sz="1200" kern="1200" dirty="0">
-              <a:solidFill>
-                <a:schemeClr val="tx1"/>
-              </a:solidFill>
-              <a:effectLst/>
-              <a:latin typeface="+mn-lt"/>
-              <a:ea typeface="ＭＳ Ｐゴシック" pitchFamily="-106" charset="-128"/>
-              <a:cs typeface="ＭＳ Ｐゴシック" pitchFamily="-106" charset="-128"/>
-            </a:endParaRPr>
-          </a:p>
-          <a:p>
-            <a:endParaRPr lang="en-US" sz="1200" b="1" kern="1200" dirty="0">
-              <a:solidFill>
-                <a:schemeClr val="tx1"/>
-              </a:solidFill>
-              <a:effectLst/>
-              <a:latin typeface="+mn-lt"/>
-              <a:ea typeface="ＭＳ Ｐゴシック" pitchFamily="-106" charset="-128"/>
-              <a:cs typeface="ＭＳ Ｐゴシック" pitchFamily="-106" charset="-128"/>
-            </a:endParaRPr>
-          </a:p>
-          <a:p>
-            <a:r>
-              <a:rPr lang="en-US" sz="1200" b="1" kern="1200" dirty="0">
-                <a:solidFill>
-                  <a:schemeClr val="tx1"/>
-                </a:solidFill>
-                <a:effectLst/>
-                <a:latin typeface="+mn-lt"/>
-                <a:ea typeface="ＭＳ Ｐゴシック" pitchFamily="-106" charset="-128"/>
-                <a:cs typeface="ＭＳ Ｐゴシック" pitchFamily="-106" charset="-128"/>
-              </a:rPr>
+            <a:endParaRPr lang="en-US" sz="1400" dirty="0"/>
+          </a:p>
+          <a:p>
+            <a:endParaRPr lang="en-US" sz="1400" b="1" dirty="0"/>
+          </a:p>
+          <a:p>
+            <a:r>
+              <a:rPr lang="en-US" sz="1400" b="1" dirty="0"/>
               <a:t>Historical Fulfillment and Struggle:</a:t>
             </a:r>
-            <a:endParaRPr lang="en-US" sz="1200" kern="1200" dirty="0">
-              <a:solidFill>
-                <a:schemeClr val="tx1"/>
-              </a:solidFill>
-              <a:effectLst/>
-              <a:latin typeface="+mn-lt"/>
-              <a:ea typeface="ＭＳ Ｐゴシック" pitchFamily="-106" charset="-128"/>
-              <a:cs typeface="ＭＳ Ｐゴシック" pitchFamily="-106" charset="-128"/>
-            </a:endParaRPr>
+            <a:endParaRPr lang="en-US" sz="1400" dirty="0"/>
           </a:p>
           <a:p>
             <a:pPr rtl="0" fontAlgn="ctr"/>
             <a:r>
-              <a:rPr lang="en-US" sz="1200" kern="1200" dirty="0">
-                <a:solidFill>
-                  <a:schemeClr val="tx1"/>
-                </a:solidFill>
-                <a:effectLst/>
-                <a:latin typeface="+mn-lt"/>
-                <a:ea typeface="ＭＳ Ｐゴシック" pitchFamily="-106" charset="-128"/>
-                <a:cs typeface="ＭＳ Ｐゴシック" pitchFamily="-106" charset="-128"/>
-              </a:rPr>
+              <a:rPr lang="en-US" sz="1400" dirty="0"/>
               <a:t>Despite periods of rebellion, exile, and the fall of David’s monarchy, God preserved David’s lineage “for His servant David’s sake” (</a:t>
             </a:r>
             <a:r>
-              <a:rPr lang="en-US" sz="1200" i="1" kern="1200" dirty="0">
-                <a:solidFill>
-                  <a:schemeClr val="tx1"/>
-                </a:solidFill>
-                <a:effectLst/>
-                <a:latin typeface="+mn-lt"/>
-                <a:ea typeface="ＭＳ Ｐゴシック" pitchFamily="-106" charset="-128"/>
-                <a:cs typeface="ＭＳ Ｐゴシック" pitchFamily="-106" charset="-128"/>
-              </a:rPr>
+              <a:rPr lang="en-US" sz="1400" i="1" dirty="0"/>
               <a:t>2 Kings 8:19</a:t>
             </a:r>
             <a:r>
-              <a:rPr lang="en-US" sz="1200" kern="1200" dirty="0">
-                <a:solidFill>
-                  <a:schemeClr val="tx1"/>
-                </a:solidFill>
-                <a:effectLst/>
-                <a:latin typeface="+mn-lt"/>
-                <a:ea typeface="ＭＳ Ｐゴシック" pitchFamily="-106" charset="-128"/>
-                <a:cs typeface="ＭＳ Ｐゴシック" pitchFamily="-106" charset="-128"/>
-              </a:rPr>
+              <a:rPr lang="en-US" sz="1400" dirty="0"/>
               <a:t>).</a:t>
             </a:r>
           </a:p>
           <a:p>
             <a:pPr rtl="0" fontAlgn="ctr"/>
             <a:r>
-              <a:rPr lang="en-US" sz="1200" kern="1200" dirty="0">
-                <a:solidFill>
-                  <a:schemeClr val="tx1"/>
-                </a:solidFill>
-                <a:effectLst/>
-                <a:latin typeface="+mn-lt"/>
-                <a:ea typeface="ＭＳ Ｐゴシック" pitchFamily="-106" charset="-128"/>
-                <a:cs typeface="ＭＳ Ｐゴシック" pitchFamily="-106" charset="-128"/>
-              </a:rPr>
+              <a:rPr lang="en-US" sz="1400" dirty="0"/>
               <a:t>The prophets rekindled Israel’s hope in the promised eternal King:</a:t>
             </a:r>
           </a:p>
           <a:p>
             <a:pPr lvl="1" rtl="0" fontAlgn="ctr"/>
             <a:r>
-              <a:rPr lang="en-US" sz="1200" b="1" kern="1200" dirty="0">
-                <a:solidFill>
-                  <a:schemeClr val="tx1"/>
-                </a:solidFill>
-                <a:effectLst/>
-                <a:latin typeface="+mn-lt"/>
-                <a:ea typeface="ＭＳ Ｐゴシック" pitchFamily="-106" charset="-128"/>
-                <a:cs typeface="+mn-cs"/>
-              </a:rPr>
+              <a:rPr lang="en-US" sz="1400" b="1" dirty="0"/>
               <a:t>Isaiah 9:6–7</a:t>
             </a:r>
             <a:r>
-              <a:rPr lang="en-US" sz="1200" kern="1200" dirty="0">
-                <a:solidFill>
-                  <a:schemeClr val="tx1"/>
-                </a:solidFill>
-                <a:effectLst/>
-                <a:latin typeface="+mn-lt"/>
-                <a:ea typeface="ＭＳ Ｐゴシック" pitchFamily="-106" charset="-128"/>
-                <a:cs typeface="+mn-cs"/>
-              </a:rPr>
+              <a:rPr lang="en-US" sz="1400" dirty="0"/>
               <a:t> - “Of the increase of his government and peace there will be no end, on the throne of David.”</a:t>
             </a:r>
           </a:p>
           <a:p>
             <a:pPr lvl="1" rtl="0" fontAlgn="ctr"/>
             <a:r>
-              <a:rPr lang="en-US" sz="1200" b="1" kern="1200" dirty="0">
-                <a:solidFill>
-                  <a:schemeClr val="tx1"/>
-                </a:solidFill>
-                <a:effectLst/>
-                <a:latin typeface="+mn-lt"/>
-                <a:ea typeface="ＭＳ Ｐゴシック" pitchFamily="-106" charset="-128"/>
-                <a:cs typeface="+mn-cs"/>
-              </a:rPr>
+              <a:rPr lang="en-US" sz="1400" b="1" dirty="0"/>
               <a:t>Jeremiah 23:5–6</a:t>
             </a:r>
             <a:r>
-              <a:rPr lang="en-US" sz="1200" kern="1200" dirty="0">
-                <a:solidFill>
-                  <a:schemeClr val="tx1"/>
-                </a:solidFill>
-                <a:effectLst/>
-                <a:latin typeface="+mn-lt"/>
-                <a:ea typeface="ＭＳ Ｐゴシック" pitchFamily="-106" charset="-128"/>
-                <a:cs typeface="+mn-cs"/>
-              </a:rPr>
+              <a:rPr lang="en-US" sz="1400" dirty="0"/>
               <a:t> - “I will raise up for David a righteous Branch.”</a:t>
             </a:r>
           </a:p>
           <a:p>
             <a:pPr lvl="1" rtl="0" fontAlgn="ctr"/>
             <a:r>
-              <a:rPr lang="en-US" sz="1200" b="1" kern="1200" dirty="0">
-                <a:solidFill>
-                  <a:schemeClr val="tx1"/>
-                </a:solidFill>
-                <a:effectLst/>
-                <a:latin typeface="+mn-lt"/>
-                <a:ea typeface="ＭＳ Ｐゴシック" pitchFamily="-106" charset="-128"/>
-                <a:cs typeface="+mn-cs"/>
-              </a:rPr>
+              <a:rPr lang="en-US" sz="1400" b="1" dirty="0"/>
               <a:t>Ezekiel 37:24–25</a:t>
             </a:r>
             <a:r>
-              <a:rPr lang="en-US" sz="1200" kern="1200" dirty="0">
-                <a:solidFill>
-                  <a:schemeClr val="tx1"/>
-                </a:solidFill>
-                <a:effectLst/>
-                <a:latin typeface="+mn-lt"/>
-                <a:ea typeface="ＭＳ Ｐゴシック" pitchFamily="-106" charset="-128"/>
-                <a:cs typeface="+mn-cs"/>
-              </a:rPr>
+              <a:rPr lang="en-US" sz="1400" dirty="0"/>
               <a:t> - “My servant David shall be their prince forever.”</a:t>
             </a:r>
           </a:p>
           <a:p>
             <a:r>
-              <a:rPr lang="en-US" sz="1200" kern="1200" dirty="0">
-                <a:solidFill>
-                  <a:schemeClr val="tx1"/>
-                </a:solidFill>
-                <a:effectLst/>
-                <a:latin typeface="+mn-lt"/>
-                <a:ea typeface="ＭＳ Ｐゴシック" pitchFamily="-106" charset="-128"/>
-                <a:cs typeface="ＭＳ Ｐゴシック" pitchFamily="-106" charset="-128"/>
-              </a:rPr>
+              <a:rPr lang="en-US" sz="1400" dirty="0"/>
               <a:t>These historical promises bridged the silence of centuries, preparing for the Messiah’s coming in the fullness of time.</a:t>
             </a:r>
           </a:p>
           <a:p>
-            <a:endParaRPr lang="en-US" sz="1200" b="1" kern="1200" dirty="0">
-              <a:solidFill>
-                <a:schemeClr val="tx1"/>
-              </a:solidFill>
-              <a:effectLst/>
-              <a:latin typeface="+mn-lt"/>
-              <a:ea typeface="ＭＳ Ｐゴシック" pitchFamily="-106" charset="-128"/>
-              <a:cs typeface="ＭＳ Ｐゴシック" pitchFamily="-106" charset="-128"/>
-            </a:endParaRPr>
-          </a:p>
-          <a:p>
-            <a:r>
-              <a:rPr lang="en-US" sz="1200" b="1" kern="1200" dirty="0">
-                <a:solidFill>
-                  <a:schemeClr val="tx1"/>
-                </a:solidFill>
-                <a:effectLst/>
-                <a:latin typeface="+mn-lt"/>
-                <a:ea typeface="ＭＳ Ｐゴシック" pitchFamily="-106" charset="-128"/>
-                <a:cs typeface="ＭＳ Ｐゴシック" pitchFamily="-106" charset="-128"/>
-              </a:rPr>
+            <a:endParaRPr lang="en-US" sz="1400" b="1" dirty="0"/>
+          </a:p>
+          <a:p>
+            <a:r>
+              <a:rPr lang="en-US" sz="1400" b="1" dirty="0"/>
               <a:t>God’s Character Shown:</a:t>
             </a:r>
-            <a:endParaRPr lang="en-US" sz="1200" kern="1200" dirty="0">
-              <a:solidFill>
-                <a:schemeClr val="tx1"/>
-              </a:solidFill>
-              <a:effectLst/>
-              <a:latin typeface="+mn-lt"/>
-              <a:ea typeface="ＭＳ Ｐゴシック" pitchFamily="-106" charset="-128"/>
-              <a:cs typeface="ＭＳ Ｐゴシック" pitchFamily="-106" charset="-128"/>
-            </a:endParaRPr>
-          </a:p>
-          <a:p>
-            <a:r>
-              <a:rPr lang="en-US" sz="1200" kern="1200" dirty="0">
-                <a:solidFill>
-                  <a:schemeClr val="tx1"/>
-                </a:solidFill>
-                <a:effectLst/>
-                <a:latin typeface="+mn-lt"/>
-                <a:ea typeface="ＭＳ Ｐゴシック" pitchFamily="-106" charset="-128"/>
-                <a:cs typeface="ＭＳ Ｐゴシック" pitchFamily="-106" charset="-128"/>
-              </a:rPr>
+            <a:endParaRPr lang="en-US" sz="1400" dirty="0"/>
+          </a:p>
+          <a:p>
+            <a:r>
+              <a:rPr lang="en-US" sz="1400" dirty="0"/>
               <a:t>Even in silence and exile, God’s covenant faithfulness endures. He writes His promises into history, ensuring that His redemptive plan never fails.</a:t>
             </a:r>
           </a:p>
           <a:p>
-            <a:pPr marL="332"/>
+            <a:pPr marL="324"/>
             <a:endParaRPr lang="en-US" sz="1400" dirty="0"/>
           </a:p>
           <a:p>
             <a:r>
-              <a:rPr lang="en-US" sz="1200" b="1" kern="1200" dirty="0">
-                <a:solidFill>
-                  <a:schemeClr val="tx1"/>
-                </a:solidFill>
-                <a:effectLst/>
-                <a:latin typeface="+mn-lt"/>
-                <a:ea typeface="ＭＳ Ｐゴシック" pitchFamily="-106" charset="-128"/>
-                <a:cs typeface="ＭＳ Ｐゴシック" pitchFamily="-106" charset="-128"/>
-              </a:rPr>
+              <a:rPr lang="en-US" sz="1400" b="1" dirty="0"/>
               <a:t>The Problem: Covenant Judgment vs. Covenant Promise</a:t>
             </a:r>
-            <a:endParaRPr lang="en-US" sz="1200" kern="1200" dirty="0">
-              <a:solidFill>
-                <a:schemeClr val="tx1"/>
-              </a:solidFill>
-              <a:effectLst/>
-              <a:latin typeface="+mn-lt"/>
-              <a:ea typeface="ＭＳ Ｐゴシック" pitchFamily="-106" charset="-128"/>
-              <a:cs typeface="ＭＳ Ｐゴシック" pitchFamily="-106" charset="-128"/>
-            </a:endParaRPr>
+            <a:endParaRPr lang="en-US" sz="1400" dirty="0"/>
           </a:p>
           <a:p>
             <a:pPr lvl="1"/>
             <a:r>
-              <a:rPr lang="en-US" sz="1200" b="1" kern="1200" dirty="0">
-                <a:solidFill>
-                  <a:schemeClr val="tx1"/>
-                </a:solidFill>
-                <a:effectLst/>
-                <a:latin typeface="+mn-lt"/>
-                <a:ea typeface="ＭＳ Ｐゴシック" pitchFamily="-106" charset="-128"/>
+              <a:rPr lang="en-US" sz="1400" b="1" dirty="0">
                 <a:cs typeface="ＭＳ Ｐゴシック" pitchFamily="-106" charset="-128"/>
               </a:rPr>
               <a:t>Deuteronomy 29:20</a:t>
             </a:r>
-            <a:endParaRPr lang="en-US" sz="1200" kern="1200" dirty="0">
-              <a:solidFill>
-                <a:schemeClr val="tx1"/>
-              </a:solidFill>
-              <a:effectLst/>
-              <a:latin typeface="+mn-lt"/>
-              <a:ea typeface="ＭＳ Ｐゴシック" pitchFamily="-106" charset="-128"/>
+            <a:endParaRPr lang="en-US" sz="1400" dirty="0">
               <a:cs typeface="ＭＳ Ｐゴシック" pitchFamily="-106" charset="-128"/>
             </a:endParaRPr>
           </a:p>
           <a:p>
             <a:pPr lvl="1"/>
             <a:r>
-              <a:rPr lang="en-US" sz="1200" kern="1200" dirty="0">
-                <a:solidFill>
-                  <a:schemeClr val="tx1"/>
-                </a:solidFill>
-                <a:effectLst/>
-                <a:latin typeface="+mn-lt"/>
-                <a:ea typeface="ＭＳ Ｐゴシック" pitchFamily="-106" charset="-128"/>
+              <a:rPr lang="en-US" sz="1400" dirty="0">
                 <a:cs typeface="ＭＳ Ｐゴシック" pitchFamily="-106" charset="-128"/>
               </a:rPr>
               <a:t>“The LORD will never be willing to forgive him; his name will be blotted out from under heaven.”</a:t>
             </a:r>
           </a:p>
           <a:p>
-            <a:pPr marL="171450" indent="-171450">
+            <a:pPr marL="167061" indent="-167061">
               <a:buFont typeface="Arial" panose="020B0604020202020204" pitchFamily="34" charset="0"/>
               <a:buChar char="•"/>
             </a:pPr>
             <a:r>
-              <a:rPr lang="en-US" sz="1200" kern="1200" dirty="0">
-                <a:solidFill>
-                  <a:schemeClr val="tx1"/>
-                </a:solidFill>
-                <a:effectLst/>
-                <a:latin typeface="+mn-lt"/>
-                <a:ea typeface="ＭＳ Ｐゴシック" pitchFamily="-106" charset="-128"/>
-                <a:cs typeface="ＭＳ Ｐゴシック" pitchFamily="-106" charset="-128"/>
-              </a:rPr>
+              <a:rPr lang="en-US" sz="1400" dirty="0"/>
               <a:t>This “blotting out” principle applied to </a:t>
             </a:r>
             <a:r>
-              <a:rPr lang="en-US" sz="1200" b="1" kern="1200" dirty="0">
-                <a:solidFill>
-                  <a:schemeClr val="tx1"/>
-                </a:solidFill>
-                <a:effectLst/>
-                <a:latin typeface="+mn-lt"/>
-                <a:ea typeface="ＭＳ Ｐゴシック" pitchFamily="-106" charset="-128"/>
-                <a:cs typeface="ＭＳ Ｐゴシック" pitchFamily="-106" charset="-128"/>
-              </a:rPr>
+              <a:rPr lang="en-US" sz="1400" b="1" dirty="0"/>
               <a:t>idolaters under the Mosaic covenant</a:t>
             </a:r>
             <a:r>
-              <a:rPr lang="en-US" sz="1200" kern="1200" dirty="0">
-                <a:solidFill>
-                  <a:schemeClr val="tx1"/>
-                </a:solidFill>
-                <a:effectLst/>
-                <a:latin typeface="+mn-lt"/>
-                <a:ea typeface="ＭＳ Ｐゴシック" pitchFamily="-106" charset="-128"/>
-                <a:cs typeface="ＭＳ Ｐゴシック" pitchFamily="-106" charset="-128"/>
-              </a:rPr>
+              <a:rPr lang="en-US" sz="1400" dirty="0"/>
               <a:t> — cutting them off from the covenant nation.</a:t>
             </a:r>
           </a:p>
           <a:p>
-            <a:pPr marL="171450" indent="-171450">
+            <a:pPr marL="167061" indent="-167061">
               <a:buFont typeface="Arial" panose="020B0604020202020204" pitchFamily="34" charset="0"/>
               <a:buChar char="•"/>
             </a:pPr>
             <a:r>
-              <a:rPr lang="en-US" sz="1200" b="1" kern="1200" dirty="0">
-                <a:solidFill>
-                  <a:schemeClr val="tx1"/>
-                </a:solidFill>
-                <a:effectLst/>
-                <a:latin typeface="+mn-lt"/>
-                <a:ea typeface="ＭＳ Ｐゴシック" pitchFamily="-106" charset="-128"/>
-                <a:cs typeface="ＭＳ Ｐゴシック" pitchFamily="-106" charset="-128"/>
-              </a:rPr>
+              <a:rPr lang="en-US" sz="1400" b="1" dirty="0"/>
               <a:t>Ahaziah, Joash, and Amaziah</a:t>
             </a:r>
             <a:r>
-              <a:rPr lang="en-US" sz="1200" kern="1200" dirty="0">
-                <a:solidFill>
-                  <a:schemeClr val="tx1"/>
-                </a:solidFill>
-                <a:effectLst/>
-                <a:latin typeface="+mn-lt"/>
-                <a:ea typeface="ＭＳ Ｐゴシック" pitchFamily="-106" charset="-128"/>
-                <a:cs typeface="ＭＳ Ｐゴシック" pitchFamily="-106" charset="-128"/>
-              </a:rPr>
+              <a:rPr lang="en-US" sz="1400" dirty="0"/>
               <a:t>, all corrupted by </a:t>
             </a:r>
             <a:r>
-              <a:rPr lang="en-US" sz="1200" b="1" kern="1200" dirty="0">
-                <a:solidFill>
-                  <a:schemeClr val="tx1"/>
-                </a:solidFill>
-                <a:effectLst/>
-                <a:latin typeface="+mn-lt"/>
-                <a:ea typeface="ＭＳ Ｐゴシック" pitchFamily="-106" charset="-128"/>
-                <a:cs typeface="ＭＳ Ｐゴシック" pitchFamily="-106" charset="-128"/>
-              </a:rPr>
+              <a:rPr lang="en-US" sz="1400" b="1" dirty="0"/>
               <a:t>idolatry</a:t>
             </a:r>
             <a:r>
-              <a:rPr lang="en-US" sz="1200" kern="1200" dirty="0">
-                <a:solidFill>
-                  <a:schemeClr val="tx1"/>
-                </a:solidFill>
-                <a:effectLst/>
-                <a:latin typeface="+mn-lt"/>
-                <a:ea typeface="ＭＳ Ｐゴシック" pitchFamily="-106" charset="-128"/>
-                <a:cs typeface="ＭＳ Ｐゴシック" pitchFamily="-106" charset="-128"/>
-              </a:rPr>
+              <a:rPr lang="en-US" sz="1400" dirty="0"/>
               <a:t> and intermarriage with the house of Ahab (through Athaliah), came under this judgment.</a:t>
             </a:r>
           </a:p>
           <a:p>
-            <a:pPr marL="171450" indent="-171450">
+            <a:pPr marL="167061" indent="-167061">
               <a:buFont typeface="Arial" panose="020B0604020202020204" pitchFamily="34" charset="0"/>
               <a:buChar char="•"/>
             </a:pPr>
             <a:r>
-              <a:rPr lang="en-US" sz="1200" kern="1200" dirty="0">
-                <a:solidFill>
-                  <a:schemeClr val="tx1"/>
-                </a:solidFill>
-                <a:effectLst/>
-                <a:latin typeface="+mn-lt"/>
-                <a:ea typeface="ＭＳ Ｐゴシック" pitchFamily="-106" charset="-128"/>
-                <a:cs typeface="ＭＳ Ｐゴシック" pitchFamily="-106" charset="-128"/>
-              </a:rPr>
+              <a:rPr lang="en-US" sz="1400" dirty="0"/>
               <a:t>Thus, Matthew omits them — symbolically reflecting that their names were indeed “blotted out” of the covenant record, fulfilling the </a:t>
             </a:r>
             <a:r>
-              <a:rPr lang="en-US" sz="1200" b="1" kern="1200" dirty="0">
-                <a:solidFill>
-                  <a:schemeClr val="tx1"/>
-                </a:solidFill>
-                <a:effectLst/>
-                <a:latin typeface="+mn-lt"/>
-                <a:ea typeface="ＭＳ Ｐゴシック" pitchFamily="-106" charset="-128"/>
-                <a:cs typeface="ＭＳ Ｐゴシック" pitchFamily="-106" charset="-128"/>
-              </a:rPr>
+              <a:rPr lang="en-US" sz="1400" b="1" dirty="0"/>
               <a:t>Law’s sentence</a:t>
             </a:r>
             <a:r>
-              <a:rPr lang="en-US" sz="1200" kern="1200" dirty="0">
-                <a:solidFill>
-                  <a:schemeClr val="tx1"/>
-                </a:solidFill>
-                <a:effectLst/>
-                <a:latin typeface="+mn-lt"/>
-                <a:ea typeface="ＭＳ Ｐゴシック" pitchFamily="-106" charset="-128"/>
-                <a:cs typeface="ＭＳ Ｐゴシック" pitchFamily="-106" charset="-128"/>
-              </a:rPr>
+              <a:rPr lang="en-US" sz="1400" dirty="0"/>
               <a:t>.</a:t>
             </a:r>
           </a:p>
           <a:p>
-            <a:pPr marL="171450" indent="-171450">
+            <a:pPr marL="167061" indent="-167061">
               <a:buFont typeface="Arial" panose="020B0604020202020204" pitchFamily="34" charset="0"/>
               <a:buChar char="•"/>
             </a:pPr>
             <a:r>
-              <a:rPr lang="en-US" sz="1200" kern="1200" dirty="0">
-                <a:solidFill>
-                  <a:schemeClr val="tx1"/>
-                </a:solidFill>
-                <a:effectLst/>
-                <a:latin typeface="+mn-lt"/>
-                <a:ea typeface="ＭＳ Ｐゴシック" pitchFamily="-106" charset="-128"/>
-                <a:cs typeface="ＭＳ Ｐゴシック" pitchFamily="-106" charset="-128"/>
-              </a:rPr>
+              <a:rPr lang="en-US" sz="1400" dirty="0"/>
               <a:t>Then, later in the monarchy, comes a much deeper problem — </a:t>
             </a:r>
             <a:r>
-              <a:rPr lang="en-US" sz="1200" b="1" kern="1200" dirty="0">
-                <a:solidFill>
-                  <a:schemeClr val="tx1"/>
-                </a:solidFill>
-                <a:effectLst/>
-                <a:latin typeface="+mn-lt"/>
-                <a:ea typeface="ＭＳ Ｐゴシック" pitchFamily="-106" charset="-128"/>
-                <a:cs typeface="ＭＳ Ｐゴシック" pitchFamily="-106" charset="-128"/>
-              </a:rPr>
+              <a:rPr lang="en-US" sz="1400" b="1" dirty="0"/>
               <a:t>the blood curse on Jehoiakim and his line.</a:t>
             </a:r>
-            <a:endParaRPr lang="en-US" sz="1200" kern="1200" dirty="0">
-              <a:solidFill>
-                <a:schemeClr val="tx1"/>
-              </a:solidFill>
-              <a:effectLst/>
-              <a:latin typeface="+mn-lt"/>
-              <a:ea typeface="ＭＳ Ｐゴシック" pitchFamily="-106" charset="-128"/>
-              <a:cs typeface="ＭＳ Ｐゴシック" pitchFamily="-106" charset="-128"/>
-            </a:endParaRPr>
-          </a:p>
-          <a:p>
-            <a:pPr marL="332"/>
             <a:endParaRPr lang="en-US" sz="1400" dirty="0"/>
           </a:p>
           <a:p>
-            <a:r>
-              <a:rPr lang="en-US" sz="1200" b="1" kern="1200" dirty="0">
-                <a:solidFill>
-                  <a:schemeClr val="tx1"/>
-                </a:solidFill>
-                <a:effectLst/>
-                <a:latin typeface="+mn-lt"/>
-                <a:ea typeface="ＭＳ Ｐゴシック" pitchFamily="-106" charset="-128"/>
-                <a:cs typeface="ＭＳ Ｐゴシック" pitchFamily="-106" charset="-128"/>
-              </a:rPr>
+            <a:pPr marL="324"/>
+            <a:endParaRPr lang="en-US" sz="1400" dirty="0"/>
+          </a:p>
+          <a:p>
+            <a:r>
+              <a:rPr lang="en-US" sz="1400" b="1" dirty="0"/>
               <a:t>The Curse Pronounced on Jehoiakim and Jeconiah</a:t>
             </a:r>
-            <a:endParaRPr lang="en-US" sz="1200" kern="1200" dirty="0">
-              <a:solidFill>
-                <a:schemeClr val="tx1"/>
-              </a:solidFill>
-              <a:effectLst/>
-              <a:latin typeface="+mn-lt"/>
-              <a:ea typeface="ＭＳ Ｐゴシック" pitchFamily="-106" charset="-128"/>
-              <a:cs typeface="ＭＳ Ｐゴシック" pitchFamily="-106" charset="-128"/>
-            </a:endParaRPr>
+            <a:endParaRPr lang="en-US" sz="1400" dirty="0"/>
           </a:p>
           <a:p>
             <a:pPr lvl="1"/>
             <a:r>
-              <a:rPr lang="en-US" sz="1200" b="1" kern="1200" dirty="0">
-                <a:solidFill>
-                  <a:schemeClr val="tx1"/>
-                </a:solidFill>
-                <a:effectLst/>
-                <a:latin typeface="+mn-lt"/>
-                <a:ea typeface="ＭＳ Ｐゴシック" pitchFamily="-106" charset="-128"/>
+              <a:rPr lang="en-US" sz="1400" b="1" dirty="0">
                 <a:cs typeface="ＭＳ Ｐゴシック" pitchFamily="-106" charset="-128"/>
               </a:rPr>
               <a:t>Jehoiakim’s Curse — Jeremiah 22:18–19, 30</a:t>
             </a:r>
-            <a:endParaRPr lang="en-US" sz="1200" kern="1200" dirty="0">
-              <a:solidFill>
-                <a:schemeClr val="tx1"/>
-              </a:solidFill>
-              <a:effectLst/>
-              <a:latin typeface="+mn-lt"/>
-              <a:ea typeface="ＭＳ Ｐゴシック" pitchFamily="-106" charset="-128"/>
+            <a:endParaRPr lang="en-US" sz="1400" dirty="0">
               <a:cs typeface="ＭＳ Ｐゴシック" pitchFamily="-106" charset="-128"/>
             </a:endParaRPr>
           </a:p>
           <a:p>
             <a:pPr lvl="1"/>
             <a:r>
-              <a:rPr lang="en-US" sz="1200" kern="1200" dirty="0">
-                <a:solidFill>
-                  <a:schemeClr val="tx1"/>
-                </a:solidFill>
-                <a:effectLst/>
-                <a:latin typeface="+mn-lt"/>
-                <a:ea typeface="ＭＳ Ｐゴシック" pitchFamily="-106" charset="-128"/>
+              <a:rPr lang="en-US" sz="1400" dirty="0">
                 <a:cs typeface="ＭＳ Ｐゴシック" pitchFamily="-106" charset="-128"/>
               </a:rPr>
               <a:t>“He shall have none to sit on the throne of David, and his dead body shall be cast out...</a:t>
@@ -2967,13 +1809,7 @@
           <a:p>
             <a:pPr lvl="1"/>
             <a:r>
-              <a:rPr lang="en-US" sz="1200" kern="1200" dirty="0">
-                <a:solidFill>
-                  <a:schemeClr val="tx1"/>
-                </a:solidFill>
-                <a:effectLst/>
-                <a:latin typeface="+mn-lt"/>
-                <a:ea typeface="ＭＳ Ｐゴシック" pitchFamily="-106" charset="-128"/>
+              <a:rPr lang="en-US" sz="1400" dirty="0">
                 <a:cs typeface="ＭＳ Ｐゴシック" pitchFamily="-106" charset="-128"/>
               </a:rPr>
               <a:t>Write this man down as childless, a man who shall not prosper in his days;</a:t>
@@ -2982,225 +1818,93 @@
           <a:p>
             <a:pPr lvl="1"/>
             <a:r>
-              <a:rPr lang="en-US" sz="1200" kern="1200" dirty="0">
-                <a:solidFill>
-                  <a:schemeClr val="tx1"/>
-                </a:solidFill>
-                <a:effectLst/>
-                <a:latin typeface="+mn-lt"/>
-                <a:ea typeface="ＭＳ Ｐゴシック" pitchFamily="-106" charset="-128"/>
+              <a:rPr lang="en-US" sz="1400" dirty="0">
                 <a:cs typeface="ＭＳ Ｐゴシック" pitchFamily="-106" charset="-128"/>
               </a:rPr>
               <a:t>for none of his offspring shall sit on the throne of David or rule again in Judah.”</a:t>
             </a:r>
           </a:p>
           <a:p>
-            <a:pPr marL="171450" indent="-171450">
+            <a:pPr marL="167061" indent="-167061">
               <a:buFont typeface="Arial" panose="020B0604020202020204" pitchFamily="34" charset="0"/>
               <a:buChar char="•"/>
             </a:pPr>
             <a:r>
-              <a:rPr lang="en-US" sz="1200" kern="1200" dirty="0">
-                <a:solidFill>
-                  <a:schemeClr val="tx1"/>
-                </a:solidFill>
-                <a:effectLst/>
-                <a:latin typeface="+mn-lt"/>
-                <a:ea typeface="ＭＳ Ｐゴシック" pitchFamily="-106" charset="-128"/>
-                <a:cs typeface="ＭＳ Ｐゴシック" pitchFamily="-106" charset="-128"/>
-              </a:rPr>
+              <a:rPr lang="en-US" sz="1400" dirty="0"/>
               <a:t>Here, God declares a </a:t>
             </a:r>
             <a:r>
-              <a:rPr lang="en-US" sz="1200" b="1" kern="1200" dirty="0">
-                <a:solidFill>
-                  <a:schemeClr val="tx1"/>
-                </a:solidFill>
-                <a:effectLst/>
-                <a:latin typeface="+mn-lt"/>
-                <a:ea typeface="ＭＳ Ｐゴシック" pitchFamily="-106" charset="-128"/>
-                <a:cs typeface="ＭＳ Ｐゴシック" pitchFamily="-106" charset="-128"/>
-              </a:rPr>
+              <a:rPr lang="en-US" sz="1400" b="1" dirty="0"/>
               <a:t>“blood curse”</a:t>
             </a:r>
             <a:r>
-              <a:rPr lang="en-US" sz="1200" kern="1200" dirty="0">
-                <a:solidFill>
-                  <a:schemeClr val="tx1"/>
-                </a:solidFill>
-                <a:effectLst/>
-                <a:latin typeface="+mn-lt"/>
-                <a:ea typeface="ＭＳ Ｐゴシック" pitchFamily="-106" charset="-128"/>
-                <a:cs typeface="ＭＳ Ｐゴシック" pitchFamily="-106" charset="-128"/>
-              </a:rPr>
+              <a:rPr lang="en-US" sz="1400" dirty="0"/>
               <a:t> on </a:t>
             </a:r>
             <a:r>
-              <a:rPr lang="en-US" sz="1200" b="1" kern="1200" dirty="0">
-                <a:solidFill>
-                  <a:schemeClr val="tx1"/>
-                </a:solidFill>
-                <a:effectLst/>
-                <a:latin typeface="+mn-lt"/>
-                <a:ea typeface="ＭＳ Ｐゴシック" pitchFamily="-106" charset="-128"/>
-                <a:cs typeface="ＭＳ Ｐゴシック" pitchFamily="-106" charset="-128"/>
-              </a:rPr>
+              <a:rPr lang="en-US" sz="1400" b="1" dirty="0"/>
               <a:t>Jehoiakim’s line</a:t>
             </a:r>
             <a:r>
-              <a:rPr lang="en-US" sz="1200" kern="1200" dirty="0">
-                <a:solidFill>
-                  <a:schemeClr val="tx1"/>
-                </a:solidFill>
-                <a:effectLst/>
-                <a:latin typeface="+mn-lt"/>
-                <a:ea typeface="ＭＳ Ｐゴシック" pitchFamily="-106" charset="-128"/>
-                <a:cs typeface="ＭＳ Ｐゴシック" pitchFamily="-106" charset="-128"/>
-              </a:rPr>
+              <a:rPr lang="en-US" sz="1400" dirty="0"/>
               <a:t> (and explicitly on his son </a:t>
             </a:r>
             <a:r>
-              <a:rPr lang="en-US" sz="1200" b="1" kern="1200" dirty="0">
-                <a:solidFill>
-                  <a:schemeClr val="tx1"/>
-                </a:solidFill>
-                <a:effectLst/>
-                <a:latin typeface="+mn-lt"/>
-                <a:ea typeface="ＭＳ Ｐゴシック" pitchFamily="-106" charset="-128"/>
-                <a:cs typeface="ＭＳ Ｐゴシック" pitchFamily="-106" charset="-128"/>
-              </a:rPr>
+              <a:rPr lang="en-US" sz="1400" b="1" dirty="0"/>
               <a:t>Jeconiah / Coniah</a:t>
             </a:r>
             <a:r>
-              <a:rPr lang="en-US" sz="1200" kern="1200" dirty="0">
-                <a:solidFill>
-                  <a:schemeClr val="tx1"/>
-                </a:solidFill>
-                <a:effectLst/>
-                <a:latin typeface="+mn-lt"/>
-                <a:ea typeface="ＭＳ Ｐゴシック" pitchFamily="-106" charset="-128"/>
-                <a:cs typeface="ＭＳ Ｐゴシック" pitchFamily="-106" charset="-128"/>
-              </a:rPr>
+              <a:rPr lang="en-US" sz="1400" dirty="0"/>
               <a:t>).</a:t>
             </a:r>
           </a:p>
           <a:p>
-            <a:pPr marL="171450" indent="-171450">
+            <a:pPr marL="167061" indent="-167061">
               <a:buFont typeface="Arial" panose="020B0604020202020204" pitchFamily="34" charset="0"/>
               <a:buChar char="•"/>
             </a:pPr>
             <a:r>
-              <a:rPr lang="en-US" sz="1200" kern="1200" dirty="0">
-                <a:solidFill>
-                  <a:schemeClr val="tx1"/>
-                </a:solidFill>
-                <a:effectLst/>
-                <a:latin typeface="+mn-lt"/>
-                <a:ea typeface="ＭＳ Ｐゴシック" pitchFamily="-106" charset="-128"/>
-                <a:cs typeface="ＭＳ Ｐゴシック" pitchFamily="-106" charset="-128"/>
-              </a:rPr>
+              <a:rPr lang="en-US" sz="1400" dirty="0"/>
               <a:t>This seems to make the </a:t>
             </a:r>
             <a:r>
-              <a:rPr lang="en-US" sz="1200" b="1" kern="1200" dirty="0">
-                <a:solidFill>
-                  <a:schemeClr val="tx1"/>
-                </a:solidFill>
-                <a:effectLst/>
-                <a:latin typeface="+mn-lt"/>
-                <a:ea typeface="ＭＳ Ｐゴシック" pitchFamily="-106" charset="-128"/>
-                <a:cs typeface="ＭＳ Ｐゴシック" pitchFamily="-106" charset="-128"/>
-              </a:rPr>
+              <a:rPr lang="en-US" sz="1400" b="1" dirty="0"/>
               <a:t>Davidic promise impossible</a:t>
             </a:r>
             <a:r>
-              <a:rPr lang="en-US" sz="1200" kern="1200" dirty="0">
-                <a:solidFill>
-                  <a:schemeClr val="tx1"/>
-                </a:solidFill>
-                <a:effectLst/>
-                <a:latin typeface="+mn-lt"/>
-                <a:ea typeface="ＭＳ Ｐゴシック" pitchFamily="-106" charset="-128"/>
-                <a:cs typeface="ＭＳ Ｐゴシック" pitchFamily="-106" charset="-128"/>
-              </a:rPr>
+              <a:rPr lang="en-US" sz="1400" dirty="0"/>
               <a:t> — for if the royal line is cursed, how can a son of David reign forever?</a:t>
             </a:r>
           </a:p>
           <a:p>
-            <a:pPr marL="332"/>
+            <a:pPr marL="324"/>
             <a:endParaRPr lang="en-US" sz="1400" dirty="0"/>
           </a:p>
           <a:p>
             <a:r>
-              <a:rPr lang="en-US" sz="1200" b="1" kern="1200" dirty="0">
-                <a:solidFill>
-                  <a:schemeClr val="tx1"/>
-                </a:solidFill>
-                <a:effectLst/>
-                <a:latin typeface="+mn-lt"/>
-                <a:ea typeface="ＭＳ Ｐゴシック" pitchFamily="-106" charset="-128"/>
-                <a:cs typeface="ＭＳ Ｐゴシック" pitchFamily="-106" charset="-128"/>
-              </a:rPr>
+              <a:rPr lang="en-US" sz="1400" b="1" dirty="0"/>
               <a:t>God’s Covenant Faithfulness Despite Judgment</a:t>
             </a:r>
-            <a:endParaRPr lang="en-US" sz="1200" kern="1200" dirty="0">
-              <a:solidFill>
-                <a:schemeClr val="tx1"/>
-              </a:solidFill>
-              <a:effectLst/>
-              <a:latin typeface="+mn-lt"/>
-              <a:ea typeface="ＭＳ Ｐゴシック" pitchFamily="-106" charset="-128"/>
-              <a:cs typeface="ＭＳ Ｐゴシック" pitchFamily="-106" charset="-128"/>
-            </a:endParaRPr>
-          </a:p>
-          <a:p>
-            <a:r>
-              <a:rPr lang="en-US" sz="1200" kern="1200" dirty="0">
-                <a:solidFill>
-                  <a:schemeClr val="tx1"/>
-                </a:solidFill>
-                <a:effectLst/>
-                <a:latin typeface="+mn-lt"/>
-                <a:ea typeface="ＭＳ Ｐゴシック" pitchFamily="-106" charset="-128"/>
-                <a:cs typeface="ＭＳ Ｐゴシック" pitchFamily="-106" charset="-128"/>
-              </a:rPr>
+            <a:endParaRPr lang="en-US" sz="1400" dirty="0"/>
+          </a:p>
+          <a:p>
+            <a:r>
+              <a:rPr lang="en-US" sz="1400" dirty="0"/>
               <a:t>This brings us back to the foundation of </a:t>
             </a:r>
             <a:r>
-              <a:rPr lang="en-US" sz="1200" b="1" kern="1200" dirty="0">
-                <a:solidFill>
-                  <a:schemeClr val="tx1"/>
-                </a:solidFill>
-                <a:effectLst/>
-                <a:latin typeface="+mn-lt"/>
-                <a:ea typeface="ＭＳ Ｐゴシック" pitchFamily="-106" charset="-128"/>
-                <a:cs typeface="ＭＳ Ｐゴシック" pitchFamily="-106" charset="-128"/>
-              </a:rPr>
+              <a:rPr lang="en-US" sz="1400" b="1" dirty="0"/>
               <a:t>2 Samuel 7:14–16</a:t>
             </a:r>
             <a:r>
-              <a:rPr lang="en-US" sz="1200" kern="1200" dirty="0">
-                <a:solidFill>
-                  <a:schemeClr val="tx1"/>
-                </a:solidFill>
-                <a:effectLst/>
-                <a:latin typeface="+mn-lt"/>
-                <a:ea typeface="ＭＳ Ｐゴシック" pitchFamily="-106" charset="-128"/>
-                <a:cs typeface="ＭＳ Ｐゴシック" pitchFamily="-106" charset="-128"/>
-              </a:rPr>
+              <a:rPr lang="en-US" sz="1400" dirty="0"/>
               <a:t>:</a:t>
             </a:r>
           </a:p>
           <a:p>
             <a:pPr lvl="1"/>
             <a:r>
-              <a:rPr lang="en-US" sz="1200" kern="1200" dirty="0">
-                <a:solidFill>
-                  <a:schemeClr val="tx1"/>
-                </a:solidFill>
-                <a:effectLst/>
-                <a:latin typeface="+mn-lt"/>
-                <a:ea typeface="ＭＳ Ｐゴシック" pitchFamily="-106" charset="-128"/>
+              <a:rPr lang="en-US" sz="1400" dirty="0">
                 <a:cs typeface="ＭＳ Ｐゴシック" pitchFamily="-106" charset="-128"/>
               </a:rPr>
               <a:t>“When he commits iniquity, I will chasten him with the rod of men…</a:t>
@@ -3209,13 +1913,7 @@
           <a:p>
             <a:pPr lvl="1"/>
             <a:r>
-              <a:rPr lang="en-US" sz="1200" kern="1200" dirty="0">
-                <a:solidFill>
-                  <a:schemeClr val="tx1"/>
-                </a:solidFill>
-                <a:effectLst/>
-                <a:latin typeface="+mn-lt"/>
-                <a:ea typeface="ＭＳ Ｐゴシック" pitchFamily="-106" charset="-128"/>
+              <a:rPr lang="en-US" sz="1400" dirty="0">
                 <a:cs typeface="ＭＳ Ｐゴシック" pitchFamily="-106" charset="-128"/>
               </a:rPr>
               <a:t>But my steadfast love will not depart from him…</a:t>
@@ -3224,132 +1922,62 @@
           <a:p>
             <a:pPr lvl="1"/>
             <a:r>
-              <a:rPr lang="en-US" sz="1200" kern="1200" dirty="0">
-                <a:solidFill>
-                  <a:schemeClr val="tx1"/>
-                </a:solidFill>
-                <a:effectLst/>
-                <a:latin typeface="+mn-lt"/>
-                <a:ea typeface="ＭＳ Ｐゴシック" pitchFamily="-106" charset="-128"/>
+              <a:rPr lang="en-US" sz="1400" dirty="0">
                 <a:cs typeface="ＭＳ Ｐゴシック" pitchFamily="-106" charset="-128"/>
               </a:rPr>
               <a:t>And your house and your kingdom shall be made sure forever.”</a:t>
             </a:r>
           </a:p>
           <a:p>
-            <a:pPr marL="171450" indent="-171450">
+            <a:pPr marL="167061" indent="-167061">
               <a:buFont typeface="Arial" panose="020B0604020202020204" pitchFamily="34" charset="0"/>
               <a:buChar char="•"/>
             </a:pPr>
             <a:r>
-              <a:rPr lang="en-US" sz="1200" kern="1200" dirty="0">
-                <a:solidFill>
-                  <a:schemeClr val="tx1"/>
-                </a:solidFill>
-                <a:effectLst/>
-                <a:latin typeface="+mn-lt"/>
-                <a:ea typeface="ＭＳ Ｐゴシック" pitchFamily="-106" charset="-128"/>
-                <a:cs typeface="ＭＳ Ｐゴシック" pitchFamily="-106" charset="-128"/>
-              </a:rPr>
+              <a:rPr lang="en-US" sz="1400" dirty="0"/>
               <a:t>So God </a:t>
             </a:r>
             <a:r>
-              <a:rPr lang="en-US" sz="1200" b="1" kern="1200" dirty="0">
-                <a:solidFill>
-                  <a:schemeClr val="tx1"/>
-                </a:solidFill>
-                <a:effectLst/>
-                <a:latin typeface="+mn-lt"/>
-                <a:ea typeface="ＭＳ Ｐゴシック" pitchFamily="-106" charset="-128"/>
-                <a:cs typeface="ＭＳ Ｐゴシック" pitchFamily="-106" charset="-128"/>
-              </a:rPr>
+              <a:rPr lang="en-US" sz="1400" b="1" dirty="0"/>
               <a:t>disciplines David’s descendants</a:t>
             </a:r>
             <a:r>
-              <a:rPr lang="en-US" sz="1200" kern="1200" dirty="0">
-                <a:solidFill>
-                  <a:schemeClr val="tx1"/>
-                </a:solidFill>
-                <a:effectLst/>
-                <a:latin typeface="+mn-lt"/>
-                <a:ea typeface="ＭＳ Ｐゴシック" pitchFamily="-106" charset="-128"/>
-                <a:cs typeface="ＭＳ Ｐゴシック" pitchFamily="-106" charset="-128"/>
-              </a:rPr>
+              <a:rPr lang="en-US" sz="1400" dirty="0"/>
               <a:t>, even to the point of cursing, dethronement, and exile — yet </a:t>
             </a:r>
             <a:r>
-              <a:rPr lang="en-US" sz="1200" b="1" kern="1200" dirty="0">
-                <a:solidFill>
-                  <a:schemeClr val="tx1"/>
-                </a:solidFill>
-                <a:effectLst/>
-                <a:latin typeface="+mn-lt"/>
-                <a:ea typeface="ＭＳ Ｐゴシック" pitchFamily="-106" charset="-128"/>
-                <a:cs typeface="ＭＳ Ｐゴシック" pitchFamily="-106" charset="-128"/>
-              </a:rPr>
+              <a:rPr lang="en-US" sz="1400" b="1" dirty="0"/>
               <a:t>He will not annul His covenant</a:t>
             </a:r>
             <a:r>
-              <a:rPr lang="en-US" sz="1200" kern="1200" dirty="0">
-                <a:solidFill>
-                  <a:schemeClr val="tx1"/>
-                </a:solidFill>
-                <a:effectLst/>
-                <a:latin typeface="+mn-lt"/>
-                <a:ea typeface="ＭＳ Ｐゴシック" pitchFamily="-106" charset="-128"/>
-                <a:cs typeface="ＭＳ Ｐゴシック" pitchFamily="-106" charset="-128"/>
-              </a:rPr>
+              <a:rPr lang="en-US" sz="1400" dirty="0"/>
               <a:t>.</a:t>
             </a:r>
           </a:p>
           <a:p>
-            <a:pPr marL="171450" indent="-171450">
+            <a:pPr marL="167061" indent="-167061">
               <a:buFont typeface="Arial" panose="020B0604020202020204" pitchFamily="34" charset="0"/>
               <a:buChar char="•"/>
             </a:pPr>
             <a:r>
-              <a:rPr lang="en-US" sz="1200" kern="1200" dirty="0">
-                <a:solidFill>
-                  <a:schemeClr val="tx1"/>
-                </a:solidFill>
-                <a:effectLst/>
-                <a:latin typeface="+mn-lt"/>
-                <a:ea typeface="ＭＳ Ｐゴシック" pitchFamily="-106" charset="-128"/>
-                <a:cs typeface="ＭＳ Ｐゴシック" pitchFamily="-106" charset="-128"/>
-              </a:rPr>
+              <a:rPr lang="en-US" sz="1400" dirty="0"/>
               <a:t>He preserves the royal line </a:t>
             </a:r>
             <a:r>
-              <a:rPr lang="en-US" sz="1200" b="1" kern="1200" dirty="0">
-                <a:solidFill>
-                  <a:schemeClr val="tx1"/>
-                </a:solidFill>
-                <a:effectLst/>
-                <a:latin typeface="+mn-lt"/>
-                <a:ea typeface="ＭＳ Ｐゴシック" pitchFamily="-106" charset="-128"/>
-                <a:cs typeface="ＭＳ Ｐゴシック" pitchFamily="-106" charset="-128"/>
-              </a:rPr>
+              <a:rPr lang="en-US" sz="1400" b="1" dirty="0"/>
               <a:t>through divine mercy</a:t>
             </a:r>
             <a:r>
-              <a:rPr lang="en-US" sz="1200" kern="1200" dirty="0">
-                <a:solidFill>
-                  <a:schemeClr val="tx1"/>
-                </a:solidFill>
-                <a:effectLst/>
-                <a:latin typeface="+mn-lt"/>
-                <a:ea typeface="ＭＳ Ｐゴシック" pitchFamily="-106" charset="-128"/>
-                <a:cs typeface="ＭＳ Ｐゴシック" pitchFamily="-106" charset="-128"/>
-              </a:rPr>
+              <a:rPr lang="en-US" sz="1400" dirty="0"/>
               <a:t>, not human merit.</a:t>
             </a:r>
           </a:p>
           <a:p>
-            <a:pPr marL="332"/>
+            <a:pPr marL="324"/>
             <a:endParaRPr lang="en-US" sz="1400" dirty="0"/>
           </a:p>
           <a:p>
-            <a:pPr marL="332"/>
+            <a:pPr marL="324"/>
             <a:endParaRPr lang="en-US" sz="1400" dirty="0"/>
           </a:p>
         </p:txBody>
@@ -3462,1740 +2090,179 @@
         <p:spPr/>
         <p:txBody>
           <a:bodyPr>
-            <a:normAutofit fontScale="92500" lnSpcReduction="20000"/>
+            <a:normAutofit fontScale="55000" lnSpcReduction="20000"/>
           </a:bodyPr>
           <a:lstStyle/>
           <a:p>
-            <a:pPr marL="332"/>
+            <a:r>
+              <a:rPr lang="en-US" sz="1600" b="1" dirty="0"/>
+              <a:t>The Historical Resolution: Two Branches of David’s Line</a:t>
+            </a:r>
+            <a:endParaRPr lang="en-US" sz="1600" dirty="0"/>
+          </a:p>
+          <a:p>
+            <a:r>
+              <a:rPr lang="en-US" sz="1600" dirty="0"/>
+              <a:t>After the exile, the royal line splits into </a:t>
+            </a:r>
+            <a:r>
+              <a:rPr lang="en-US" sz="1600" b="1" dirty="0"/>
+              <a:t>two surviving branches</a:t>
+            </a:r>
+            <a:r>
+              <a:rPr lang="en-US" sz="1600" dirty="0"/>
+              <a:t> descending from David through different sons:</a:t>
+            </a:r>
+          </a:p>
+          <a:p>
+            <a:pPr rtl="0" fontAlgn="t"/>
+            <a:r>
+              <a:rPr lang="en-US" sz="1600" b="1" dirty="0"/>
+              <a:t>Davidic Line</a:t>
+            </a:r>
+            <a:r>
+              <a:rPr lang="en-US" sz="1600" dirty="0"/>
+              <a:t>		</a:t>
+            </a:r>
+            <a:r>
+              <a:rPr lang="en-US" sz="1600" b="1" dirty="0"/>
+              <a:t>Descended Through</a:t>
+            </a:r>
+            <a:r>
+              <a:rPr lang="en-US" sz="1600" dirty="0"/>
+              <a:t>	</a:t>
+            </a:r>
+            <a:r>
+              <a:rPr lang="en-US" sz="1600" b="1" dirty="0"/>
+              <a:t>Representative in Genealogy</a:t>
+            </a:r>
+            <a:r>
+              <a:rPr lang="en-US" sz="1600" dirty="0"/>
+              <a:t>	</a:t>
+            </a:r>
+            <a:r>
+              <a:rPr lang="en-US" sz="1600" b="1" dirty="0"/>
+              <a:t>Lineage Found In</a:t>
+            </a:r>
+            <a:endParaRPr lang="en-US" sz="1600" dirty="0"/>
+          </a:p>
+          <a:p>
+            <a:pPr rtl="0" fontAlgn="t"/>
+            <a:r>
+              <a:rPr lang="en-US" sz="1600" b="1" dirty="0"/>
+              <a:t>Royal (Legal)		</a:t>
+            </a:r>
+            <a:r>
+              <a:rPr lang="en-US" sz="1600" dirty="0"/>
+              <a:t>Solomon → Jeconiah	</a:t>
+            </a:r>
+            <a:r>
+              <a:rPr lang="en-US" sz="1600" b="1" dirty="0"/>
+              <a:t>Joseph</a:t>
+            </a:r>
+            <a:r>
+              <a:rPr lang="en-US" sz="1600" dirty="0"/>
+              <a:t>, husband of Mary		</a:t>
+            </a:r>
+            <a:r>
+              <a:rPr lang="en-US" sz="1600" i="1" dirty="0"/>
+              <a:t>Matthew 1</a:t>
+            </a:r>
+            <a:endParaRPr lang="en-US" sz="1600" dirty="0"/>
+          </a:p>
+          <a:p>
+            <a:pPr rtl="0" fontAlgn="t"/>
+            <a:r>
+              <a:rPr lang="en-US" sz="1600" b="1" dirty="0"/>
+              <a:t>Blood (Biological)	</a:t>
+            </a:r>
+            <a:r>
+              <a:rPr lang="en-US" sz="1600" dirty="0"/>
+              <a:t>Nathan (another son of David) </a:t>
+            </a:r>
+            <a:r>
+              <a:rPr lang="en-US" sz="1600" b="1" dirty="0"/>
+              <a:t>Mary</a:t>
+            </a:r>
+            <a:r>
+              <a:rPr lang="en-US" sz="1600" dirty="0"/>
+              <a:t>, mother of Jesus		</a:t>
+            </a:r>
+            <a:r>
+              <a:rPr lang="en-US" sz="1600" i="1" dirty="0"/>
+              <a:t>Luke 3</a:t>
+            </a:r>
+            <a:endParaRPr lang="en-US" sz="1600" dirty="0"/>
+          </a:p>
+          <a:p>
+            <a:endParaRPr lang="en-US" sz="1600" dirty="0"/>
+          </a:p>
+          <a:p>
+            <a:r>
+              <a:rPr lang="en-US" sz="1600" dirty="0"/>
+              <a:t>Thus:</a:t>
+            </a:r>
+          </a:p>
+          <a:p>
+            <a:pPr rtl="0" fontAlgn="ctr"/>
+            <a:r>
+              <a:rPr lang="en-US" sz="1600" b="1" dirty="0"/>
+              <a:t>Joseph’s line</a:t>
+            </a:r>
+            <a:r>
+              <a:rPr lang="en-US" sz="1600" dirty="0"/>
+              <a:t> traces the </a:t>
+            </a:r>
+            <a:r>
+              <a:rPr lang="en-US" sz="1600" b="1" dirty="0"/>
+              <a:t>legal right to the throne</a:t>
+            </a:r>
+            <a:r>
+              <a:rPr lang="en-US" sz="1600" dirty="0"/>
+              <a:t> through Solomon and Jeconiah.</a:t>
+            </a:r>
+          </a:p>
+          <a:p>
+            <a:pPr rtl="0" fontAlgn="ctr"/>
+            <a:r>
+              <a:rPr lang="en-US" sz="1600" b="1" dirty="0"/>
+              <a:t>Mary’s line</a:t>
+            </a:r>
+            <a:r>
+              <a:rPr lang="en-US" sz="1600" dirty="0"/>
+              <a:t> traces the </a:t>
+            </a:r>
+            <a:r>
+              <a:rPr lang="en-US" sz="1600" b="1" dirty="0"/>
+              <a:t>biological descent from David</a:t>
+            </a:r>
+            <a:r>
+              <a:rPr lang="en-US" sz="1600" dirty="0"/>
+              <a:t> through Nathan — </a:t>
+            </a:r>
+            <a:r>
+              <a:rPr lang="en-US" sz="1600" b="1" dirty="0"/>
+              <a:t>bypassing the blood curse</a:t>
+            </a:r>
+            <a:r>
+              <a:rPr lang="en-US" sz="1600" dirty="0"/>
+              <a:t>.</a:t>
+            </a:r>
+          </a:p>
+          <a:p>
+            <a:pPr marL="324"/>
+            <a:endParaRPr lang="en-US" sz="1600" dirty="0"/>
+          </a:p>
+          <a:p>
+            <a:pPr marL="324"/>
+            <a:endParaRPr lang="en-US" sz="1600" dirty="0"/>
+          </a:p>
+          <a:p>
+            <a:pPr marL="324"/>
             <a:endParaRPr lang="en-US" sz="1400" dirty="0"/>
           </a:p>
           <a:p>
-            <a:r>
-              <a:rPr lang="en-US" sz="1400" b="1" kern="1200" dirty="0">
-                <a:solidFill>
-                  <a:schemeClr val="tx1"/>
-                </a:solidFill>
-                <a:effectLst/>
-                <a:latin typeface="+mn-lt"/>
-                <a:ea typeface="ＭＳ Ｐゴシック" pitchFamily="-106" charset="-128"/>
-                <a:cs typeface="ＭＳ Ｐゴシック" pitchFamily="-106" charset="-128"/>
-              </a:rPr>
-              <a:t>The Historical Resolution: Two Branches of David’s Line</a:t>
-            </a:r>
-            <a:endParaRPr lang="en-US" sz="1400" kern="1200" dirty="0">
-              <a:solidFill>
-                <a:schemeClr val="tx1"/>
-              </a:solidFill>
-              <a:effectLst/>
-              <a:latin typeface="+mn-lt"/>
-              <a:ea typeface="ＭＳ Ｐゴシック" pitchFamily="-106" charset="-128"/>
-              <a:cs typeface="ＭＳ Ｐゴシック" pitchFamily="-106" charset="-128"/>
-            </a:endParaRPr>
-          </a:p>
-          <a:p>
-            <a:r>
-              <a:rPr lang="en-US" sz="1400" kern="1200" dirty="0">
-                <a:solidFill>
-                  <a:schemeClr val="tx1"/>
-                </a:solidFill>
-                <a:effectLst/>
-                <a:latin typeface="+mn-lt"/>
-                <a:ea typeface="ＭＳ Ｐゴシック" pitchFamily="-106" charset="-128"/>
-                <a:cs typeface="ＭＳ Ｐゴシック" pitchFamily="-106" charset="-128"/>
-              </a:rPr>
-              <a:t>After the exile, the royal line splits into </a:t>
-            </a:r>
-            <a:r>
-              <a:rPr lang="en-US" sz="1400" b="1" kern="1200" dirty="0">
-                <a:solidFill>
-                  <a:schemeClr val="tx1"/>
-                </a:solidFill>
-                <a:effectLst/>
-                <a:latin typeface="+mn-lt"/>
-                <a:ea typeface="ＭＳ Ｐゴシック" pitchFamily="-106" charset="-128"/>
-                <a:cs typeface="ＭＳ Ｐゴシック" pitchFamily="-106" charset="-128"/>
-              </a:rPr>
-              <a:t>two surviving branches</a:t>
-            </a:r>
-            <a:r>
-              <a:rPr lang="en-US" sz="1400" kern="1200" dirty="0">
-                <a:solidFill>
-                  <a:schemeClr val="tx1"/>
-                </a:solidFill>
-                <a:effectLst/>
-                <a:latin typeface="+mn-lt"/>
-                <a:ea typeface="ＭＳ Ｐゴシック" pitchFamily="-106" charset="-128"/>
-                <a:cs typeface="ＭＳ Ｐゴシック" pitchFamily="-106" charset="-128"/>
-              </a:rPr>
-              <a:t> descending from David through different sons:</a:t>
-            </a:r>
-          </a:p>
-          <a:p>
-            <a:pPr rtl="0" fontAlgn="t"/>
-            <a:r>
-              <a:rPr lang="en-US" sz="1400" b="1" kern="1200" dirty="0">
-                <a:solidFill>
-                  <a:schemeClr val="tx1"/>
-                </a:solidFill>
-                <a:effectLst/>
-                <a:latin typeface="+mn-lt"/>
-                <a:ea typeface="ＭＳ Ｐゴシック" pitchFamily="-106" charset="-128"/>
-                <a:cs typeface="ＭＳ Ｐゴシック" pitchFamily="-106" charset="-128"/>
-              </a:rPr>
-              <a:t>Davidic Line</a:t>
-            </a:r>
-            <a:endParaRPr lang="en-US" sz="1400" kern="1200" dirty="0">
-              <a:solidFill>
-                <a:schemeClr val="tx1"/>
-              </a:solidFill>
-              <a:effectLst/>
-              <a:latin typeface="+mn-lt"/>
-              <a:ea typeface="ＭＳ Ｐゴシック" pitchFamily="-106" charset="-128"/>
-              <a:cs typeface="ＭＳ Ｐゴシック" pitchFamily="-106" charset="-128"/>
-            </a:endParaRPr>
-          </a:p>
-          <a:p>
-            <a:pPr rtl="0" fontAlgn="t"/>
-            <a:r>
-              <a:rPr lang="en-US" sz="1400" b="1" kern="1200" dirty="0">
-                <a:solidFill>
-                  <a:schemeClr val="tx1"/>
-                </a:solidFill>
-                <a:effectLst/>
-                <a:latin typeface="+mn-lt"/>
-                <a:ea typeface="ＭＳ Ｐゴシック" pitchFamily="-106" charset="-128"/>
-                <a:cs typeface="ＭＳ Ｐゴシック" pitchFamily="-106" charset="-128"/>
-              </a:rPr>
-              <a:t>Descended Through</a:t>
-            </a:r>
-            <a:endParaRPr lang="en-US" sz="1400" kern="1200" dirty="0">
-              <a:solidFill>
-                <a:schemeClr val="tx1"/>
-              </a:solidFill>
-              <a:effectLst/>
-              <a:latin typeface="+mn-lt"/>
-              <a:ea typeface="ＭＳ Ｐゴシック" pitchFamily="-106" charset="-128"/>
-              <a:cs typeface="ＭＳ Ｐゴシック" pitchFamily="-106" charset="-128"/>
-            </a:endParaRPr>
-          </a:p>
-          <a:p>
-            <a:pPr rtl="0" fontAlgn="t"/>
-            <a:r>
-              <a:rPr lang="en-US" sz="1400" b="1" kern="1200" dirty="0">
-                <a:solidFill>
-                  <a:schemeClr val="tx1"/>
-                </a:solidFill>
-                <a:effectLst/>
-                <a:latin typeface="+mn-lt"/>
-                <a:ea typeface="ＭＳ Ｐゴシック" pitchFamily="-106" charset="-128"/>
-                <a:cs typeface="ＭＳ Ｐゴシック" pitchFamily="-106" charset="-128"/>
-              </a:rPr>
-              <a:t>Representative in Genealogy</a:t>
-            </a:r>
-            <a:endParaRPr lang="en-US" sz="1400" kern="1200" dirty="0">
-              <a:solidFill>
-                <a:schemeClr val="tx1"/>
-              </a:solidFill>
-              <a:effectLst/>
-              <a:latin typeface="+mn-lt"/>
-              <a:ea typeface="ＭＳ Ｐゴシック" pitchFamily="-106" charset="-128"/>
-              <a:cs typeface="ＭＳ Ｐゴシック" pitchFamily="-106" charset="-128"/>
-            </a:endParaRPr>
-          </a:p>
-          <a:p>
-            <a:pPr rtl="0" fontAlgn="t"/>
-            <a:r>
-              <a:rPr lang="en-US" sz="1400" b="1" kern="1200" dirty="0">
-                <a:solidFill>
-                  <a:schemeClr val="tx1"/>
-                </a:solidFill>
-                <a:effectLst/>
-                <a:latin typeface="+mn-lt"/>
-                <a:ea typeface="ＭＳ Ｐゴシック" pitchFamily="-106" charset="-128"/>
-                <a:cs typeface="ＭＳ Ｐゴシック" pitchFamily="-106" charset="-128"/>
-              </a:rPr>
-              <a:t>Lineage Found In</a:t>
-            </a:r>
-            <a:endParaRPr lang="en-US" sz="1400" kern="1200" dirty="0">
-              <a:solidFill>
-                <a:schemeClr val="tx1"/>
-              </a:solidFill>
-              <a:effectLst/>
-              <a:latin typeface="+mn-lt"/>
-              <a:ea typeface="ＭＳ Ｐゴシック" pitchFamily="-106" charset="-128"/>
-              <a:cs typeface="ＭＳ Ｐゴシック" pitchFamily="-106" charset="-128"/>
-            </a:endParaRPr>
-          </a:p>
-          <a:p>
-            <a:pPr rtl="0" fontAlgn="t"/>
-            <a:r>
-              <a:rPr lang="en-US" sz="1400" b="1" kern="1200" dirty="0">
-                <a:solidFill>
-                  <a:schemeClr val="tx1"/>
-                </a:solidFill>
-                <a:effectLst/>
-                <a:latin typeface="+mn-lt"/>
-                <a:ea typeface="ＭＳ Ｐゴシック" pitchFamily="-106" charset="-128"/>
-                <a:cs typeface="ＭＳ Ｐゴシック" pitchFamily="-106" charset="-128"/>
-              </a:rPr>
-              <a:t>Royal (Legal)</a:t>
-            </a:r>
-            <a:endParaRPr lang="en-US" sz="1400" kern="1200" dirty="0">
-              <a:solidFill>
-                <a:schemeClr val="tx1"/>
-              </a:solidFill>
-              <a:effectLst/>
-              <a:latin typeface="+mn-lt"/>
-              <a:ea typeface="ＭＳ Ｐゴシック" pitchFamily="-106" charset="-128"/>
-              <a:cs typeface="ＭＳ Ｐゴシック" pitchFamily="-106" charset="-128"/>
-            </a:endParaRPr>
-          </a:p>
-          <a:p>
-            <a:pPr rtl="0" fontAlgn="t"/>
-            <a:r>
-              <a:rPr lang="en-US" sz="1400" kern="1200" dirty="0">
-                <a:solidFill>
-                  <a:schemeClr val="tx1"/>
-                </a:solidFill>
-                <a:effectLst/>
-                <a:latin typeface="+mn-lt"/>
-                <a:ea typeface="ＭＳ Ｐゴシック" pitchFamily="-106" charset="-128"/>
-                <a:cs typeface="ＭＳ Ｐゴシック" pitchFamily="-106" charset="-128"/>
-              </a:rPr>
-              <a:t>Solomon → Jeconiah</a:t>
-            </a:r>
-          </a:p>
-          <a:p>
-            <a:pPr rtl="0" fontAlgn="t"/>
-            <a:r>
-              <a:rPr lang="en-US" sz="1400" b="1" kern="1200" dirty="0">
-                <a:solidFill>
-                  <a:schemeClr val="tx1"/>
-                </a:solidFill>
-                <a:effectLst/>
-                <a:latin typeface="+mn-lt"/>
-                <a:ea typeface="ＭＳ Ｐゴシック" pitchFamily="-106" charset="-128"/>
-                <a:cs typeface="ＭＳ Ｐゴシック" pitchFamily="-106" charset="-128"/>
-              </a:rPr>
-              <a:t>Joseph</a:t>
-            </a:r>
-            <a:r>
-              <a:rPr lang="en-US" sz="1400" kern="1200" dirty="0">
-                <a:solidFill>
-                  <a:schemeClr val="tx1"/>
-                </a:solidFill>
-                <a:effectLst/>
-                <a:latin typeface="+mn-lt"/>
-                <a:ea typeface="ＭＳ Ｐゴシック" pitchFamily="-106" charset="-128"/>
-                <a:cs typeface="ＭＳ Ｐゴシック" pitchFamily="-106" charset="-128"/>
-              </a:rPr>
-              <a:t>, husband of Mary</a:t>
-            </a:r>
-          </a:p>
-          <a:p>
-            <a:pPr rtl="0" fontAlgn="t"/>
-            <a:r>
-              <a:rPr lang="en-US" sz="1400" i="1" kern="1200" dirty="0">
-                <a:solidFill>
-                  <a:schemeClr val="tx1"/>
-                </a:solidFill>
-                <a:effectLst/>
-                <a:latin typeface="+mn-lt"/>
-                <a:ea typeface="ＭＳ Ｐゴシック" pitchFamily="-106" charset="-128"/>
-                <a:cs typeface="ＭＳ Ｐゴシック" pitchFamily="-106" charset="-128"/>
-              </a:rPr>
-              <a:t>Matthew 1</a:t>
-            </a:r>
-            <a:endParaRPr lang="en-US" sz="1400" kern="1200" dirty="0">
-              <a:solidFill>
-                <a:schemeClr val="tx1"/>
-              </a:solidFill>
-              <a:effectLst/>
-              <a:latin typeface="+mn-lt"/>
-              <a:ea typeface="ＭＳ Ｐゴシック" pitchFamily="-106" charset="-128"/>
-              <a:cs typeface="ＭＳ Ｐゴシック" pitchFamily="-106" charset="-128"/>
-            </a:endParaRPr>
-          </a:p>
-          <a:p>
-            <a:pPr rtl="0" fontAlgn="t"/>
-            <a:r>
-              <a:rPr lang="en-US" sz="1400" b="1" kern="1200" dirty="0">
-                <a:solidFill>
-                  <a:schemeClr val="tx1"/>
-                </a:solidFill>
-                <a:effectLst/>
-                <a:latin typeface="+mn-lt"/>
-                <a:ea typeface="ＭＳ Ｐゴシック" pitchFamily="-106" charset="-128"/>
-                <a:cs typeface="ＭＳ Ｐゴシック" pitchFamily="-106" charset="-128"/>
-              </a:rPr>
-              <a:t>Blood (Biological)</a:t>
-            </a:r>
-            <a:endParaRPr lang="en-US" sz="1400" kern="1200" dirty="0">
-              <a:solidFill>
-                <a:schemeClr val="tx1"/>
-              </a:solidFill>
-              <a:effectLst/>
-              <a:latin typeface="+mn-lt"/>
-              <a:ea typeface="ＭＳ Ｐゴシック" pitchFamily="-106" charset="-128"/>
-              <a:cs typeface="ＭＳ Ｐゴシック" pitchFamily="-106" charset="-128"/>
-            </a:endParaRPr>
-          </a:p>
-          <a:p>
-            <a:pPr rtl="0" fontAlgn="t"/>
-            <a:r>
-              <a:rPr lang="en-US" sz="1400" kern="1200" dirty="0">
-                <a:solidFill>
-                  <a:schemeClr val="tx1"/>
-                </a:solidFill>
-                <a:effectLst/>
-                <a:latin typeface="+mn-lt"/>
-                <a:ea typeface="ＭＳ Ｐゴシック" pitchFamily="-106" charset="-128"/>
-                <a:cs typeface="ＭＳ Ｐゴシック" pitchFamily="-106" charset="-128"/>
-              </a:rPr>
-              <a:t>Nathan (another son of David)</a:t>
-            </a:r>
-          </a:p>
-          <a:p>
-            <a:pPr rtl="0" fontAlgn="t"/>
-            <a:r>
-              <a:rPr lang="en-US" sz="1400" b="1" kern="1200" dirty="0">
-                <a:solidFill>
-                  <a:schemeClr val="tx1"/>
-                </a:solidFill>
-                <a:effectLst/>
-                <a:latin typeface="+mn-lt"/>
-                <a:ea typeface="ＭＳ Ｐゴシック" pitchFamily="-106" charset="-128"/>
-                <a:cs typeface="ＭＳ Ｐゴシック" pitchFamily="-106" charset="-128"/>
-              </a:rPr>
-              <a:t>Mary</a:t>
-            </a:r>
-            <a:r>
-              <a:rPr lang="en-US" sz="1400" kern="1200" dirty="0">
-                <a:solidFill>
-                  <a:schemeClr val="tx1"/>
-                </a:solidFill>
-                <a:effectLst/>
-                <a:latin typeface="+mn-lt"/>
-                <a:ea typeface="ＭＳ Ｐゴシック" pitchFamily="-106" charset="-128"/>
-                <a:cs typeface="ＭＳ Ｐゴシック" pitchFamily="-106" charset="-128"/>
-              </a:rPr>
-              <a:t>, mother of Jesus</a:t>
-            </a:r>
-          </a:p>
-          <a:p>
-            <a:pPr rtl="0" fontAlgn="t"/>
-            <a:r>
-              <a:rPr lang="en-US" sz="1400" i="1" kern="1200" dirty="0">
-                <a:solidFill>
-                  <a:schemeClr val="tx1"/>
-                </a:solidFill>
-                <a:effectLst/>
-                <a:latin typeface="+mn-lt"/>
-                <a:ea typeface="ＭＳ Ｐゴシック" pitchFamily="-106" charset="-128"/>
-                <a:cs typeface="ＭＳ Ｐゴシック" pitchFamily="-106" charset="-128"/>
-              </a:rPr>
-              <a:t>Luke 3</a:t>
-            </a:r>
-            <a:endParaRPr lang="en-US" sz="1400" kern="1200" dirty="0">
-              <a:solidFill>
-                <a:schemeClr val="tx1"/>
-              </a:solidFill>
-              <a:effectLst/>
-              <a:latin typeface="+mn-lt"/>
-              <a:ea typeface="ＭＳ Ｐゴシック" pitchFamily="-106" charset="-128"/>
-              <a:cs typeface="ＭＳ Ｐゴシック" pitchFamily="-106" charset="-128"/>
-            </a:endParaRPr>
-          </a:p>
-          <a:p>
-            <a:r>
-              <a:rPr lang="en-US" sz="1400" kern="1200" dirty="0">
-                <a:solidFill>
-                  <a:schemeClr val="tx1"/>
-                </a:solidFill>
-                <a:effectLst/>
-                <a:latin typeface="+mn-lt"/>
-                <a:ea typeface="ＭＳ Ｐゴシック" pitchFamily="-106" charset="-128"/>
-                <a:cs typeface="ＭＳ Ｐゴシック" pitchFamily="-106" charset="-128"/>
-              </a:rPr>
-              <a:t>Thus:</a:t>
-            </a:r>
-          </a:p>
-          <a:p>
-            <a:pPr rtl="0" fontAlgn="ctr"/>
-            <a:r>
-              <a:rPr lang="en-US" sz="1400" b="1" kern="1200" dirty="0">
-                <a:solidFill>
-                  <a:schemeClr val="tx1"/>
-                </a:solidFill>
-                <a:effectLst/>
-                <a:latin typeface="+mn-lt"/>
-                <a:ea typeface="ＭＳ Ｐゴシック" pitchFamily="-106" charset="-128"/>
-                <a:cs typeface="ＭＳ Ｐゴシック" pitchFamily="-106" charset="-128"/>
-              </a:rPr>
-              <a:t>Joseph’s line</a:t>
-            </a:r>
-            <a:r>
-              <a:rPr lang="en-US" sz="1400" kern="1200" dirty="0">
-                <a:solidFill>
-                  <a:schemeClr val="tx1"/>
-                </a:solidFill>
-                <a:effectLst/>
-                <a:latin typeface="+mn-lt"/>
-                <a:ea typeface="ＭＳ Ｐゴシック" pitchFamily="-106" charset="-128"/>
-                <a:cs typeface="ＭＳ Ｐゴシック" pitchFamily="-106" charset="-128"/>
-              </a:rPr>
-              <a:t> traces the </a:t>
-            </a:r>
-            <a:r>
-              <a:rPr lang="en-US" sz="1400" b="1" kern="1200" dirty="0">
-                <a:solidFill>
-                  <a:schemeClr val="tx1"/>
-                </a:solidFill>
-                <a:effectLst/>
-                <a:latin typeface="+mn-lt"/>
-                <a:ea typeface="ＭＳ Ｐゴシック" pitchFamily="-106" charset="-128"/>
-                <a:cs typeface="ＭＳ Ｐゴシック" pitchFamily="-106" charset="-128"/>
-              </a:rPr>
-              <a:t>legal right to the throne</a:t>
-            </a:r>
-            <a:r>
-              <a:rPr lang="en-US" sz="1400" kern="1200" dirty="0">
-                <a:solidFill>
-                  <a:schemeClr val="tx1"/>
-                </a:solidFill>
-                <a:effectLst/>
-                <a:latin typeface="+mn-lt"/>
-                <a:ea typeface="ＭＳ Ｐゴシック" pitchFamily="-106" charset="-128"/>
-                <a:cs typeface="ＭＳ Ｐゴシック" pitchFamily="-106" charset="-128"/>
-              </a:rPr>
-              <a:t> through Solomon and Jeconiah.</a:t>
-            </a:r>
-          </a:p>
-          <a:p>
-            <a:pPr rtl="0" fontAlgn="ctr"/>
-            <a:r>
-              <a:rPr lang="en-US" sz="1400" b="1" kern="1200" dirty="0">
-                <a:solidFill>
-                  <a:schemeClr val="tx1"/>
-                </a:solidFill>
-                <a:effectLst/>
-                <a:latin typeface="+mn-lt"/>
-                <a:ea typeface="ＭＳ Ｐゴシック" pitchFamily="-106" charset="-128"/>
-                <a:cs typeface="ＭＳ Ｐゴシック" pitchFamily="-106" charset="-128"/>
-              </a:rPr>
-              <a:t>Mary’s line</a:t>
-            </a:r>
-            <a:r>
-              <a:rPr lang="en-US" sz="1400" kern="1200" dirty="0">
-                <a:solidFill>
-                  <a:schemeClr val="tx1"/>
-                </a:solidFill>
-                <a:effectLst/>
-                <a:latin typeface="+mn-lt"/>
-                <a:ea typeface="ＭＳ Ｐゴシック" pitchFamily="-106" charset="-128"/>
-                <a:cs typeface="ＭＳ Ｐゴシック" pitchFamily="-106" charset="-128"/>
-              </a:rPr>
-              <a:t> traces the </a:t>
-            </a:r>
-            <a:r>
-              <a:rPr lang="en-US" sz="1400" b="1" kern="1200" dirty="0">
-                <a:solidFill>
-                  <a:schemeClr val="tx1"/>
-                </a:solidFill>
-                <a:effectLst/>
-                <a:latin typeface="+mn-lt"/>
-                <a:ea typeface="ＭＳ Ｐゴシック" pitchFamily="-106" charset="-128"/>
-                <a:cs typeface="ＭＳ Ｐゴシック" pitchFamily="-106" charset="-128"/>
-              </a:rPr>
-              <a:t>biological descent from David</a:t>
-            </a:r>
-            <a:r>
-              <a:rPr lang="en-US" sz="1400" kern="1200" dirty="0">
-                <a:solidFill>
-                  <a:schemeClr val="tx1"/>
-                </a:solidFill>
-                <a:effectLst/>
-                <a:latin typeface="+mn-lt"/>
-                <a:ea typeface="ＭＳ Ｐゴシック" pitchFamily="-106" charset="-128"/>
-                <a:cs typeface="ＭＳ Ｐゴシック" pitchFamily="-106" charset="-128"/>
-              </a:rPr>
-              <a:t> through Nathan — </a:t>
-            </a:r>
-            <a:r>
-              <a:rPr lang="en-US" sz="1400" b="1" kern="1200" dirty="0">
-                <a:solidFill>
-                  <a:schemeClr val="tx1"/>
-                </a:solidFill>
-                <a:effectLst/>
-                <a:latin typeface="+mn-lt"/>
-                <a:ea typeface="ＭＳ Ｐゴシック" pitchFamily="-106" charset="-128"/>
-                <a:cs typeface="ＭＳ Ｐゴシック" pitchFamily="-106" charset="-128"/>
-              </a:rPr>
-              <a:t>bypassing the blood curse</a:t>
-            </a:r>
-            <a:r>
-              <a:rPr lang="en-US" sz="1400" kern="1200" dirty="0">
-                <a:solidFill>
-                  <a:schemeClr val="tx1"/>
-                </a:solidFill>
-                <a:effectLst/>
-                <a:latin typeface="+mn-lt"/>
-                <a:ea typeface="ＭＳ Ｐゴシック" pitchFamily="-106" charset="-128"/>
-                <a:cs typeface="ＭＳ Ｐゴシック" pitchFamily="-106" charset="-128"/>
-              </a:rPr>
-              <a:t>.</a:t>
-            </a:r>
-          </a:p>
-          <a:p>
-            <a:pPr marL="332"/>
-            <a:endParaRPr lang="en-US" sz="1600" dirty="0"/>
-          </a:p>
-          <a:p>
-            <a:pPr marL="332"/>
-            <a:endParaRPr lang="en-US" sz="1600" dirty="0"/>
-          </a:p>
-          <a:p>
-            <a:r>
-              <a:rPr lang="en-US" sz="1200" b="1" kern="1200" dirty="0">
-                <a:solidFill>
-                  <a:schemeClr val="tx1"/>
-                </a:solidFill>
-                <a:effectLst/>
-                <a:latin typeface="+mn-lt"/>
-                <a:ea typeface="ＭＳ Ｐゴシック" pitchFamily="-106" charset="-128"/>
-                <a:cs typeface="ＭＳ Ｐゴシック" pitchFamily="-106" charset="-128"/>
-              </a:rPr>
-              <a:t>The Prophetic Solution: Virgin Birth as Covenant Fulfillment</a:t>
-            </a:r>
-            <a:endParaRPr lang="en-US" sz="1200" kern="1200" dirty="0">
-              <a:solidFill>
-                <a:schemeClr val="tx1"/>
-              </a:solidFill>
-              <a:effectLst/>
-              <a:latin typeface="+mn-lt"/>
-              <a:ea typeface="ＭＳ Ｐゴシック" pitchFamily="-106" charset="-128"/>
-              <a:cs typeface="ＭＳ Ｐゴシック" pitchFamily="-106" charset="-128"/>
-            </a:endParaRPr>
-          </a:p>
-          <a:p>
-            <a:r>
-              <a:rPr lang="en-US" sz="1200" kern="1200" dirty="0">
-                <a:solidFill>
-                  <a:schemeClr val="tx1"/>
-                </a:solidFill>
-                <a:effectLst/>
-                <a:latin typeface="+mn-lt"/>
-                <a:ea typeface="ＭＳ Ｐゴシック" pitchFamily="-106" charset="-128"/>
-                <a:cs typeface="ＭＳ Ｐゴシック" pitchFamily="-106" charset="-128"/>
-              </a:rPr>
-              <a:t>Because of Jeremiah’s curse, </a:t>
-            </a:r>
-            <a:r>
-              <a:rPr lang="en-US" sz="1200" b="1" kern="1200" dirty="0">
-                <a:solidFill>
-                  <a:schemeClr val="tx1"/>
-                </a:solidFill>
-                <a:effectLst/>
-                <a:latin typeface="+mn-lt"/>
-                <a:ea typeface="ＭＳ Ｐゴシック" pitchFamily="-106" charset="-128"/>
-                <a:cs typeface="ＭＳ Ｐゴシック" pitchFamily="-106" charset="-128"/>
-              </a:rPr>
-              <a:t>no physical descendant of Jeconiah</a:t>
-            </a:r>
-            <a:r>
-              <a:rPr lang="en-US" sz="1200" kern="1200" dirty="0">
-                <a:solidFill>
-                  <a:schemeClr val="tx1"/>
-                </a:solidFill>
-                <a:effectLst/>
-                <a:latin typeface="+mn-lt"/>
-                <a:ea typeface="ＭＳ Ｐゴシック" pitchFamily="-106" charset="-128"/>
-                <a:cs typeface="ＭＳ Ｐゴシック" pitchFamily="-106" charset="-128"/>
-              </a:rPr>
-              <a:t> could lawfully reign as king.</a:t>
-            </a:r>
-          </a:p>
-          <a:p>
-            <a:pPr marL="171450" indent="-171450">
-              <a:buFont typeface="Arial" panose="020B0604020202020204" pitchFamily="34" charset="0"/>
-              <a:buChar char="•"/>
-            </a:pPr>
-            <a:r>
-              <a:rPr lang="en-US" sz="1200" kern="1200" dirty="0">
-                <a:solidFill>
-                  <a:schemeClr val="tx1"/>
-                </a:solidFill>
-                <a:effectLst/>
-                <a:latin typeface="+mn-lt"/>
-                <a:ea typeface="ＭＳ Ｐゴシック" pitchFamily="-106" charset="-128"/>
-                <a:cs typeface="ＭＳ Ｐゴシック" pitchFamily="-106" charset="-128"/>
-              </a:rPr>
-              <a:t>Therefore, if the Messiah were a natural son of Joseph (Jeconiah’s descendant), He would be disqualified.</a:t>
-            </a:r>
-          </a:p>
-          <a:p>
-            <a:pPr marL="171450" indent="-171450">
-              <a:buFont typeface="Arial" panose="020B0604020202020204" pitchFamily="34" charset="0"/>
-              <a:buChar char="•"/>
-            </a:pPr>
-            <a:r>
-              <a:rPr lang="en-US" sz="1200" kern="1200" dirty="0">
-                <a:solidFill>
-                  <a:schemeClr val="tx1"/>
-                </a:solidFill>
-                <a:effectLst/>
-                <a:latin typeface="+mn-lt"/>
-                <a:ea typeface="ＭＳ Ｐゴシック" pitchFamily="-106" charset="-128"/>
-                <a:cs typeface="ＭＳ Ｐゴシック" pitchFamily="-106" charset="-128"/>
-              </a:rPr>
-              <a:t>But the </a:t>
-            </a:r>
-            <a:r>
-              <a:rPr lang="en-US" sz="1200" b="1" kern="1200" dirty="0">
-                <a:solidFill>
-                  <a:schemeClr val="tx1"/>
-                </a:solidFill>
-                <a:effectLst/>
-                <a:latin typeface="+mn-lt"/>
-                <a:ea typeface="ＭＳ Ｐゴシック" pitchFamily="-106" charset="-128"/>
-                <a:cs typeface="ＭＳ Ｐゴシック" pitchFamily="-106" charset="-128"/>
-              </a:rPr>
-              <a:t>virgin birth</a:t>
-            </a:r>
-            <a:r>
-              <a:rPr lang="en-US" sz="1200" kern="1200" dirty="0">
-                <a:solidFill>
-                  <a:schemeClr val="tx1"/>
-                </a:solidFill>
-                <a:effectLst/>
-                <a:latin typeface="+mn-lt"/>
-                <a:ea typeface="ＭＳ Ｐゴシック" pitchFamily="-106" charset="-128"/>
-                <a:cs typeface="ＭＳ Ｐゴシック" pitchFamily="-106" charset="-128"/>
-              </a:rPr>
-              <a:t> provides the divine resolution:</a:t>
-            </a:r>
-          </a:p>
-          <a:p>
-            <a:pPr marL="171450" indent="-171450" rtl="0" fontAlgn="ctr">
-              <a:buFont typeface="Arial" panose="020B0604020202020204" pitchFamily="34" charset="0"/>
-              <a:buChar char="•"/>
-            </a:pPr>
-            <a:r>
-              <a:rPr lang="en-US" sz="1200" kern="1200" dirty="0">
-                <a:solidFill>
-                  <a:schemeClr val="tx1"/>
-                </a:solidFill>
-                <a:effectLst/>
-                <a:latin typeface="+mn-lt"/>
-                <a:ea typeface="ＭＳ Ｐゴシック" pitchFamily="-106" charset="-128"/>
-                <a:cs typeface="ＭＳ Ｐゴシック" pitchFamily="-106" charset="-128"/>
-              </a:rPr>
-              <a:t>Jesus is </a:t>
-            </a:r>
-            <a:r>
-              <a:rPr lang="en-US" sz="1200" b="1" kern="1200" dirty="0">
-                <a:solidFill>
-                  <a:schemeClr val="tx1"/>
-                </a:solidFill>
-                <a:effectLst/>
-                <a:latin typeface="+mn-lt"/>
-                <a:ea typeface="ＭＳ Ｐゴシック" pitchFamily="-106" charset="-128"/>
-                <a:cs typeface="ＭＳ Ｐゴシック" pitchFamily="-106" charset="-128"/>
-              </a:rPr>
-              <a:t>not the physical son of Joseph</a:t>
-            </a:r>
-            <a:r>
-              <a:rPr lang="en-US" sz="1200" kern="1200" dirty="0">
-                <a:solidFill>
-                  <a:schemeClr val="tx1"/>
-                </a:solidFill>
-                <a:effectLst/>
-                <a:latin typeface="+mn-lt"/>
-                <a:ea typeface="ＭＳ Ｐゴシック" pitchFamily="-106" charset="-128"/>
-                <a:cs typeface="ＭＳ Ｐゴシック" pitchFamily="-106" charset="-128"/>
-              </a:rPr>
-              <a:t>, thus </a:t>
-            </a:r>
-            <a:r>
-              <a:rPr lang="en-US" sz="1200" b="1" kern="1200" dirty="0">
-                <a:solidFill>
-                  <a:schemeClr val="tx1"/>
-                </a:solidFill>
-                <a:effectLst/>
-                <a:latin typeface="+mn-lt"/>
-                <a:ea typeface="ＭＳ Ｐゴシック" pitchFamily="-106" charset="-128"/>
-                <a:cs typeface="ＭＳ Ｐゴシック" pitchFamily="-106" charset="-128"/>
-              </a:rPr>
-              <a:t>not subject to Jeconiah’s curse</a:t>
-            </a:r>
-            <a:r>
-              <a:rPr lang="en-US" sz="1200" kern="1200" dirty="0">
-                <a:solidFill>
-                  <a:schemeClr val="tx1"/>
-                </a:solidFill>
-                <a:effectLst/>
-                <a:latin typeface="+mn-lt"/>
-                <a:ea typeface="ＭＳ Ｐゴシック" pitchFamily="-106" charset="-128"/>
-                <a:cs typeface="ＭＳ Ｐゴシック" pitchFamily="-106" charset="-128"/>
-              </a:rPr>
-              <a:t>.</a:t>
-            </a:r>
-          </a:p>
-          <a:p>
-            <a:pPr marL="171450" indent="-171450" rtl="0" fontAlgn="ctr">
-              <a:buFont typeface="Arial" panose="020B0604020202020204" pitchFamily="34" charset="0"/>
-              <a:buChar char="•"/>
-            </a:pPr>
-            <a:r>
-              <a:rPr lang="en-US" sz="1200" kern="1200" dirty="0">
-                <a:solidFill>
-                  <a:schemeClr val="tx1"/>
-                </a:solidFill>
-                <a:effectLst/>
-                <a:latin typeface="+mn-lt"/>
-                <a:ea typeface="ＭＳ Ｐゴシック" pitchFamily="-106" charset="-128"/>
-                <a:cs typeface="ＭＳ Ｐゴシック" pitchFamily="-106" charset="-128"/>
-              </a:rPr>
-              <a:t>Yet by being </a:t>
-            </a:r>
-            <a:r>
-              <a:rPr lang="en-US" sz="1200" b="1" kern="1200" dirty="0">
-                <a:solidFill>
-                  <a:schemeClr val="tx1"/>
-                </a:solidFill>
-                <a:effectLst/>
-                <a:latin typeface="+mn-lt"/>
-                <a:ea typeface="ＭＳ Ｐゴシック" pitchFamily="-106" charset="-128"/>
-                <a:cs typeface="ＭＳ Ｐゴシック" pitchFamily="-106" charset="-128"/>
-              </a:rPr>
-              <a:t>Joseph’s legal son through adoption</a:t>
-            </a:r>
-            <a:r>
-              <a:rPr lang="en-US" sz="1200" kern="1200" dirty="0">
-                <a:solidFill>
-                  <a:schemeClr val="tx1"/>
-                </a:solidFill>
-                <a:effectLst/>
-                <a:latin typeface="+mn-lt"/>
-                <a:ea typeface="ＭＳ Ｐゴシック" pitchFamily="-106" charset="-128"/>
-                <a:cs typeface="ＭＳ Ｐゴシック" pitchFamily="-106" charset="-128"/>
-              </a:rPr>
-              <a:t>, He </a:t>
-            </a:r>
-            <a:r>
-              <a:rPr lang="en-US" sz="1200" b="1" kern="1200" dirty="0">
-                <a:solidFill>
-                  <a:schemeClr val="tx1"/>
-                </a:solidFill>
-                <a:effectLst/>
-                <a:latin typeface="+mn-lt"/>
-                <a:ea typeface="ＭＳ Ｐゴシック" pitchFamily="-106" charset="-128"/>
-                <a:cs typeface="ＭＳ Ｐゴシック" pitchFamily="-106" charset="-128"/>
-              </a:rPr>
-              <a:t>inherits the royal right</a:t>
-            </a:r>
-            <a:r>
-              <a:rPr lang="en-US" sz="1200" kern="1200" dirty="0">
-                <a:solidFill>
-                  <a:schemeClr val="tx1"/>
-                </a:solidFill>
-                <a:effectLst/>
-                <a:latin typeface="+mn-lt"/>
-                <a:ea typeface="ＭＳ Ｐゴシック" pitchFamily="-106" charset="-128"/>
-                <a:cs typeface="ＭＳ Ｐゴシック" pitchFamily="-106" charset="-128"/>
-              </a:rPr>
-              <a:t> to David’s throne.</a:t>
-            </a:r>
-          </a:p>
-          <a:p>
-            <a:pPr marL="171450" indent="-171450" rtl="0" fontAlgn="ctr">
-              <a:buFont typeface="Arial" panose="020B0604020202020204" pitchFamily="34" charset="0"/>
-              <a:buChar char="•"/>
-            </a:pPr>
-            <a:r>
-              <a:rPr lang="en-US" sz="1200" kern="1200" dirty="0">
-                <a:solidFill>
-                  <a:schemeClr val="tx1"/>
-                </a:solidFill>
-                <a:effectLst/>
-                <a:latin typeface="+mn-lt"/>
-                <a:ea typeface="ＭＳ Ｐゴシック" pitchFamily="-106" charset="-128"/>
-                <a:cs typeface="ＭＳ Ｐゴシック" pitchFamily="-106" charset="-128"/>
-              </a:rPr>
-              <a:t>And through </a:t>
-            </a:r>
-            <a:r>
-              <a:rPr lang="en-US" sz="1200" b="1" kern="1200" dirty="0">
-                <a:solidFill>
-                  <a:schemeClr val="tx1"/>
-                </a:solidFill>
-                <a:effectLst/>
-                <a:latin typeface="+mn-lt"/>
-                <a:ea typeface="ＭＳ Ｐゴシック" pitchFamily="-106" charset="-128"/>
-                <a:cs typeface="ＭＳ Ｐゴシック" pitchFamily="-106" charset="-128"/>
-              </a:rPr>
-              <a:t>Mary’s bloodline (Luke 3)</a:t>
-            </a:r>
-            <a:r>
-              <a:rPr lang="en-US" sz="1200" kern="1200" dirty="0">
-                <a:solidFill>
-                  <a:schemeClr val="tx1"/>
-                </a:solidFill>
-                <a:effectLst/>
-                <a:latin typeface="+mn-lt"/>
-                <a:ea typeface="ＭＳ Ｐゴシック" pitchFamily="-106" charset="-128"/>
-                <a:cs typeface="ＭＳ Ｐゴシック" pitchFamily="-106" charset="-128"/>
-              </a:rPr>
-              <a:t>, He is </a:t>
-            </a:r>
-            <a:r>
-              <a:rPr lang="en-US" sz="1200" b="1" kern="1200" dirty="0">
-                <a:solidFill>
-                  <a:schemeClr val="tx1"/>
-                </a:solidFill>
-                <a:effectLst/>
-                <a:latin typeface="+mn-lt"/>
-                <a:ea typeface="ＭＳ Ｐゴシック" pitchFamily="-106" charset="-128"/>
-                <a:cs typeface="ＭＳ Ｐゴシック" pitchFamily="-106" charset="-128"/>
-              </a:rPr>
-              <a:t>a true descendant of David</a:t>
-            </a:r>
-            <a:r>
-              <a:rPr lang="en-US" sz="1200" kern="1200" dirty="0">
-                <a:solidFill>
-                  <a:schemeClr val="tx1"/>
-                </a:solidFill>
-                <a:effectLst/>
-                <a:latin typeface="+mn-lt"/>
-                <a:ea typeface="ＭＳ Ｐゴシック" pitchFamily="-106" charset="-128"/>
-                <a:cs typeface="ＭＳ Ｐゴシック" pitchFamily="-106" charset="-128"/>
-              </a:rPr>
-              <a:t> — but from the </a:t>
-            </a:r>
-            <a:r>
-              <a:rPr lang="en-US" sz="1200" b="1" kern="1200" dirty="0">
-                <a:solidFill>
-                  <a:schemeClr val="tx1"/>
-                </a:solidFill>
-                <a:effectLst/>
-                <a:latin typeface="+mn-lt"/>
-                <a:ea typeface="ＭＳ Ｐゴシック" pitchFamily="-106" charset="-128"/>
-                <a:cs typeface="ＭＳ Ｐゴシック" pitchFamily="-106" charset="-128"/>
-              </a:rPr>
-              <a:t>uncursed </a:t>
-            </a:r>
-            <a:r>
-              <a:rPr lang="en-US" sz="1200" b="1" kern="1200" dirty="0" err="1">
-                <a:solidFill>
-                  <a:schemeClr val="tx1"/>
-                </a:solidFill>
-                <a:effectLst/>
-                <a:latin typeface="+mn-lt"/>
-                <a:ea typeface="ＭＳ Ｐゴシック" pitchFamily="-106" charset="-128"/>
-                <a:cs typeface="ＭＳ Ｐゴシック" pitchFamily="-106" charset="-128"/>
-              </a:rPr>
-              <a:t>Nathanic</a:t>
-            </a:r>
-            <a:r>
-              <a:rPr lang="en-US" sz="1200" b="1" kern="1200" dirty="0">
-                <a:solidFill>
-                  <a:schemeClr val="tx1"/>
-                </a:solidFill>
-                <a:effectLst/>
-                <a:latin typeface="+mn-lt"/>
-                <a:ea typeface="ＭＳ Ｐゴシック" pitchFamily="-106" charset="-128"/>
-                <a:cs typeface="ＭＳ Ｐゴシック" pitchFamily="-106" charset="-128"/>
-              </a:rPr>
-              <a:t> branch</a:t>
-            </a:r>
-            <a:r>
-              <a:rPr lang="en-US" sz="1200" kern="1200" dirty="0">
-                <a:solidFill>
-                  <a:schemeClr val="tx1"/>
-                </a:solidFill>
-                <a:effectLst/>
-                <a:latin typeface="+mn-lt"/>
-                <a:ea typeface="ＭＳ Ｐゴシック" pitchFamily="-106" charset="-128"/>
-                <a:cs typeface="ＭＳ Ｐゴシック" pitchFamily="-106" charset="-128"/>
-              </a:rPr>
-              <a:t>.</a:t>
-            </a:r>
-          </a:p>
-          <a:p>
-            <a:r>
-              <a:rPr lang="en-US" sz="1200" b="1" kern="1200" dirty="0">
-                <a:solidFill>
-                  <a:schemeClr val="tx1"/>
-                </a:solidFill>
-                <a:effectLst/>
-                <a:latin typeface="+mn-lt"/>
-                <a:ea typeface="ＭＳ Ｐゴシック" pitchFamily="-106" charset="-128"/>
-                <a:cs typeface="ＭＳ Ｐゴシック" pitchFamily="-106" charset="-128"/>
-              </a:rPr>
-              <a:t>In summary:</a:t>
-            </a:r>
-            <a:endParaRPr lang="en-US" sz="1200" kern="1200" dirty="0">
-              <a:solidFill>
-                <a:schemeClr val="tx1"/>
-              </a:solidFill>
-              <a:effectLst/>
-              <a:latin typeface="+mn-lt"/>
-              <a:ea typeface="ＭＳ Ｐゴシック" pitchFamily="-106" charset="-128"/>
-              <a:cs typeface="ＭＳ Ｐゴシック" pitchFamily="-106" charset="-128"/>
-            </a:endParaRPr>
-          </a:p>
-          <a:p>
-            <a:pPr marL="171450" indent="-171450" rtl="0" fontAlgn="ctr">
-              <a:buFont typeface="Arial" panose="020B0604020202020204" pitchFamily="34" charset="0"/>
-              <a:buChar char="•"/>
-            </a:pPr>
-            <a:r>
-              <a:rPr lang="en-US" sz="1200" kern="1200" dirty="0">
-                <a:solidFill>
-                  <a:schemeClr val="tx1"/>
-                </a:solidFill>
-                <a:effectLst/>
-                <a:latin typeface="+mn-lt"/>
-                <a:ea typeface="ＭＳ Ｐゴシック" pitchFamily="-106" charset="-128"/>
-                <a:cs typeface="ＭＳ Ｐゴシック" pitchFamily="-106" charset="-128"/>
-              </a:rPr>
-              <a:t>By birth through Mary → Jesus is </a:t>
-            </a:r>
-            <a:r>
-              <a:rPr lang="en-US" sz="1200" i="1" kern="1200" dirty="0">
-                <a:solidFill>
-                  <a:schemeClr val="tx1"/>
-                </a:solidFill>
-                <a:effectLst/>
-                <a:latin typeface="+mn-lt"/>
-                <a:ea typeface="ＭＳ Ｐゴシック" pitchFamily="-106" charset="-128"/>
-                <a:cs typeface="ＭＳ Ｐゴシック" pitchFamily="-106" charset="-128"/>
-              </a:rPr>
-              <a:t>biologically</a:t>
-            </a:r>
-            <a:r>
-              <a:rPr lang="en-US" sz="1200" kern="1200" dirty="0">
-                <a:solidFill>
-                  <a:schemeClr val="tx1"/>
-                </a:solidFill>
-                <a:effectLst/>
-                <a:latin typeface="+mn-lt"/>
-                <a:ea typeface="ＭＳ Ｐゴシック" pitchFamily="-106" charset="-128"/>
-                <a:cs typeface="ＭＳ Ｐゴシック" pitchFamily="-106" charset="-128"/>
-              </a:rPr>
-              <a:t> the Son of David.</a:t>
-            </a:r>
-          </a:p>
-          <a:p>
-            <a:pPr marL="171450" indent="-171450" rtl="0" fontAlgn="ctr">
-              <a:buFont typeface="Arial" panose="020B0604020202020204" pitchFamily="34" charset="0"/>
-              <a:buChar char="•"/>
-            </a:pPr>
-            <a:r>
-              <a:rPr lang="en-US" sz="1200" kern="1200" dirty="0">
-                <a:solidFill>
-                  <a:schemeClr val="tx1"/>
-                </a:solidFill>
-                <a:effectLst/>
-                <a:latin typeface="+mn-lt"/>
-                <a:ea typeface="ＭＳ Ｐゴシック" pitchFamily="-106" charset="-128"/>
-                <a:cs typeface="ＭＳ Ｐゴシック" pitchFamily="-106" charset="-128"/>
-              </a:rPr>
-              <a:t>By legal adoption through Joseph → Jesus is </a:t>
-            </a:r>
-            <a:r>
-              <a:rPr lang="en-US" sz="1200" i="1" kern="1200" dirty="0">
-                <a:solidFill>
-                  <a:schemeClr val="tx1"/>
-                </a:solidFill>
-                <a:effectLst/>
-                <a:latin typeface="+mn-lt"/>
-                <a:ea typeface="ＭＳ Ｐゴシック" pitchFamily="-106" charset="-128"/>
-                <a:cs typeface="ＭＳ Ｐゴシック" pitchFamily="-106" charset="-128"/>
-              </a:rPr>
-              <a:t>legally</a:t>
-            </a:r>
-            <a:r>
-              <a:rPr lang="en-US" sz="1200" kern="1200" dirty="0">
-                <a:solidFill>
-                  <a:schemeClr val="tx1"/>
-                </a:solidFill>
-                <a:effectLst/>
-                <a:latin typeface="+mn-lt"/>
-                <a:ea typeface="ＭＳ Ｐゴシック" pitchFamily="-106" charset="-128"/>
-                <a:cs typeface="ＭＳ Ｐゴシック" pitchFamily="-106" charset="-128"/>
-              </a:rPr>
-              <a:t> heir to David’s throne.</a:t>
-            </a:r>
-          </a:p>
-          <a:p>
-            <a:pPr marL="171450" indent="-171450" rtl="0" fontAlgn="ctr">
-              <a:buFont typeface="Arial" panose="020B0604020202020204" pitchFamily="34" charset="0"/>
-              <a:buChar char="•"/>
-            </a:pPr>
-            <a:r>
-              <a:rPr lang="en-US" sz="1200" kern="1200" dirty="0">
-                <a:solidFill>
-                  <a:schemeClr val="tx1"/>
-                </a:solidFill>
-                <a:effectLst/>
-                <a:latin typeface="+mn-lt"/>
-                <a:ea typeface="ＭＳ Ｐゴシック" pitchFamily="-106" charset="-128"/>
-                <a:cs typeface="ＭＳ Ｐゴシック" pitchFamily="-106" charset="-128"/>
-              </a:rPr>
-              <a:t>By divine origin through the Holy Spirit → Jesus is </a:t>
-            </a:r>
-            <a:r>
-              <a:rPr lang="en-US" sz="1200" i="1" kern="1200" dirty="0">
-                <a:solidFill>
-                  <a:schemeClr val="tx1"/>
-                </a:solidFill>
-                <a:effectLst/>
-                <a:latin typeface="+mn-lt"/>
-                <a:ea typeface="ＭＳ Ｐゴシック" pitchFamily="-106" charset="-128"/>
-                <a:cs typeface="ＭＳ Ｐゴシック" pitchFamily="-106" charset="-128"/>
-              </a:rPr>
-              <a:t>eternally qualified</a:t>
-            </a:r>
-            <a:r>
-              <a:rPr lang="en-US" sz="1200" kern="1200" dirty="0">
-                <a:solidFill>
-                  <a:schemeClr val="tx1"/>
-                </a:solidFill>
-                <a:effectLst/>
-                <a:latin typeface="+mn-lt"/>
-                <a:ea typeface="ＭＳ Ｐゴシック" pitchFamily="-106" charset="-128"/>
-                <a:cs typeface="ＭＳ Ｐゴシック" pitchFamily="-106" charset="-128"/>
-              </a:rPr>
-              <a:t> to reign.</a:t>
-            </a:r>
-          </a:p>
-          <a:p>
-            <a:pPr marL="332"/>
-            <a:endParaRPr lang="en-US" sz="1400" dirty="0"/>
-          </a:p>
-          <a:p>
-            <a:r>
-              <a:rPr lang="en-US" sz="1200" b="1" kern="1200" dirty="0">
-                <a:solidFill>
-                  <a:schemeClr val="tx1"/>
-                </a:solidFill>
-                <a:effectLst/>
-                <a:latin typeface="+mn-lt"/>
-                <a:ea typeface="ＭＳ Ｐゴシック" pitchFamily="-106" charset="-128"/>
-                <a:cs typeface="ＭＳ Ｐゴシック" pitchFamily="-106" charset="-128"/>
-              </a:rPr>
-              <a:t>Theological Fulfillment: Justice and Grace Meet</a:t>
-            </a:r>
-            <a:endParaRPr lang="en-US" sz="1200" kern="1200" dirty="0">
-              <a:solidFill>
-                <a:schemeClr val="tx1"/>
-              </a:solidFill>
-              <a:effectLst/>
-              <a:latin typeface="+mn-lt"/>
-              <a:ea typeface="ＭＳ Ｐゴシック" pitchFamily="-106" charset="-128"/>
-              <a:cs typeface="ＭＳ Ｐゴシック" pitchFamily="-106" charset="-128"/>
-            </a:endParaRPr>
-          </a:p>
-          <a:p>
-            <a:r>
-              <a:rPr lang="en-US" sz="1200" kern="1200" dirty="0">
-                <a:solidFill>
-                  <a:schemeClr val="tx1"/>
-                </a:solidFill>
-                <a:effectLst/>
-                <a:latin typeface="+mn-lt"/>
-                <a:ea typeface="ＭＳ Ｐゴシック" pitchFamily="-106" charset="-128"/>
-                <a:cs typeface="ＭＳ Ｐゴシック" pitchFamily="-106" charset="-128"/>
-              </a:rPr>
-              <a:t>This resolution demonstrates </a:t>
-            </a:r>
-            <a:r>
-              <a:rPr lang="en-US" sz="1200" b="1" kern="1200" dirty="0">
-                <a:solidFill>
-                  <a:schemeClr val="tx1"/>
-                </a:solidFill>
-                <a:effectLst/>
-                <a:latin typeface="+mn-lt"/>
-                <a:ea typeface="ＭＳ Ｐゴシック" pitchFamily="-106" charset="-128"/>
-                <a:cs typeface="ＭＳ Ｐゴシック" pitchFamily="-106" charset="-128"/>
-              </a:rPr>
-              <a:t>the perfect harmony of God’s justice and mercy</a:t>
-            </a:r>
-            <a:r>
-              <a:rPr lang="en-US" sz="1200" kern="1200" dirty="0">
-                <a:solidFill>
-                  <a:schemeClr val="tx1"/>
-                </a:solidFill>
-                <a:effectLst/>
-                <a:latin typeface="+mn-lt"/>
-                <a:ea typeface="ＭＳ Ｐゴシック" pitchFamily="-106" charset="-128"/>
-                <a:cs typeface="ＭＳ Ｐゴシック" pitchFamily="-106" charset="-128"/>
-              </a:rPr>
-              <a:t>:</a:t>
-            </a:r>
-          </a:p>
-          <a:p>
-            <a:pPr rtl="0" fontAlgn="t"/>
-            <a:r>
-              <a:rPr lang="en-US" sz="1200" b="1" kern="1200" dirty="0">
-                <a:solidFill>
-                  <a:schemeClr val="tx1"/>
-                </a:solidFill>
-                <a:effectLst/>
-                <a:latin typeface="+mn-lt"/>
-                <a:ea typeface="ＭＳ Ｐゴシック" pitchFamily="-106" charset="-128"/>
-                <a:cs typeface="ＭＳ Ｐゴシック" pitchFamily="-106" charset="-128"/>
-              </a:rPr>
-              <a:t>Aspect</a:t>
-            </a:r>
-            <a:endParaRPr lang="en-US" sz="1200" kern="1200" dirty="0">
-              <a:solidFill>
-                <a:schemeClr val="tx1"/>
-              </a:solidFill>
-              <a:effectLst/>
-              <a:latin typeface="+mn-lt"/>
-              <a:ea typeface="ＭＳ Ｐゴシック" pitchFamily="-106" charset="-128"/>
-              <a:cs typeface="ＭＳ Ｐゴシック" pitchFamily="-106" charset="-128"/>
-            </a:endParaRPr>
-          </a:p>
-          <a:p>
-            <a:pPr rtl="0" fontAlgn="t"/>
-            <a:r>
-              <a:rPr lang="en-US" sz="1200" b="1" kern="1200" dirty="0">
-                <a:solidFill>
-                  <a:schemeClr val="tx1"/>
-                </a:solidFill>
-                <a:effectLst/>
-                <a:latin typeface="+mn-lt"/>
-                <a:ea typeface="ＭＳ Ｐゴシック" pitchFamily="-106" charset="-128"/>
-                <a:cs typeface="ＭＳ Ｐゴシック" pitchFamily="-106" charset="-128"/>
-              </a:rPr>
-              <a:t>Law’s Judgment</a:t>
-            </a:r>
-            <a:endParaRPr lang="en-US" sz="1200" kern="1200" dirty="0">
-              <a:solidFill>
-                <a:schemeClr val="tx1"/>
-              </a:solidFill>
-              <a:effectLst/>
-              <a:latin typeface="+mn-lt"/>
-              <a:ea typeface="ＭＳ Ｐゴシック" pitchFamily="-106" charset="-128"/>
-              <a:cs typeface="ＭＳ Ｐゴシック" pitchFamily="-106" charset="-128"/>
-            </a:endParaRPr>
-          </a:p>
-          <a:p>
-            <a:pPr rtl="0" fontAlgn="t"/>
-            <a:r>
-              <a:rPr lang="en-US" sz="1200" b="1" kern="1200" dirty="0">
-                <a:solidFill>
-                  <a:schemeClr val="tx1"/>
-                </a:solidFill>
-                <a:effectLst/>
-                <a:latin typeface="+mn-lt"/>
-                <a:ea typeface="ＭＳ Ｐゴシック" pitchFamily="-106" charset="-128"/>
-                <a:cs typeface="ＭＳ Ｐゴシック" pitchFamily="-106" charset="-128"/>
-              </a:rPr>
-              <a:t>God’s Grace and Promise</a:t>
-            </a:r>
-            <a:endParaRPr lang="en-US" sz="1200" kern="1200" dirty="0">
-              <a:solidFill>
-                <a:schemeClr val="tx1"/>
-              </a:solidFill>
-              <a:effectLst/>
-              <a:latin typeface="+mn-lt"/>
-              <a:ea typeface="ＭＳ Ｐゴシック" pitchFamily="-106" charset="-128"/>
-              <a:cs typeface="ＭＳ Ｐゴシック" pitchFamily="-106" charset="-128"/>
-            </a:endParaRPr>
-          </a:p>
-          <a:p>
-            <a:pPr rtl="0" fontAlgn="t"/>
-            <a:r>
-              <a:rPr lang="en-US" sz="1200" kern="1200" dirty="0">
-                <a:solidFill>
-                  <a:schemeClr val="tx1"/>
-                </a:solidFill>
-                <a:effectLst/>
-                <a:latin typeface="+mn-lt"/>
-                <a:ea typeface="ＭＳ Ｐゴシック" pitchFamily="-106" charset="-128"/>
-                <a:cs typeface="ＭＳ Ｐゴシック" pitchFamily="-106" charset="-128"/>
-              </a:rPr>
-              <a:t>Idolaters’ names blotted out (Deut. 29:20)</a:t>
-            </a:r>
-          </a:p>
-          <a:p>
-            <a:pPr rtl="0" fontAlgn="t"/>
-            <a:r>
-              <a:rPr lang="en-US" sz="1200" kern="1200" dirty="0">
-                <a:solidFill>
-                  <a:schemeClr val="tx1"/>
-                </a:solidFill>
-                <a:effectLst/>
-                <a:latin typeface="+mn-lt"/>
-                <a:ea typeface="ＭＳ Ｐゴシック" pitchFamily="-106" charset="-128"/>
-                <a:cs typeface="ＭＳ Ｐゴシック" pitchFamily="-106" charset="-128"/>
-              </a:rPr>
-              <a:t>Ahaziah, Joash, Amaziah omitted</a:t>
-            </a:r>
-          </a:p>
-          <a:p>
-            <a:pPr rtl="0" fontAlgn="t"/>
-            <a:r>
-              <a:rPr lang="en-US" sz="1200" kern="1200" dirty="0">
-                <a:solidFill>
-                  <a:schemeClr val="tx1"/>
-                </a:solidFill>
-                <a:effectLst/>
-                <a:latin typeface="+mn-lt"/>
-                <a:ea typeface="ＭＳ Ｐゴシック" pitchFamily="-106" charset="-128"/>
-                <a:cs typeface="ＭＳ Ｐゴシック" pitchFamily="-106" charset="-128"/>
-              </a:rPr>
-              <a:t>God preserves the line through righteous heirs</a:t>
-            </a:r>
-          </a:p>
-          <a:p>
-            <a:pPr rtl="0" fontAlgn="t"/>
-            <a:r>
-              <a:rPr lang="en-US" sz="1200" kern="1200" dirty="0">
-                <a:solidFill>
-                  <a:schemeClr val="tx1"/>
-                </a:solidFill>
-                <a:effectLst/>
-                <a:latin typeface="+mn-lt"/>
-                <a:ea typeface="ＭＳ Ｐゴシック" pitchFamily="-106" charset="-128"/>
-                <a:cs typeface="ＭＳ Ｐゴシック" pitchFamily="-106" charset="-128"/>
-              </a:rPr>
-              <a:t>Blood curse on Jehoiakim (Jer. 22:30)</a:t>
-            </a:r>
-          </a:p>
-          <a:p>
-            <a:pPr rtl="0" fontAlgn="t"/>
-            <a:r>
-              <a:rPr lang="en-US" sz="1200" kern="1200" dirty="0">
-                <a:solidFill>
-                  <a:schemeClr val="tx1"/>
-                </a:solidFill>
-                <a:effectLst/>
-                <a:latin typeface="+mn-lt"/>
-                <a:ea typeface="ＭＳ Ｐゴシック" pitchFamily="-106" charset="-128"/>
-                <a:cs typeface="ＭＳ Ｐゴシック" pitchFamily="-106" charset="-128"/>
-              </a:rPr>
-              <a:t>Legal descendants barred from throne</a:t>
-            </a:r>
-          </a:p>
-          <a:p>
-            <a:pPr rtl="0" fontAlgn="t"/>
-            <a:r>
-              <a:rPr lang="en-US" sz="1200" kern="1200" dirty="0">
-                <a:solidFill>
-                  <a:schemeClr val="tx1"/>
-                </a:solidFill>
-                <a:effectLst/>
-                <a:latin typeface="+mn-lt"/>
-                <a:ea typeface="ＭＳ Ｐゴシック" pitchFamily="-106" charset="-128"/>
-                <a:cs typeface="ＭＳ Ｐゴシック" pitchFamily="-106" charset="-128"/>
-              </a:rPr>
-              <a:t>Virgin birth bypasses the curse</a:t>
-            </a:r>
-          </a:p>
-          <a:p>
-            <a:pPr rtl="0" fontAlgn="t"/>
-            <a:r>
-              <a:rPr lang="en-US" sz="1200" kern="1200" dirty="0">
-                <a:solidFill>
-                  <a:schemeClr val="tx1"/>
-                </a:solidFill>
-                <a:effectLst/>
-                <a:latin typeface="+mn-lt"/>
-                <a:ea typeface="ＭＳ Ｐゴシック" pitchFamily="-106" charset="-128"/>
-                <a:cs typeface="ＭＳ Ｐゴシック" pitchFamily="-106" charset="-128"/>
-              </a:rPr>
-              <a:t>Exile and fall of monarchy</a:t>
-            </a:r>
-          </a:p>
-          <a:p>
-            <a:pPr rtl="0" fontAlgn="t"/>
-            <a:r>
-              <a:rPr lang="en-US" sz="1200" kern="1200" dirty="0">
-                <a:solidFill>
-                  <a:schemeClr val="tx1"/>
-                </a:solidFill>
-                <a:effectLst/>
-                <a:latin typeface="+mn-lt"/>
-                <a:ea typeface="ＭＳ Ｐゴシック" pitchFamily="-106" charset="-128"/>
-                <a:cs typeface="ＭＳ Ｐゴシック" pitchFamily="-106" charset="-128"/>
-              </a:rPr>
-              <a:t>National punishment</a:t>
-            </a:r>
-          </a:p>
-          <a:p>
-            <a:pPr rtl="0" fontAlgn="t"/>
-            <a:r>
-              <a:rPr lang="en-US" sz="1200" kern="1200" dirty="0">
-                <a:solidFill>
-                  <a:schemeClr val="tx1"/>
-                </a:solidFill>
-                <a:effectLst/>
-                <a:latin typeface="+mn-lt"/>
-                <a:ea typeface="ＭＳ Ｐゴシック" pitchFamily="-106" charset="-128"/>
-                <a:cs typeface="ＭＳ Ｐゴシック" pitchFamily="-106" charset="-128"/>
-              </a:rPr>
-              <a:t>Covenant preserved and fulfilled in Christ</a:t>
-            </a:r>
-          </a:p>
-          <a:p>
-            <a:pPr rtl="0" fontAlgn="t"/>
-            <a:r>
-              <a:rPr lang="en-US" sz="1200" kern="1200" dirty="0">
-                <a:solidFill>
-                  <a:schemeClr val="tx1"/>
-                </a:solidFill>
-                <a:effectLst/>
-                <a:latin typeface="+mn-lt"/>
-                <a:ea typeface="ＭＳ Ｐゴシック" pitchFamily="-106" charset="-128"/>
-                <a:cs typeface="ＭＳ Ｐゴシック" pitchFamily="-106" charset="-128"/>
-              </a:rPr>
-              <a:t>Death reigns through sin</a:t>
-            </a:r>
-          </a:p>
-          <a:p>
-            <a:pPr rtl="0" fontAlgn="t"/>
-            <a:r>
-              <a:rPr lang="en-US" sz="1200" kern="1200" dirty="0">
-                <a:solidFill>
-                  <a:schemeClr val="tx1"/>
-                </a:solidFill>
-                <a:effectLst/>
-                <a:latin typeface="+mn-lt"/>
-                <a:ea typeface="ＭＳ Ｐゴシック" pitchFamily="-106" charset="-128"/>
-                <a:cs typeface="ＭＳ Ｐゴシック" pitchFamily="-106" charset="-128"/>
-              </a:rPr>
-              <a:t>Resurrection reigns through Christ</a:t>
-            </a:r>
-          </a:p>
-          <a:p>
-            <a:pPr rtl="0" fontAlgn="t"/>
-            <a:r>
-              <a:rPr lang="en-US" sz="1200" kern="1200" dirty="0">
-                <a:solidFill>
-                  <a:schemeClr val="tx1"/>
-                </a:solidFill>
-                <a:effectLst/>
-                <a:latin typeface="+mn-lt"/>
-                <a:ea typeface="ＭＳ Ｐゴシック" pitchFamily="-106" charset="-128"/>
-                <a:cs typeface="ＭＳ Ｐゴシック" pitchFamily="-106" charset="-128"/>
-              </a:rPr>
-              <a:t>“The sure mercies of David” fulfilled (Acts 13:34)</a:t>
-            </a:r>
-          </a:p>
-          <a:p>
-            <a:r>
-              <a:rPr lang="en-US" sz="1200" kern="1200" dirty="0">
-                <a:solidFill>
-                  <a:schemeClr val="tx1"/>
-                </a:solidFill>
-                <a:effectLst/>
-                <a:latin typeface="+mn-lt"/>
-                <a:ea typeface="ＭＳ Ｐゴシック" pitchFamily="-106" charset="-128"/>
-                <a:cs typeface="ＭＳ Ｐゴシック" pitchFamily="-106" charset="-128"/>
-              </a:rPr>
-              <a:t>“The sure mercies of David” (Isaiah 55:3; Acts 13:34) are </a:t>
-            </a:r>
-            <a:r>
-              <a:rPr lang="en-US" sz="1200" b="1" kern="1200" dirty="0">
-                <a:solidFill>
-                  <a:schemeClr val="tx1"/>
-                </a:solidFill>
-                <a:effectLst/>
-                <a:latin typeface="+mn-lt"/>
-                <a:ea typeface="ＭＳ Ｐゴシック" pitchFamily="-106" charset="-128"/>
-                <a:cs typeface="ＭＳ Ｐゴシック" pitchFamily="-106" charset="-128"/>
-              </a:rPr>
-              <a:t>sure</a:t>
-            </a:r>
-            <a:r>
-              <a:rPr lang="en-US" sz="1200" kern="1200" dirty="0">
-                <a:solidFill>
-                  <a:schemeClr val="tx1"/>
-                </a:solidFill>
-                <a:effectLst/>
-                <a:latin typeface="+mn-lt"/>
-                <a:ea typeface="ＭＳ Ｐゴシック" pitchFamily="-106" charset="-128"/>
-                <a:cs typeface="ＭＳ Ｐゴシック" pitchFamily="-106" charset="-128"/>
-              </a:rPr>
-              <a:t> precisely because they depend not on the obedience of kings,</a:t>
-            </a:r>
-          </a:p>
-          <a:p>
-            <a:r>
-              <a:rPr lang="en-US" sz="1200" kern="1200" dirty="0">
-                <a:solidFill>
-                  <a:schemeClr val="tx1"/>
-                </a:solidFill>
-                <a:effectLst/>
-                <a:latin typeface="+mn-lt"/>
-                <a:ea typeface="ＭＳ Ｐゴシック" pitchFamily="-106" charset="-128"/>
-                <a:cs typeface="ＭＳ Ｐゴシック" pitchFamily="-106" charset="-128"/>
-              </a:rPr>
-              <a:t>but on the </a:t>
-            </a:r>
-            <a:r>
-              <a:rPr lang="en-US" sz="1200" b="1" kern="1200" dirty="0">
-                <a:solidFill>
-                  <a:schemeClr val="tx1"/>
-                </a:solidFill>
-                <a:effectLst/>
-                <a:latin typeface="+mn-lt"/>
-                <a:ea typeface="ＭＳ Ｐゴシック" pitchFamily="-106" charset="-128"/>
-                <a:cs typeface="ＭＳ Ｐゴシック" pitchFamily="-106" charset="-128"/>
-              </a:rPr>
-              <a:t>faithfulness of God</a:t>
-            </a:r>
-            <a:r>
-              <a:rPr lang="en-US" sz="1200" kern="1200" dirty="0">
-                <a:solidFill>
-                  <a:schemeClr val="tx1"/>
-                </a:solidFill>
-                <a:effectLst/>
-                <a:latin typeface="+mn-lt"/>
-                <a:ea typeface="ＭＳ Ｐゴシック" pitchFamily="-106" charset="-128"/>
-                <a:cs typeface="ＭＳ Ｐゴシック" pitchFamily="-106" charset="-128"/>
-              </a:rPr>
-              <a:t> who promised and fulfilled them in His Son.</a:t>
-            </a:r>
-          </a:p>
-          <a:p>
-            <a:pPr marL="332"/>
-            <a:endParaRPr lang="en-US" sz="1400" dirty="0"/>
-          </a:p>
-          <a:p>
-            <a:pPr marL="332"/>
-            <a:endParaRPr lang="en-US" sz="1400" dirty="0"/>
-          </a:p>
-          <a:p>
-            <a:r>
-              <a:rPr lang="en-US" sz="1200" b="1" kern="1200" dirty="0">
-                <a:solidFill>
-                  <a:schemeClr val="tx1"/>
-                </a:solidFill>
-                <a:effectLst/>
-                <a:latin typeface="+mn-lt"/>
-                <a:ea typeface="ＭＳ Ｐゴシック" pitchFamily="-106" charset="-128"/>
-                <a:cs typeface="ＭＳ Ｐゴシック" pitchFamily="-106" charset="-128"/>
-              </a:rPr>
-              <a:t>Christ’s Ultimate Vindication of the Davidic Covenant</a:t>
-            </a:r>
-            <a:endParaRPr lang="en-US" sz="1200" kern="1200" dirty="0">
-              <a:solidFill>
-                <a:schemeClr val="tx1"/>
-              </a:solidFill>
-              <a:effectLst/>
-              <a:latin typeface="+mn-lt"/>
-              <a:ea typeface="ＭＳ Ｐゴシック" pitchFamily="-106" charset="-128"/>
-              <a:cs typeface="ＭＳ Ｐゴシック" pitchFamily="-106" charset="-128"/>
-            </a:endParaRPr>
-          </a:p>
-          <a:p>
-            <a:r>
-              <a:rPr lang="en-US" sz="1200" kern="1200" dirty="0">
-                <a:solidFill>
-                  <a:schemeClr val="tx1"/>
-                </a:solidFill>
-                <a:effectLst/>
-                <a:latin typeface="+mn-lt"/>
-                <a:ea typeface="ＭＳ Ｐゴシック" pitchFamily="-106" charset="-128"/>
-                <a:cs typeface="ＭＳ Ｐゴシック" pitchFamily="-106" charset="-128"/>
-              </a:rPr>
-              <a:t>In the end:</a:t>
-            </a:r>
-          </a:p>
-          <a:p>
-            <a:pPr rtl="0" fontAlgn="ctr"/>
-            <a:r>
-              <a:rPr lang="en-US" sz="1200" kern="1200" dirty="0">
-                <a:solidFill>
-                  <a:schemeClr val="tx1"/>
-                </a:solidFill>
-                <a:effectLst/>
-                <a:latin typeface="+mn-lt"/>
-                <a:ea typeface="ＭＳ Ｐゴシック" pitchFamily="-106" charset="-128"/>
-                <a:cs typeface="ＭＳ Ｐゴシック" pitchFamily="-106" charset="-128"/>
-              </a:rPr>
-              <a:t>The “blotted out” names demonstrate </a:t>
-            </a:r>
-            <a:r>
-              <a:rPr lang="en-US" sz="1200" b="1" kern="1200" dirty="0">
-                <a:solidFill>
-                  <a:schemeClr val="tx1"/>
-                </a:solidFill>
-                <a:effectLst/>
-                <a:latin typeface="+mn-lt"/>
-                <a:ea typeface="ＭＳ Ｐゴシック" pitchFamily="-106" charset="-128"/>
-                <a:cs typeface="ＭＳ Ｐゴシック" pitchFamily="-106" charset="-128"/>
-              </a:rPr>
-              <a:t>the holiness of God under the Law</a:t>
-            </a:r>
-            <a:r>
-              <a:rPr lang="en-US" sz="1200" kern="1200" dirty="0">
-                <a:solidFill>
-                  <a:schemeClr val="tx1"/>
-                </a:solidFill>
-                <a:effectLst/>
-                <a:latin typeface="+mn-lt"/>
-                <a:ea typeface="ＭＳ Ｐゴシック" pitchFamily="-106" charset="-128"/>
-                <a:cs typeface="ＭＳ Ｐゴシック" pitchFamily="-106" charset="-128"/>
-              </a:rPr>
-              <a:t>.</a:t>
-            </a:r>
-          </a:p>
-          <a:p>
-            <a:pPr rtl="0" fontAlgn="ctr"/>
-            <a:r>
-              <a:rPr lang="en-US" sz="1200" kern="1200" dirty="0">
-                <a:solidFill>
-                  <a:schemeClr val="tx1"/>
-                </a:solidFill>
-                <a:effectLst/>
-                <a:latin typeface="+mn-lt"/>
-                <a:ea typeface="ＭＳ Ｐゴシック" pitchFamily="-106" charset="-128"/>
-                <a:cs typeface="ＭＳ Ｐゴシック" pitchFamily="-106" charset="-128"/>
-              </a:rPr>
-              <a:t>The “curse” on Jehoiakim shows </a:t>
-            </a:r>
-            <a:r>
-              <a:rPr lang="en-US" sz="1200" b="1" kern="1200" dirty="0">
-                <a:solidFill>
-                  <a:schemeClr val="tx1"/>
-                </a:solidFill>
-                <a:effectLst/>
-                <a:latin typeface="+mn-lt"/>
-                <a:ea typeface="ＭＳ Ｐゴシック" pitchFamily="-106" charset="-128"/>
-                <a:cs typeface="ＭＳ Ｐゴシック" pitchFamily="-106" charset="-128"/>
-              </a:rPr>
-              <a:t>the consequences of covenant-breaking</a:t>
-            </a:r>
-            <a:r>
-              <a:rPr lang="en-US" sz="1200" kern="1200" dirty="0">
-                <a:solidFill>
-                  <a:schemeClr val="tx1"/>
-                </a:solidFill>
-                <a:effectLst/>
-                <a:latin typeface="+mn-lt"/>
-                <a:ea typeface="ＭＳ Ｐゴシック" pitchFamily="-106" charset="-128"/>
-                <a:cs typeface="ＭＳ Ｐゴシック" pitchFamily="-106" charset="-128"/>
-              </a:rPr>
-              <a:t>.</a:t>
-            </a:r>
-          </a:p>
-          <a:p>
-            <a:pPr rtl="0" fontAlgn="ctr"/>
-            <a:r>
-              <a:rPr lang="en-US" sz="1200" kern="1200" dirty="0">
-                <a:solidFill>
-                  <a:schemeClr val="tx1"/>
-                </a:solidFill>
-                <a:effectLst/>
-                <a:latin typeface="+mn-lt"/>
-                <a:ea typeface="ＭＳ Ｐゴシック" pitchFamily="-106" charset="-128"/>
-                <a:cs typeface="ＭＳ Ｐゴシック" pitchFamily="-106" charset="-128"/>
-              </a:rPr>
-              <a:t>The miraculous preservation through Mary and Joseph reveals </a:t>
-            </a:r>
-            <a:r>
-              <a:rPr lang="en-US" sz="1200" b="1" kern="1200" dirty="0">
-                <a:solidFill>
-                  <a:schemeClr val="tx1"/>
-                </a:solidFill>
-                <a:effectLst/>
-                <a:latin typeface="+mn-lt"/>
-                <a:ea typeface="ＭＳ Ｐゴシック" pitchFamily="-106" charset="-128"/>
-                <a:cs typeface="ＭＳ Ｐゴシック" pitchFamily="-106" charset="-128"/>
-              </a:rPr>
-              <a:t>the grace and sovereignty of God</a:t>
-            </a:r>
-            <a:r>
-              <a:rPr lang="en-US" sz="1200" kern="1200" dirty="0">
-                <a:solidFill>
-                  <a:schemeClr val="tx1"/>
-                </a:solidFill>
-                <a:effectLst/>
-                <a:latin typeface="+mn-lt"/>
-                <a:ea typeface="ＭＳ Ｐゴシック" pitchFamily="-106" charset="-128"/>
-                <a:cs typeface="ＭＳ Ｐゴシック" pitchFamily="-106" charset="-128"/>
-              </a:rPr>
-              <a:t>.</a:t>
-            </a:r>
-          </a:p>
-          <a:p>
-            <a:r>
-              <a:rPr lang="en-US" sz="1200" kern="1200" dirty="0">
-                <a:solidFill>
-                  <a:schemeClr val="tx1"/>
-                </a:solidFill>
-                <a:effectLst/>
-                <a:latin typeface="+mn-lt"/>
-                <a:ea typeface="ＭＳ Ｐゴシック" pitchFamily="-106" charset="-128"/>
-                <a:cs typeface="ＭＳ Ｐゴシック" pitchFamily="-106" charset="-128"/>
-              </a:rPr>
-              <a:t>Jesus, as the </a:t>
-            </a:r>
-            <a:r>
-              <a:rPr lang="en-US" sz="1200" b="1" kern="1200" dirty="0">
-                <a:solidFill>
-                  <a:schemeClr val="tx1"/>
-                </a:solidFill>
-                <a:effectLst/>
-                <a:latin typeface="+mn-lt"/>
-                <a:ea typeface="ＭＳ Ｐゴシック" pitchFamily="-106" charset="-128"/>
-                <a:cs typeface="ＭＳ Ｐゴシック" pitchFamily="-106" charset="-128"/>
-              </a:rPr>
-              <a:t>Son of David and the Son of God</a:t>
-            </a:r>
-            <a:r>
-              <a:rPr lang="en-US" sz="1200" kern="1200" dirty="0">
-                <a:solidFill>
-                  <a:schemeClr val="tx1"/>
-                </a:solidFill>
-                <a:effectLst/>
-                <a:latin typeface="+mn-lt"/>
-                <a:ea typeface="ＭＳ Ｐゴシック" pitchFamily="-106" charset="-128"/>
-                <a:cs typeface="ＭＳ Ｐゴシック" pitchFamily="-106" charset="-128"/>
-              </a:rPr>
-              <a:t>, unites both sides of the covenant:</a:t>
-            </a:r>
-          </a:p>
-          <a:p>
-            <a:pPr rtl="0" fontAlgn="ctr"/>
-            <a:r>
-              <a:rPr lang="en-US" sz="1200" kern="1200" dirty="0">
-                <a:solidFill>
-                  <a:schemeClr val="tx1"/>
-                </a:solidFill>
-                <a:effectLst/>
-                <a:latin typeface="+mn-lt"/>
-                <a:ea typeface="ＭＳ Ｐゴシック" pitchFamily="-106" charset="-128"/>
-                <a:cs typeface="ＭＳ Ｐゴシック" pitchFamily="-106" charset="-128"/>
-              </a:rPr>
-              <a:t>The </a:t>
-            </a:r>
-            <a:r>
-              <a:rPr lang="en-US" sz="1200" i="1" kern="1200" dirty="0">
-                <a:solidFill>
-                  <a:schemeClr val="tx1"/>
-                </a:solidFill>
-                <a:effectLst/>
-                <a:latin typeface="+mn-lt"/>
-                <a:ea typeface="ＭＳ Ｐゴシック" pitchFamily="-106" charset="-128"/>
-                <a:cs typeface="ＭＳ Ｐゴシック" pitchFamily="-106" charset="-128"/>
-              </a:rPr>
-              <a:t>Davidic promise</a:t>
-            </a:r>
-            <a:r>
-              <a:rPr lang="en-US" sz="1200" kern="1200" dirty="0">
-                <a:solidFill>
-                  <a:schemeClr val="tx1"/>
-                </a:solidFill>
-                <a:effectLst/>
-                <a:latin typeface="+mn-lt"/>
-                <a:ea typeface="ＭＳ Ｐゴシック" pitchFamily="-106" charset="-128"/>
-                <a:cs typeface="ＭＳ Ｐゴシック" pitchFamily="-106" charset="-128"/>
-              </a:rPr>
-              <a:t> (2 Samuel 7)</a:t>
-            </a:r>
-          </a:p>
-          <a:p>
-            <a:pPr rtl="0" fontAlgn="ctr"/>
-            <a:r>
-              <a:rPr lang="en-US" sz="1200" kern="1200" dirty="0">
-                <a:solidFill>
-                  <a:schemeClr val="tx1"/>
-                </a:solidFill>
-                <a:effectLst/>
-                <a:latin typeface="+mn-lt"/>
-                <a:ea typeface="ＭＳ Ｐゴシック" pitchFamily="-106" charset="-128"/>
-                <a:cs typeface="ＭＳ Ｐゴシック" pitchFamily="-106" charset="-128"/>
-              </a:rPr>
-              <a:t>The </a:t>
-            </a:r>
-            <a:r>
-              <a:rPr lang="en-US" sz="1200" i="1" kern="1200" dirty="0">
-                <a:solidFill>
-                  <a:schemeClr val="tx1"/>
-                </a:solidFill>
-                <a:effectLst/>
-                <a:latin typeface="+mn-lt"/>
-                <a:ea typeface="ＭＳ Ｐゴシック" pitchFamily="-106" charset="-128"/>
-                <a:cs typeface="ＭＳ Ｐゴシック" pitchFamily="-106" charset="-128"/>
-              </a:rPr>
-              <a:t>Abrahamic blessing</a:t>
-            </a:r>
-            <a:r>
-              <a:rPr lang="en-US" sz="1200" kern="1200" dirty="0">
-                <a:solidFill>
-                  <a:schemeClr val="tx1"/>
-                </a:solidFill>
-                <a:effectLst/>
-                <a:latin typeface="+mn-lt"/>
-                <a:ea typeface="ＭＳ Ｐゴシック" pitchFamily="-106" charset="-128"/>
-                <a:cs typeface="ＭＳ Ｐゴシック" pitchFamily="-106" charset="-128"/>
-              </a:rPr>
-              <a:t> (Genesis 12)</a:t>
-            </a:r>
-          </a:p>
-          <a:p>
-            <a:pPr rtl="0" fontAlgn="ctr"/>
-            <a:r>
-              <a:rPr lang="en-US" sz="1200" kern="1200" dirty="0">
-                <a:solidFill>
-                  <a:schemeClr val="tx1"/>
-                </a:solidFill>
-                <a:effectLst/>
-                <a:latin typeface="+mn-lt"/>
-                <a:ea typeface="ＭＳ Ｐゴシック" pitchFamily="-106" charset="-128"/>
-                <a:cs typeface="ＭＳ Ｐゴシック" pitchFamily="-106" charset="-128"/>
-              </a:rPr>
-              <a:t>The </a:t>
-            </a:r>
-            <a:r>
-              <a:rPr lang="en-US" sz="1200" i="1" kern="1200" dirty="0">
-                <a:solidFill>
-                  <a:schemeClr val="tx1"/>
-                </a:solidFill>
-                <a:effectLst/>
-                <a:latin typeface="+mn-lt"/>
-                <a:ea typeface="ＭＳ Ｐゴシック" pitchFamily="-106" charset="-128"/>
-                <a:cs typeface="ＭＳ Ｐゴシック" pitchFamily="-106" charset="-128"/>
-              </a:rPr>
-              <a:t>New Covenant</a:t>
-            </a:r>
-            <a:r>
-              <a:rPr lang="en-US" sz="1200" kern="1200" dirty="0">
-                <a:solidFill>
-                  <a:schemeClr val="tx1"/>
-                </a:solidFill>
-                <a:effectLst/>
-                <a:latin typeface="+mn-lt"/>
-                <a:ea typeface="ＭＳ Ｐゴシック" pitchFamily="-106" charset="-128"/>
-                <a:cs typeface="ＭＳ Ｐゴシック" pitchFamily="-106" charset="-128"/>
-              </a:rPr>
-              <a:t> (Jeremiah 31)</a:t>
-            </a:r>
-          </a:p>
-          <a:p>
-            <a:r>
-              <a:rPr lang="en-US" sz="1200" kern="1200" dirty="0">
-                <a:solidFill>
-                  <a:schemeClr val="tx1"/>
-                </a:solidFill>
-                <a:effectLst/>
-                <a:latin typeface="+mn-lt"/>
-                <a:ea typeface="ＭＳ Ｐゴシック" pitchFamily="-106" charset="-128"/>
-                <a:cs typeface="ＭＳ Ｐゴシック" pitchFamily="-106" charset="-128"/>
-              </a:rPr>
-              <a:t>All converge in Him — the King whose throne will never end.</a:t>
-            </a:r>
-          </a:p>
-          <a:p>
-            <a:pPr marL="332"/>
+            <a:pPr marL="324"/>
             <a:endParaRPr lang="en-US" sz="1400" dirty="0"/>
           </a:p>
         </p:txBody>
@@ -5308,15 +2375,460 @@
         <p:spPr/>
         <p:txBody>
           <a:bodyPr>
-            <a:normAutofit fontScale="25000" lnSpcReduction="20000"/>
+            <a:normAutofit fontScale="62500" lnSpcReduction="20000"/>
           </a:bodyPr>
           <a:lstStyle/>
           <a:p>
-            <a:pPr marL="332"/>
+            <a:r>
+              <a:rPr lang="en-US" sz="1400" b="1"/>
+              <a:t>The </a:t>
+            </a:r>
+            <a:r>
+              <a:rPr lang="en-US" sz="1400" b="1" dirty="0"/>
+              <a:t>Prophetic Solution: Virgin Birth as Covenant Fulfillment</a:t>
+            </a:r>
             <a:endParaRPr lang="en-US" sz="1400" dirty="0"/>
           </a:p>
           <a:p>
-            <a:pPr marL="332"/>
+            <a:r>
+              <a:rPr lang="en-US" sz="1400" dirty="0"/>
+              <a:t>Because of Jeremiah’s curse, </a:t>
+            </a:r>
+            <a:r>
+              <a:rPr lang="en-US" sz="1400" b="1" dirty="0"/>
+              <a:t>no physical descendant of Jeconiah</a:t>
+            </a:r>
+            <a:r>
+              <a:rPr lang="en-US" sz="1400" dirty="0"/>
+              <a:t> could lawfully reign as king.</a:t>
+            </a:r>
+          </a:p>
+          <a:p>
+            <a:pPr marL="167061" indent="-167061">
+              <a:buFont typeface="Arial" panose="020B0604020202020204" pitchFamily="34" charset="0"/>
+              <a:buChar char="•"/>
+            </a:pPr>
+            <a:r>
+              <a:rPr lang="en-US" sz="1400" dirty="0"/>
+              <a:t>Therefore, if the Messiah were a natural son of Joseph (Jeconiah’s descendant), He would be disqualified.</a:t>
+            </a:r>
+          </a:p>
+          <a:p>
+            <a:pPr marL="167061" indent="-167061">
+              <a:buFont typeface="Arial" panose="020B0604020202020204" pitchFamily="34" charset="0"/>
+              <a:buChar char="•"/>
+            </a:pPr>
+            <a:r>
+              <a:rPr lang="en-US" sz="1400" dirty="0"/>
+              <a:t>But the </a:t>
+            </a:r>
+            <a:r>
+              <a:rPr lang="en-US" sz="1400" b="1" dirty="0"/>
+              <a:t>virgin birth</a:t>
+            </a:r>
+            <a:r>
+              <a:rPr lang="en-US" sz="1400" dirty="0"/>
+              <a:t> provides the divine resolution:</a:t>
+            </a:r>
+          </a:p>
+          <a:p>
+            <a:pPr marL="167061" indent="-167061" fontAlgn="ctr">
+              <a:buFont typeface="Arial" panose="020B0604020202020204" pitchFamily="34" charset="0"/>
+              <a:buChar char="•"/>
+            </a:pPr>
+            <a:r>
+              <a:rPr lang="en-US" sz="1400" dirty="0"/>
+              <a:t>Jesus is </a:t>
+            </a:r>
+            <a:r>
+              <a:rPr lang="en-US" sz="1400" b="1" dirty="0"/>
+              <a:t>not the physical son of Joseph</a:t>
+            </a:r>
+            <a:r>
+              <a:rPr lang="en-US" sz="1400" dirty="0"/>
+              <a:t>, thus </a:t>
+            </a:r>
+            <a:r>
+              <a:rPr lang="en-US" sz="1400" b="1" dirty="0"/>
+              <a:t>not subject to Jeconiah’s curse</a:t>
+            </a:r>
+            <a:r>
+              <a:rPr lang="en-US" sz="1400" dirty="0"/>
+              <a:t>.</a:t>
+            </a:r>
+          </a:p>
+          <a:p>
+            <a:pPr marL="167061" indent="-167061" fontAlgn="ctr">
+              <a:buFont typeface="Arial" panose="020B0604020202020204" pitchFamily="34" charset="0"/>
+              <a:buChar char="•"/>
+            </a:pPr>
+            <a:r>
+              <a:rPr lang="en-US" sz="1400" dirty="0"/>
+              <a:t>Yet by being </a:t>
+            </a:r>
+            <a:r>
+              <a:rPr lang="en-US" sz="1400" b="1" dirty="0"/>
+              <a:t>Joseph’s legal son through adoption</a:t>
+            </a:r>
+            <a:r>
+              <a:rPr lang="en-US" sz="1400" dirty="0"/>
+              <a:t>, He </a:t>
+            </a:r>
+            <a:r>
+              <a:rPr lang="en-US" sz="1400" b="1" dirty="0"/>
+              <a:t>inherits the royal right</a:t>
+            </a:r>
+            <a:r>
+              <a:rPr lang="en-US" sz="1400" dirty="0"/>
+              <a:t> to David’s throne.</a:t>
+            </a:r>
+          </a:p>
+          <a:p>
+            <a:pPr marL="167061" indent="-167061" fontAlgn="ctr">
+              <a:buFont typeface="Arial" panose="020B0604020202020204" pitchFamily="34" charset="0"/>
+              <a:buChar char="•"/>
+            </a:pPr>
+            <a:r>
+              <a:rPr lang="en-US" sz="1400" dirty="0"/>
+              <a:t>And through </a:t>
+            </a:r>
+            <a:r>
+              <a:rPr lang="en-US" sz="1400" b="1" dirty="0"/>
+              <a:t>Mary’s bloodline (Luke 3)</a:t>
+            </a:r>
+            <a:r>
+              <a:rPr lang="en-US" sz="1400" dirty="0"/>
+              <a:t>, He is </a:t>
+            </a:r>
+            <a:r>
+              <a:rPr lang="en-US" sz="1400" b="1" dirty="0"/>
+              <a:t>a true descendant of David</a:t>
+            </a:r>
+            <a:r>
+              <a:rPr lang="en-US" sz="1400" dirty="0"/>
+              <a:t> - but from the </a:t>
+            </a:r>
+            <a:r>
+              <a:rPr lang="en-US" sz="1400" b="1" dirty="0"/>
+              <a:t>uncursed </a:t>
+            </a:r>
+            <a:r>
+              <a:rPr lang="en-US" sz="1400" b="1" dirty="0" err="1"/>
+              <a:t>Nathanic</a:t>
+            </a:r>
+            <a:r>
+              <a:rPr lang="en-US" sz="1400" b="1" dirty="0"/>
+              <a:t> branch</a:t>
+            </a:r>
+            <a:r>
+              <a:rPr lang="en-US" sz="1400" dirty="0"/>
+              <a:t>.</a:t>
+            </a:r>
+          </a:p>
+          <a:p>
+            <a:r>
+              <a:rPr lang="en-US" sz="1400" b="1" dirty="0"/>
+              <a:t>In summary:</a:t>
+            </a:r>
+            <a:endParaRPr lang="en-US" sz="1400" dirty="0"/>
+          </a:p>
+          <a:p>
+            <a:pPr marL="167061" indent="-167061" fontAlgn="ctr">
+              <a:buFont typeface="Arial" panose="020B0604020202020204" pitchFamily="34" charset="0"/>
+              <a:buChar char="•"/>
+            </a:pPr>
+            <a:r>
+              <a:rPr lang="en-US" sz="1400" dirty="0"/>
+              <a:t>By birth through Mary → Jesus is </a:t>
+            </a:r>
+            <a:r>
+              <a:rPr lang="en-US" sz="1400" i="1" dirty="0"/>
+              <a:t>biologically</a:t>
+            </a:r>
+            <a:r>
+              <a:rPr lang="en-US" sz="1400" dirty="0"/>
+              <a:t> the Son of David.</a:t>
+            </a:r>
+          </a:p>
+          <a:p>
+            <a:pPr marL="167061" indent="-167061" fontAlgn="ctr">
+              <a:buFont typeface="Arial" panose="020B0604020202020204" pitchFamily="34" charset="0"/>
+              <a:buChar char="•"/>
+            </a:pPr>
+            <a:r>
+              <a:rPr lang="en-US" sz="1400" dirty="0"/>
+              <a:t>By legal adoption through Joseph → Jesus is </a:t>
+            </a:r>
+            <a:r>
+              <a:rPr lang="en-US" sz="1400" i="1" dirty="0"/>
+              <a:t>legally</a:t>
+            </a:r>
+            <a:r>
+              <a:rPr lang="en-US" sz="1400" dirty="0"/>
+              <a:t> heir to David’s throne.</a:t>
+            </a:r>
+          </a:p>
+          <a:p>
+            <a:pPr marL="167061" indent="-167061" fontAlgn="ctr">
+              <a:buFont typeface="Arial" panose="020B0604020202020204" pitchFamily="34" charset="0"/>
+              <a:buChar char="•"/>
+            </a:pPr>
+            <a:r>
+              <a:rPr lang="en-US" sz="1400" dirty="0"/>
+              <a:t>By divine origin through the Holy Spirit → Jesus is </a:t>
+            </a:r>
+            <a:r>
+              <a:rPr lang="en-US" sz="1400" i="1" dirty="0"/>
+              <a:t>eternally qualified</a:t>
+            </a:r>
+            <a:r>
+              <a:rPr lang="en-US" sz="1400" dirty="0"/>
+              <a:t> to reign.</a:t>
+            </a:r>
+          </a:p>
+          <a:p>
+            <a:endParaRPr lang="en-US" sz="1400" b="1" dirty="0"/>
+          </a:p>
+          <a:p>
+            <a:endParaRPr lang="en-US" sz="1400" b="1" dirty="0"/>
+          </a:p>
+          <a:p>
+            <a:r>
+              <a:rPr lang="en-US" sz="1400" b="1" dirty="0"/>
+              <a:t>Theological Fulfillment: Justice and Grace Meet</a:t>
+            </a:r>
+            <a:endParaRPr lang="en-US" sz="1400" dirty="0"/>
+          </a:p>
+          <a:p>
+            <a:r>
+              <a:rPr lang="en-US" sz="1400" dirty="0"/>
+              <a:t>This resolution demonstrates </a:t>
+            </a:r>
+            <a:r>
+              <a:rPr lang="en-US" sz="1400" b="1" dirty="0"/>
+              <a:t>the perfect harmony of God’s justice and mercy</a:t>
+            </a:r>
+            <a:r>
+              <a:rPr lang="en-US" sz="1400" dirty="0"/>
+              <a:t>:</a:t>
+            </a:r>
+          </a:p>
+          <a:p>
+            <a:pPr rtl="0" fontAlgn="t"/>
+            <a:r>
+              <a:rPr lang="en-US" sz="1400" b="1" dirty="0"/>
+              <a:t>Aspect</a:t>
+            </a:r>
+            <a:r>
+              <a:rPr lang="en-US" sz="1400" dirty="0"/>
+              <a:t>			</a:t>
+            </a:r>
+            <a:r>
+              <a:rPr lang="en-US" sz="1400" b="1" dirty="0"/>
+              <a:t>Law’s Judgment</a:t>
+            </a:r>
+            <a:r>
+              <a:rPr lang="en-US" sz="1400" dirty="0"/>
+              <a:t>		</a:t>
+            </a:r>
+            <a:r>
+              <a:rPr lang="en-US" sz="1400" b="1" dirty="0"/>
+              <a:t>God’s Grace and Promise</a:t>
+            </a:r>
+            <a:endParaRPr lang="en-US" sz="1400" dirty="0"/>
+          </a:p>
+          <a:p>
+            <a:pPr rtl="0" fontAlgn="t"/>
+            <a:r>
+              <a:rPr lang="en-US" sz="1400" dirty="0"/>
+              <a:t>Idolaters’ names blotted out (Deut. 29:20)	Ahaziah, Joash, Amaziah omitted	God preserves the line through righteous heirs</a:t>
+            </a:r>
+          </a:p>
+          <a:p>
+            <a:pPr rtl="0" fontAlgn="t"/>
+            <a:r>
+              <a:rPr lang="en-US" sz="1400" dirty="0"/>
+              <a:t>Blood curse on Jehoiakim (Jer. 22:30)	Legal descendants barred from throne	Virgin birth bypasses the curse</a:t>
+            </a:r>
+          </a:p>
+          <a:p>
+            <a:pPr rtl="0" fontAlgn="t"/>
+            <a:r>
+              <a:rPr lang="en-US" sz="1400" dirty="0"/>
+              <a:t>Exile and fall of monarchy		National punishment		Covenant preserved and fulfilled in Christ</a:t>
+            </a:r>
+          </a:p>
+          <a:p>
+            <a:pPr rtl="0" fontAlgn="t"/>
+            <a:r>
+              <a:rPr lang="en-US" sz="1400" dirty="0"/>
+              <a:t>Death reigns through sin		Resurrection reigns through Christ	“The sure mercies of David” fulfilled (Acts 13:34)</a:t>
+            </a:r>
+          </a:p>
+          <a:p>
+            <a:endParaRPr lang="en-US" sz="1400" dirty="0"/>
+          </a:p>
+          <a:p>
+            <a:r>
+              <a:rPr lang="en-US" sz="1400" dirty="0"/>
+              <a:t>“The sure mercies of David” (Isaiah 55:3; Acts 13:34) are </a:t>
+            </a:r>
+            <a:r>
+              <a:rPr lang="en-US" sz="1400" b="1" dirty="0"/>
+              <a:t>sure</a:t>
+            </a:r>
+            <a:r>
+              <a:rPr lang="en-US" sz="1400" dirty="0"/>
+              <a:t> precisely because they depend not on the obedience of kings,</a:t>
+            </a:r>
+          </a:p>
+          <a:p>
+            <a:r>
+              <a:rPr lang="en-US" sz="1400" dirty="0"/>
+              <a:t>but on the </a:t>
+            </a:r>
+            <a:r>
+              <a:rPr lang="en-US" sz="1400" b="1" dirty="0"/>
+              <a:t>faithfulness of God</a:t>
+            </a:r>
+            <a:r>
+              <a:rPr lang="en-US" sz="1400" dirty="0"/>
+              <a:t> who promised and fulfilled them in His Son.</a:t>
+            </a:r>
+          </a:p>
+          <a:p>
+            <a:pPr marL="324"/>
+            <a:endParaRPr lang="en-US" sz="1400" dirty="0"/>
+          </a:p>
+          <a:p>
+            <a:pPr marL="324"/>
+            <a:endParaRPr lang="en-US" sz="1400" dirty="0"/>
+          </a:p>
+          <a:p>
+            <a:r>
+              <a:rPr lang="en-US" sz="1400" b="1" dirty="0"/>
+              <a:t>Christ’s Ultimate Vindication of the Davidic Covenant</a:t>
+            </a:r>
+            <a:endParaRPr lang="en-US" sz="1400" dirty="0"/>
+          </a:p>
+          <a:p>
+            <a:r>
+              <a:rPr lang="en-US" sz="1400" dirty="0"/>
+              <a:t>In the end:</a:t>
+            </a:r>
+          </a:p>
+          <a:p>
+            <a:pPr rtl="0" fontAlgn="ctr"/>
+            <a:r>
+              <a:rPr lang="en-US" sz="1400" dirty="0"/>
+              <a:t>The “blotted out” names demonstrate </a:t>
+            </a:r>
+            <a:r>
+              <a:rPr lang="en-US" sz="1400" b="1" dirty="0"/>
+              <a:t>the holiness of God under the Law</a:t>
+            </a:r>
+            <a:r>
+              <a:rPr lang="en-US" sz="1400" dirty="0"/>
+              <a:t>.</a:t>
+            </a:r>
+          </a:p>
+          <a:p>
+            <a:pPr rtl="0" fontAlgn="ctr"/>
+            <a:r>
+              <a:rPr lang="en-US" sz="1400" dirty="0"/>
+              <a:t>The “curse” on Jehoiakim shows </a:t>
+            </a:r>
+            <a:r>
+              <a:rPr lang="en-US" sz="1400" b="1" dirty="0"/>
+              <a:t>the consequences of covenant-breaking</a:t>
+            </a:r>
+            <a:r>
+              <a:rPr lang="en-US" sz="1400" dirty="0"/>
+              <a:t>.</a:t>
+            </a:r>
+          </a:p>
+          <a:p>
+            <a:pPr rtl="0" fontAlgn="ctr"/>
+            <a:r>
+              <a:rPr lang="en-US" sz="1400" dirty="0"/>
+              <a:t>The miraculous preservation through Mary and Joseph reveals </a:t>
+            </a:r>
+            <a:r>
+              <a:rPr lang="en-US" sz="1400" b="1" dirty="0"/>
+              <a:t>the grace and sovereignty of God</a:t>
+            </a:r>
+            <a:r>
+              <a:rPr lang="en-US" sz="1400" dirty="0"/>
+              <a:t>.</a:t>
+            </a:r>
+          </a:p>
+          <a:p>
+            <a:r>
+              <a:rPr lang="en-US" sz="1400" dirty="0"/>
+              <a:t>Jesus, as the </a:t>
+            </a:r>
+            <a:r>
+              <a:rPr lang="en-US" sz="1400" b="1" dirty="0"/>
+              <a:t>Son of David and the Son of God</a:t>
+            </a:r>
+            <a:r>
+              <a:rPr lang="en-US" sz="1400" dirty="0"/>
+              <a:t>, unites both sides of the covenant:</a:t>
+            </a:r>
+          </a:p>
+          <a:p>
+            <a:pPr rtl="0" fontAlgn="ctr"/>
+            <a:r>
+              <a:rPr lang="en-US" sz="1400" dirty="0"/>
+              <a:t>The </a:t>
+            </a:r>
+            <a:r>
+              <a:rPr lang="en-US" sz="1400" i="1" dirty="0"/>
+              <a:t>Davidic promise</a:t>
+            </a:r>
+            <a:r>
+              <a:rPr lang="en-US" sz="1400" dirty="0"/>
+              <a:t> (2 Samuel 7)</a:t>
+            </a:r>
+          </a:p>
+          <a:p>
+            <a:pPr rtl="0" fontAlgn="ctr"/>
+            <a:r>
+              <a:rPr lang="en-US" sz="1400" dirty="0"/>
+              <a:t>The </a:t>
+            </a:r>
+            <a:r>
+              <a:rPr lang="en-US" sz="1400" i="1" dirty="0"/>
+              <a:t>Abrahamic blessing</a:t>
+            </a:r>
+            <a:r>
+              <a:rPr lang="en-US" sz="1400" dirty="0"/>
+              <a:t> (Genesis 12)</a:t>
+            </a:r>
+          </a:p>
+          <a:p>
+            <a:pPr rtl="0" fontAlgn="ctr"/>
+            <a:r>
+              <a:rPr lang="en-US" sz="1400" dirty="0"/>
+              <a:t>The </a:t>
+            </a:r>
+            <a:r>
+              <a:rPr lang="en-US" sz="1400" i="1" dirty="0"/>
+              <a:t>New Covenant</a:t>
+            </a:r>
+            <a:r>
+              <a:rPr lang="en-US" sz="1400" dirty="0"/>
+              <a:t> (Jeremiah 31)</a:t>
+            </a:r>
+          </a:p>
+          <a:p>
+            <a:r>
+              <a:rPr lang="en-US" sz="1400" dirty="0"/>
+              <a:t>All converge in Him — the King whose throne will never end.</a:t>
+            </a:r>
+          </a:p>
+          <a:p>
+            <a:pPr marL="324"/>
             <a:endParaRPr lang="en-US" sz="1400" dirty="0"/>
           </a:p>
         </p:txBody>
@@ -5429,660 +2941,252 @@
         <p:spPr/>
         <p:txBody>
           <a:bodyPr>
-            <a:normAutofit fontScale="77500" lnSpcReduction="20000"/>
+            <a:normAutofit fontScale="62500" lnSpcReduction="20000"/>
           </a:bodyPr>
           <a:lstStyle/>
           <a:p>
             <a:r>
-              <a:rPr lang="en-US" sz="1400" b="1" kern="1200" dirty="0">
-                <a:solidFill>
-                  <a:schemeClr val="tx1"/>
-                </a:solidFill>
-                <a:effectLst/>
-                <a:latin typeface="+mn-lt"/>
-                <a:ea typeface="ＭＳ Ｐゴシック" pitchFamily="-106" charset="-128"/>
-                <a:cs typeface="ＭＳ Ｐゴシック" pitchFamily="-106" charset="-128"/>
-              </a:rPr>
+              <a:rPr lang="en-US" sz="1400" b="1" dirty="0"/>
               <a:t>God’s Character Revealed in Jesus</a:t>
             </a:r>
           </a:p>
           <a:p>
-            <a:endParaRPr lang="en-US" sz="1400" kern="1200" dirty="0">
-              <a:solidFill>
-                <a:schemeClr val="tx1"/>
-              </a:solidFill>
-              <a:effectLst/>
-              <a:latin typeface="+mn-lt"/>
-              <a:ea typeface="ＭＳ Ｐゴシック" pitchFamily="-106" charset="-128"/>
-              <a:cs typeface="ＭＳ Ｐゴシック" pitchFamily="-106" charset="-128"/>
-            </a:endParaRPr>
-          </a:p>
-          <a:p>
-            <a:r>
-              <a:rPr lang="en-US" sz="1400" b="1" kern="1200" dirty="0">
-                <a:solidFill>
-                  <a:schemeClr val="tx1"/>
-                </a:solidFill>
-                <a:effectLst/>
-                <a:latin typeface="+mn-lt"/>
-                <a:ea typeface="ＭＳ Ｐゴシック" pitchFamily="-106" charset="-128"/>
-                <a:cs typeface="ＭＳ Ｐゴシック" pitchFamily="-106" charset="-128"/>
-              </a:rPr>
+            <a:endParaRPr lang="en-US" sz="1400" dirty="0"/>
+          </a:p>
+          <a:p>
+            <a:r>
+              <a:rPr lang="en-US" sz="1400" b="1" dirty="0"/>
               <a:t>New Testament Fulfillment:</a:t>
             </a:r>
           </a:p>
           <a:p>
-            <a:endParaRPr lang="en-US" sz="1400" kern="1200" dirty="0">
-              <a:solidFill>
-                <a:schemeClr val="tx1"/>
-              </a:solidFill>
-              <a:effectLst/>
-              <a:latin typeface="+mn-lt"/>
-              <a:ea typeface="ＭＳ Ｐゴシック" pitchFamily="-106" charset="-128"/>
-              <a:cs typeface="ＭＳ Ｐゴシック" pitchFamily="-106" charset="-128"/>
-            </a:endParaRPr>
+            <a:endParaRPr lang="en-US" sz="1400" dirty="0"/>
           </a:p>
           <a:p>
             <a:pPr rtl="0" fontAlgn="t"/>
             <a:r>
-              <a:rPr lang="en-US" sz="1400" b="1" u="sng" kern="1200" dirty="0">
-                <a:solidFill>
-                  <a:schemeClr val="tx1"/>
-                </a:solidFill>
-                <a:effectLst/>
-                <a:latin typeface="+mn-lt"/>
-                <a:ea typeface="ＭＳ Ｐゴシック" pitchFamily="-106" charset="-128"/>
-                <a:cs typeface="ＭＳ Ｐゴシック" pitchFamily="-106" charset="-128"/>
-              </a:rPr>
+              <a:rPr lang="en-US" sz="1400" b="1" u="sng" dirty="0"/>
               <a:t>Prophecy / Promise</a:t>
             </a:r>
             <a:r>
-              <a:rPr lang="en-US" sz="1400" b="0" kern="1200" dirty="0">
-                <a:solidFill>
-                  <a:schemeClr val="tx1"/>
-                </a:solidFill>
-                <a:effectLst/>
-                <a:latin typeface="+mn-lt"/>
-                <a:ea typeface="ＭＳ Ｐゴシック" pitchFamily="-106" charset="-128"/>
-                <a:cs typeface="ＭＳ Ｐゴシック" pitchFamily="-106" charset="-128"/>
-              </a:rPr>
+              <a:rPr lang="en-US" sz="1400" dirty="0"/>
               <a:t>	</a:t>
             </a:r>
             <a:r>
-              <a:rPr lang="en-US" sz="1400" b="1" u="sng" kern="1200" dirty="0">
-                <a:solidFill>
-                  <a:schemeClr val="tx1"/>
-                </a:solidFill>
-                <a:effectLst/>
-                <a:latin typeface="+mn-lt"/>
-                <a:ea typeface="ＭＳ Ｐゴシック" pitchFamily="-106" charset="-128"/>
-                <a:cs typeface="ＭＳ Ｐゴシック" pitchFamily="-106" charset="-128"/>
-              </a:rPr>
+              <a:rPr lang="en-US" sz="1400" b="1" u="sng" dirty="0"/>
               <a:t>New Testament Fulfillment</a:t>
             </a:r>
             <a:r>
-              <a:rPr lang="en-US" sz="1400" b="0" kern="1200" dirty="0">
-                <a:solidFill>
-                  <a:schemeClr val="tx1"/>
-                </a:solidFill>
-                <a:effectLst/>
-                <a:latin typeface="+mn-lt"/>
-                <a:ea typeface="ＭＳ Ｐゴシック" pitchFamily="-106" charset="-128"/>
-                <a:cs typeface="ＭＳ Ｐゴシック" pitchFamily="-106" charset="-128"/>
-              </a:rPr>
+              <a:rPr lang="en-US" sz="1400" dirty="0"/>
               <a:t>		</a:t>
             </a:r>
             <a:r>
-              <a:rPr lang="en-US" sz="1400" b="1" u="sng" kern="1200" dirty="0">
-                <a:solidFill>
-                  <a:schemeClr val="tx1"/>
-                </a:solidFill>
-                <a:effectLst/>
-                <a:latin typeface="+mn-lt"/>
-                <a:ea typeface="ＭＳ Ｐゴシック" pitchFamily="-106" charset="-128"/>
-                <a:cs typeface="ＭＳ Ｐゴシック" pitchFamily="-106" charset="-128"/>
-              </a:rPr>
+              <a:rPr lang="en-US" sz="1400" b="1" u="sng" dirty="0"/>
               <a:t>Description</a:t>
             </a:r>
-            <a:endParaRPr lang="en-US" sz="1400" u="sng" kern="1200" dirty="0">
-              <a:solidFill>
-                <a:schemeClr val="tx1"/>
-              </a:solidFill>
-              <a:effectLst/>
-              <a:latin typeface="+mn-lt"/>
-              <a:ea typeface="ＭＳ Ｐゴシック" pitchFamily="-106" charset="-128"/>
-              <a:cs typeface="ＭＳ Ｐゴシック" pitchFamily="-106" charset="-128"/>
-            </a:endParaRPr>
+            <a:endParaRPr lang="en-US" sz="1400" u="sng" dirty="0"/>
           </a:p>
           <a:p>
             <a:pPr rtl="0" fontAlgn="t"/>
             <a:r>
-              <a:rPr lang="en-US" sz="1400" kern="1200" dirty="0">
-                <a:solidFill>
-                  <a:schemeClr val="tx1"/>
-                </a:solidFill>
-                <a:effectLst/>
-                <a:latin typeface="+mn-lt"/>
-                <a:ea typeface="ＭＳ Ｐゴシック" pitchFamily="-106" charset="-128"/>
-                <a:cs typeface="ＭＳ Ｐゴシック" pitchFamily="-106" charset="-128"/>
-              </a:rPr>
+              <a:rPr lang="en-US" sz="1400" dirty="0"/>
               <a:t>2 Samuel 7:12-16	</a:t>
             </a:r>
             <a:r>
-              <a:rPr lang="en-US" sz="1400" b="1" kern="1200" dirty="0">
-                <a:solidFill>
-                  <a:schemeClr val="tx1"/>
-                </a:solidFill>
-                <a:effectLst/>
-                <a:latin typeface="+mn-lt"/>
-                <a:ea typeface="ＭＳ Ｐゴシック" pitchFamily="-106" charset="-128"/>
-                <a:cs typeface="ＭＳ Ｐゴシック" pitchFamily="-106" charset="-128"/>
-              </a:rPr>
+              <a:rPr lang="en-US" sz="1400" b="1" dirty="0"/>
               <a:t>Luke 1:32-33			</a:t>
             </a:r>
             <a:r>
-              <a:rPr lang="en-US" sz="1400" kern="1200" dirty="0">
-                <a:solidFill>
-                  <a:schemeClr val="tx1"/>
-                </a:solidFill>
-                <a:effectLst/>
-                <a:latin typeface="+mn-lt"/>
-                <a:ea typeface="ＭＳ Ｐゴシック" pitchFamily="-106" charset="-128"/>
-                <a:cs typeface="ＭＳ Ｐゴシック" pitchFamily="-106" charset="-128"/>
-              </a:rPr>
+              <a:rPr lang="en-US" sz="1400" dirty="0"/>
               <a:t>The angel declares Jesus will sit on “the throne of his father David” and reign forever.</a:t>
             </a:r>
           </a:p>
           <a:p>
             <a:pPr rtl="0" fontAlgn="t"/>
             <a:r>
-              <a:rPr lang="en-US" sz="1400" kern="1200" dirty="0">
-                <a:solidFill>
-                  <a:schemeClr val="tx1"/>
-                </a:solidFill>
-                <a:effectLst/>
-                <a:latin typeface="+mn-lt"/>
-                <a:ea typeface="ＭＳ Ｐゴシック" pitchFamily="-106" charset="-128"/>
-                <a:cs typeface="ＭＳ Ｐゴシック" pitchFamily="-106" charset="-128"/>
-              </a:rPr>
+              <a:rPr lang="en-US" sz="1400" dirty="0"/>
               <a:t>Psalm 89:3-4		</a:t>
             </a:r>
             <a:r>
-              <a:rPr lang="en-US" sz="1400" b="1" kern="1200" dirty="0">
-                <a:solidFill>
-                  <a:schemeClr val="tx1"/>
-                </a:solidFill>
-                <a:effectLst/>
-                <a:latin typeface="+mn-lt"/>
-                <a:ea typeface="ＭＳ Ｐゴシック" pitchFamily="-106" charset="-128"/>
-                <a:cs typeface="ＭＳ Ｐゴシック" pitchFamily="-106" charset="-128"/>
-              </a:rPr>
+              <a:rPr lang="en-US" sz="1400" b="1" dirty="0"/>
               <a:t>Acts 13:22-23			</a:t>
             </a:r>
             <a:r>
-              <a:rPr lang="en-US" sz="1400" kern="1200" dirty="0">
-                <a:solidFill>
-                  <a:schemeClr val="tx1"/>
-                </a:solidFill>
-                <a:effectLst/>
-                <a:latin typeface="+mn-lt"/>
-                <a:ea typeface="ＭＳ Ｐゴシック" pitchFamily="-106" charset="-128"/>
-                <a:cs typeface="ＭＳ Ｐゴシック" pitchFamily="-106" charset="-128"/>
-              </a:rPr>
+              <a:rPr lang="en-US" sz="1400" dirty="0"/>
               <a:t>Paul proclaims that from David’s line came the Savior, Jesus.</a:t>
             </a:r>
           </a:p>
           <a:p>
             <a:pPr rtl="0" fontAlgn="t"/>
             <a:r>
-              <a:rPr lang="en-US" sz="1400" kern="1200" dirty="0">
-                <a:solidFill>
-                  <a:schemeClr val="tx1"/>
-                </a:solidFill>
-                <a:effectLst/>
-                <a:latin typeface="+mn-lt"/>
-                <a:ea typeface="ＭＳ Ｐゴシック" pitchFamily="-106" charset="-128"/>
-                <a:cs typeface="ＭＳ Ｐゴシック" pitchFamily="-106" charset="-128"/>
-              </a:rPr>
+              <a:rPr lang="en-US" sz="1400" dirty="0"/>
               <a:t>Psalm 2:6-9		</a:t>
             </a:r>
             <a:r>
-              <a:rPr lang="en-US" sz="1400" b="1" kern="1200" dirty="0">
-                <a:solidFill>
-                  <a:schemeClr val="tx1"/>
-                </a:solidFill>
-                <a:effectLst/>
-                <a:latin typeface="+mn-lt"/>
-                <a:ea typeface="ＭＳ Ｐゴシック" pitchFamily="-106" charset="-128"/>
-                <a:cs typeface="ＭＳ Ｐゴシック" pitchFamily="-106" charset="-128"/>
-              </a:rPr>
+              <a:rPr lang="en-US" sz="1400" b="1" dirty="0"/>
               <a:t>Acts 13:33; Hebrews 1:5		</a:t>
             </a:r>
             <a:r>
-              <a:rPr lang="en-US" sz="1400" kern="1200" dirty="0">
-                <a:solidFill>
-                  <a:schemeClr val="tx1"/>
-                </a:solidFill>
-                <a:effectLst/>
-                <a:latin typeface="+mn-lt"/>
-                <a:ea typeface="ＭＳ Ｐゴシック" pitchFamily="-106" charset="-128"/>
-                <a:cs typeface="ＭＳ Ｐゴシック" pitchFamily="-106" charset="-128"/>
-              </a:rPr>
+              <a:rPr lang="en-US" sz="1400" dirty="0"/>
               <a:t>God’s declaration “You are my Son” identifies Jesus as the divine heir and King.</a:t>
             </a:r>
           </a:p>
           <a:p>
             <a:pPr rtl="0" fontAlgn="t"/>
             <a:r>
-              <a:rPr lang="en-US" sz="1400" kern="1200" dirty="0">
-                <a:solidFill>
-                  <a:schemeClr val="tx1"/>
-                </a:solidFill>
-                <a:effectLst/>
-                <a:latin typeface="+mn-lt"/>
-                <a:ea typeface="ＭＳ Ｐゴシック" pitchFamily="-106" charset="-128"/>
-                <a:cs typeface="ＭＳ Ｐゴシック" pitchFamily="-106" charset="-128"/>
-              </a:rPr>
+              <a:rPr lang="en-US" sz="1400" dirty="0"/>
               <a:t>Psalm 110:1		</a:t>
             </a:r>
             <a:r>
-              <a:rPr lang="en-US" sz="1400" b="1" kern="1200" dirty="0">
-                <a:solidFill>
-                  <a:schemeClr val="tx1"/>
-                </a:solidFill>
-                <a:effectLst/>
-                <a:latin typeface="+mn-lt"/>
-                <a:ea typeface="ＭＳ Ｐゴシック" pitchFamily="-106" charset="-128"/>
-                <a:cs typeface="ＭＳ Ｐゴシック" pitchFamily="-106" charset="-128"/>
-              </a:rPr>
+              <a:rPr lang="en-US" sz="1400" b="1" dirty="0"/>
               <a:t>Matthew 22:41-45; Acts 2:34-36	</a:t>
             </a:r>
             <a:r>
-              <a:rPr lang="en-US" sz="1400" kern="1200" dirty="0">
-                <a:solidFill>
-                  <a:schemeClr val="tx1"/>
-                </a:solidFill>
-                <a:effectLst/>
-                <a:latin typeface="+mn-lt"/>
-                <a:ea typeface="ＭＳ Ｐゴシック" pitchFamily="-106" charset="-128"/>
-                <a:cs typeface="ＭＳ Ｐゴシック" pitchFamily="-106" charset="-128"/>
-              </a:rPr>
+              <a:rPr lang="en-US" sz="1400" dirty="0"/>
               <a:t>Jesus is David’s Lord, exalted at God’s right hand.</a:t>
             </a:r>
           </a:p>
           <a:p>
             <a:pPr rtl="0" fontAlgn="t"/>
             <a:r>
-              <a:rPr lang="en-US" sz="1400" kern="1200" dirty="0">
-                <a:solidFill>
-                  <a:schemeClr val="tx1"/>
-                </a:solidFill>
-                <a:effectLst/>
-                <a:latin typeface="+mn-lt"/>
-                <a:ea typeface="ＭＳ Ｐゴシック" pitchFamily="-106" charset="-128"/>
-                <a:cs typeface="ＭＳ Ｐゴシック" pitchFamily="-106" charset="-128"/>
-              </a:rPr>
+              <a:rPr lang="en-US" sz="1400" dirty="0"/>
               <a:t>Psalm 118:22-26	</a:t>
             </a:r>
             <a:r>
-              <a:rPr lang="en-US" sz="1400" b="1" kern="1200" dirty="0">
-                <a:solidFill>
-                  <a:schemeClr val="tx1"/>
-                </a:solidFill>
-                <a:effectLst/>
-                <a:latin typeface="+mn-lt"/>
-                <a:ea typeface="ＭＳ Ｐゴシック" pitchFamily="-106" charset="-128"/>
-                <a:cs typeface="ＭＳ Ｐゴシック" pitchFamily="-106" charset="-128"/>
-              </a:rPr>
+              <a:rPr lang="en-US" sz="1400" b="1" dirty="0"/>
               <a:t>Matthew 21:9; Acts 4:11		</a:t>
             </a:r>
             <a:r>
-              <a:rPr lang="en-US" sz="1400" kern="1200" dirty="0">
-                <a:solidFill>
-                  <a:schemeClr val="tx1"/>
-                </a:solidFill>
-                <a:effectLst/>
-                <a:latin typeface="+mn-lt"/>
-                <a:ea typeface="ＭＳ Ｐゴシック" pitchFamily="-106" charset="-128"/>
-                <a:cs typeface="ＭＳ Ｐゴシック" pitchFamily="-106" charset="-128"/>
-              </a:rPr>
+              <a:rPr lang="en-US" sz="1400" dirty="0"/>
               <a:t>The rejected stone (Messiah) becomes the cornerstone.</a:t>
             </a:r>
           </a:p>
           <a:p>
             <a:pPr rtl="0" fontAlgn="t"/>
             <a:r>
-              <a:rPr lang="en-US" sz="1400" kern="1200" dirty="0">
-                <a:solidFill>
-                  <a:schemeClr val="tx1"/>
-                </a:solidFill>
-                <a:effectLst/>
-                <a:latin typeface="+mn-lt"/>
-                <a:ea typeface="ＭＳ Ｐゴシック" pitchFamily="-106" charset="-128"/>
-                <a:cs typeface="ＭＳ Ｐゴシック" pitchFamily="-106" charset="-128"/>
-              </a:rPr>
+              <a:rPr lang="en-US" sz="1400" dirty="0"/>
               <a:t>Isaiah 9:6-7		</a:t>
             </a:r>
             <a:r>
-              <a:rPr lang="en-US" sz="1400" b="1" kern="1200" dirty="0">
-                <a:solidFill>
-                  <a:schemeClr val="tx1"/>
-                </a:solidFill>
-                <a:effectLst/>
-                <a:latin typeface="+mn-lt"/>
-                <a:ea typeface="ＭＳ Ｐゴシック" pitchFamily="-106" charset="-128"/>
-                <a:cs typeface="ＭＳ Ｐゴシック" pitchFamily="-106" charset="-128"/>
-              </a:rPr>
+              <a:rPr lang="en-US" sz="1400" b="1" dirty="0"/>
               <a:t>Luke 2:11; Revelation 11:15		</a:t>
             </a:r>
             <a:r>
-              <a:rPr lang="en-US" sz="1400" kern="1200" dirty="0">
-                <a:solidFill>
-                  <a:schemeClr val="tx1"/>
-                </a:solidFill>
-                <a:effectLst/>
-                <a:latin typeface="+mn-lt"/>
-                <a:ea typeface="ＭＳ Ｐゴシック" pitchFamily="-106" charset="-128"/>
-                <a:cs typeface="ＭＳ Ｐゴシック" pitchFamily="-106" charset="-128"/>
-              </a:rPr>
+              <a:rPr lang="en-US" sz="1400" dirty="0"/>
               <a:t>Jesus, born as King, will reign forever as “Prince of Peace.”</a:t>
             </a:r>
           </a:p>
           <a:p>
-            <a:endParaRPr lang="en-US" sz="1400" b="1" kern="1200" dirty="0">
-              <a:solidFill>
-                <a:schemeClr val="tx1"/>
-              </a:solidFill>
-              <a:effectLst/>
-              <a:latin typeface="+mn-lt"/>
-              <a:ea typeface="ＭＳ Ｐゴシック" pitchFamily="-106" charset="-128"/>
-              <a:cs typeface="ＭＳ Ｐゴシック" pitchFamily="-106" charset="-128"/>
-            </a:endParaRPr>
-          </a:p>
-          <a:p>
-            <a:endParaRPr lang="en-US" sz="1400" b="1" kern="1200" dirty="0">
-              <a:solidFill>
-                <a:schemeClr val="tx1"/>
-              </a:solidFill>
-              <a:effectLst/>
-              <a:latin typeface="+mn-lt"/>
-              <a:ea typeface="ＭＳ Ｐゴシック" pitchFamily="-106" charset="-128"/>
-              <a:cs typeface="ＭＳ Ｐゴシック" pitchFamily="-106" charset="-128"/>
-            </a:endParaRPr>
-          </a:p>
-          <a:p>
-            <a:r>
-              <a:rPr lang="en-US" sz="1400" b="1" kern="1200" dirty="0">
-                <a:solidFill>
-                  <a:schemeClr val="tx1"/>
-                </a:solidFill>
-                <a:effectLst/>
-                <a:latin typeface="+mn-lt"/>
-                <a:ea typeface="ＭＳ Ｐゴシック" pitchFamily="-106" charset="-128"/>
-                <a:cs typeface="ＭＳ Ｐゴシック" pitchFamily="-106" charset="-128"/>
-              </a:rPr>
+            <a:endParaRPr lang="en-US" sz="1400" b="1" dirty="0"/>
+          </a:p>
+          <a:p>
+            <a:endParaRPr lang="en-US" sz="1400" b="1" dirty="0"/>
+          </a:p>
+          <a:p>
+            <a:r>
+              <a:rPr lang="en-US" sz="1400" b="1" dirty="0"/>
               <a:t>Christ’s Kingship:</a:t>
             </a:r>
-            <a:endParaRPr lang="en-US" sz="1400" kern="1200" dirty="0">
-              <a:solidFill>
-                <a:schemeClr val="tx1"/>
-              </a:solidFill>
-              <a:effectLst/>
-              <a:latin typeface="+mn-lt"/>
-              <a:ea typeface="ＭＳ Ｐゴシック" pitchFamily="-106" charset="-128"/>
-              <a:cs typeface="ＭＳ Ｐゴシック" pitchFamily="-106" charset="-128"/>
-            </a:endParaRPr>
-          </a:p>
-          <a:p>
-            <a:pPr marL="171450" indent="-171450" rtl="0" fontAlgn="ctr">
+            <a:endParaRPr lang="en-US" sz="1400" dirty="0"/>
+          </a:p>
+          <a:p>
+            <a:pPr marL="167061" indent="-167061" fontAlgn="ctr">
               <a:buFont typeface="Arial" panose="020B0604020202020204" pitchFamily="34" charset="0"/>
               <a:buChar char="•"/>
             </a:pPr>
             <a:r>
-              <a:rPr lang="en-US" sz="1400" kern="1200" dirty="0">
-                <a:solidFill>
-                  <a:schemeClr val="tx1"/>
-                </a:solidFill>
-                <a:effectLst/>
-                <a:latin typeface="+mn-lt"/>
-                <a:ea typeface="ＭＳ Ｐゴシック" pitchFamily="-106" charset="-128"/>
-                <a:cs typeface="ＭＳ Ｐゴシック" pitchFamily="-106" charset="-128"/>
-              </a:rPr>
+              <a:rPr lang="en-US" sz="1400" dirty="0"/>
               <a:t>Jesus enters Jerusalem as the “Son of David” (</a:t>
             </a:r>
             <a:r>
-              <a:rPr lang="en-US" sz="1400" i="1" kern="1200" dirty="0">
-                <a:solidFill>
-                  <a:schemeClr val="tx1"/>
-                </a:solidFill>
-                <a:effectLst/>
-                <a:latin typeface="+mn-lt"/>
-                <a:ea typeface="ＭＳ Ｐゴシック" pitchFamily="-106" charset="-128"/>
-                <a:cs typeface="ＭＳ Ｐゴシック" pitchFamily="-106" charset="-128"/>
-              </a:rPr>
+              <a:rPr lang="en-US" sz="1400" i="1" dirty="0"/>
               <a:t>Matthew 21:9</a:t>
             </a:r>
             <a:r>
-              <a:rPr lang="en-US" sz="1400" kern="1200" dirty="0">
-                <a:solidFill>
-                  <a:schemeClr val="tx1"/>
-                </a:solidFill>
-                <a:effectLst/>
-                <a:latin typeface="+mn-lt"/>
-                <a:ea typeface="ＭＳ Ｐゴシック" pitchFamily="-106" charset="-128"/>
-                <a:cs typeface="ＭＳ Ｐゴシック" pitchFamily="-106" charset="-128"/>
-              </a:rPr>
+              <a:rPr lang="en-US" sz="1400" dirty="0"/>
               <a:t>).</a:t>
             </a:r>
           </a:p>
           <a:p>
-            <a:pPr marL="171450" indent="-171450" rtl="0" fontAlgn="ctr">
+            <a:pPr marL="167061" indent="-167061" fontAlgn="ctr">
               <a:buFont typeface="Arial" panose="020B0604020202020204" pitchFamily="34" charset="0"/>
               <a:buChar char="•"/>
             </a:pPr>
             <a:r>
-              <a:rPr lang="en-US" sz="1400" kern="1200" dirty="0">
-                <a:solidFill>
-                  <a:schemeClr val="tx1"/>
-                </a:solidFill>
-                <a:effectLst/>
-                <a:latin typeface="+mn-lt"/>
-                <a:ea typeface="ＭＳ Ｐゴシック" pitchFamily="-106" charset="-128"/>
-                <a:cs typeface="ＭＳ Ｐゴシック" pitchFamily="-106" charset="-128"/>
-              </a:rPr>
+              <a:rPr lang="en-US" sz="1400" dirty="0"/>
               <a:t>Pilate’s inscription, “Jesus of Nazareth, King of the Jews” (</a:t>
             </a:r>
             <a:r>
-              <a:rPr lang="en-US" sz="1400" i="1" kern="1200" dirty="0">
-                <a:solidFill>
-                  <a:schemeClr val="tx1"/>
-                </a:solidFill>
-                <a:effectLst/>
-                <a:latin typeface="+mn-lt"/>
-                <a:ea typeface="ＭＳ Ｐゴシック" pitchFamily="-106" charset="-128"/>
-                <a:cs typeface="ＭＳ Ｐゴシック" pitchFamily="-106" charset="-128"/>
-              </a:rPr>
+              <a:rPr lang="en-US" sz="1400" i="1" dirty="0"/>
               <a:t>John 19:19</a:t>
             </a:r>
             <a:r>
-              <a:rPr lang="en-US" sz="1400" kern="1200" dirty="0">
-                <a:solidFill>
-                  <a:schemeClr val="tx1"/>
-                </a:solidFill>
-                <a:effectLst/>
-                <a:latin typeface="+mn-lt"/>
-                <a:ea typeface="ＭＳ Ｐゴシック" pitchFamily="-106" charset="-128"/>
-                <a:cs typeface="ＭＳ Ｐゴシック" pitchFamily="-106" charset="-128"/>
-              </a:rPr>
+              <a:rPr lang="en-US" sz="1400" dirty="0"/>
               <a:t>), unintentionally declares truth.</a:t>
             </a:r>
           </a:p>
           <a:p>
-            <a:pPr marL="171450" indent="-171450" rtl="0" fontAlgn="ctr">
+            <a:pPr marL="167061" indent="-167061" fontAlgn="ctr">
               <a:buFont typeface="Arial" panose="020B0604020202020204" pitchFamily="34" charset="0"/>
               <a:buChar char="•"/>
             </a:pPr>
             <a:r>
-              <a:rPr lang="en-US" sz="1400" kern="1200" dirty="0">
-                <a:solidFill>
-                  <a:schemeClr val="tx1"/>
-                </a:solidFill>
-                <a:effectLst/>
-                <a:latin typeface="+mn-lt"/>
-                <a:ea typeface="ＭＳ Ｐゴシック" pitchFamily="-106" charset="-128"/>
-                <a:cs typeface="ＭＳ Ｐゴシック" pitchFamily="-106" charset="-128"/>
-              </a:rPr>
+              <a:rPr lang="en-US" sz="1400" dirty="0"/>
               <a:t>After His resurrection, Jesus declares, “All authority in heaven and on earth has been given to Me” (</a:t>
             </a:r>
             <a:r>
-              <a:rPr lang="en-US" sz="1400" i="1" kern="1200" dirty="0">
-                <a:solidFill>
-                  <a:schemeClr val="tx1"/>
-                </a:solidFill>
-                <a:effectLst/>
-                <a:latin typeface="+mn-lt"/>
-                <a:ea typeface="ＭＳ Ｐゴシック" pitchFamily="-106" charset="-128"/>
-                <a:cs typeface="ＭＳ Ｐゴシック" pitchFamily="-106" charset="-128"/>
-              </a:rPr>
+              <a:rPr lang="en-US" sz="1400" i="1" dirty="0"/>
               <a:t>Matthew 28:18</a:t>
             </a:r>
             <a:r>
-              <a:rPr lang="en-US" sz="1400" kern="1200" dirty="0">
-                <a:solidFill>
-                  <a:schemeClr val="tx1"/>
-                </a:solidFill>
-                <a:effectLst/>
-                <a:latin typeface="+mn-lt"/>
-                <a:ea typeface="ＭＳ Ｐゴシック" pitchFamily="-106" charset="-128"/>
-                <a:cs typeface="ＭＳ Ｐゴシック" pitchFamily="-106" charset="-128"/>
-              </a:rPr>
+              <a:rPr lang="en-US" sz="1400" dirty="0"/>
               <a:t>).</a:t>
             </a:r>
           </a:p>
           <a:p>
-            <a:pPr marL="171450" indent="-171450" rtl="0" fontAlgn="ctr">
+            <a:pPr marL="167061" indent="-167061" fontAlgn="ctr">
               <a:buFont typeface="Arial" panose="020B0604020202020204" pitchFamily="34" charset="0"/>
               <a:buChar char="•"/>
             </a:pPr>
             <a:r>
-              <a:rPr lang="en-US" sz="1400" kern="1200" dirty="0">
-                <a:solidFill>
-                  <a:schemeClr val="tx1"/>
-                </a:solidFill>
-                <a:effectLst/>
-                <a:latin typeface="+mn-lt"/>
-                <a:ea typeface="ＭＳ Ｐゴシック" pitchFamily="-106" charset="-128"/>
-                <a:cs typeface="ＭＳ Ｐゴシック" pitchFamily="-106" charset="-128"/>
-              </a:rPr>
+              <a:rPr lang="en-US" sz="1400" dirty="0"/>
               <a:t>In Revelation, He is “King of kings and Lord of lords” (</a:t>
             </a:r>
             <a:r>
-              <a:rPr lang="en-US" sz="1400" i="1" kern="1200" dirty="0">
-                <a:solidFill>
-                  <a:schemeClr val="tx1"/>
-                </a:solidFill>
-                <a:effectLst/>
-                <a:latin typeface="+mn-lt"/>
-                <a:ea typeface="ＭＳ Ｐゴシック" pitchFamily="-106" charset="-128"/>
-                <a:cs typeface="ＭＳ Ｐゴシック" pitchFamily="-106" charset="-128"/>
-              </a:rPr>
+              <a:rPr lang="en-US" sz="1400" i="1" dirty="0"/>
               <a:t>Revelation 19:16</a:t>
             </a:r>
             <a:r>
-              <a:rPr lang="en-US" sz="1400" kern="1200" dirty="0">
-                <a:solidFill>
-                  <a:schemeClr val="tx1"/>
-                </a:solidFill>
-                <a:effectLst/>
-                <a:latin typeface="+mn-lt"/>
-                <a:ea typeface="ＭＳ Ｐゴシック" pitchFamily="-106" charset="-128"/>
-                <a:cs typeface="ＭＳ Ｐゴシック" pitchFamily="-106" charset="-128"/>
-              </a:rPr>
+              <a:rPr lang="en-US" sz="1400" dirty="0"/>
               <a:t>).</a:t>
             </a:r>
           </a:p>
           <a:p>
-            <a:endParaRPr lang="en-US" sz="1400" b="1" kern="1200" dirty="0">
-              <a:solidFill>
-                <a:schemeClr val="tx1"/>
-              </a:solidFill>
-              <a:effectLst/>
-              <a:latin typeface="+mn-lt"/>
-              <a:ea typeface="ＭＳ Ｐゴシック" pitchFamily="-106" charset="-128"/>
-              <a:cs typeface="ＭＳ Ｐゴシック" pitchFamily="-106" charset="-128"/>
-            </a:endParaRPr>
-          </a:p>
-          <a:p>
-            <a:r>
-              <a:rPr lang="en-US" sz="1400" b="1" kern="1200" dirty="0">
-                <a:solidFill>
-                  <a:schemeClr val="tx1"/>
-                </a:solidFill>
-                <a:effectLst/>
-                <a:latin typeface="+mn-lt"/>
-                <a:ea typeface="ＭＳ Ｐゴシック" pitchFamily="-106" charset="-128"/>
-                <a:cs typeface="ＭＳ Ｐゴシック" pitchFamily="-106" charset="-128"/>
-              </a:rPr>
+            <a:endParaRPr lang="en-US" sz="1400" b="1" dirty="0"/>
+          </a:p>
+          <a:p>
+            <a:r>
+              <a:rPr lang="en-US" sz="1400" b="1" dirty="0"/>
               <a:t>God’s Character Displayed in Jesus:</a:t>
             </a:r>
-            <a:endParaRPr lang="en-US" sz="1400" kern="1200" dirty="0">
-              <a:solidFill>
-                <a:schemeClr val="tx1"/>
-              </a:solidFill>
-              <a:effectLst/>
-              <a:latin typeface="+mn-lt"/>
-              <a:ea typeface="ＭＳ Ｐゴシック" pitchFamily="-106" charset="-128"/>
-              <a:cs typeface="ＭＳ Ｐゴシック" pitchFamily="-106" charset="-128"/>
-            </a:endParaRPr>
-          </a:p>
-          <a:p>
-            <a:r>
-              <a:rPr lang="en-US" sz="1400" kern="1200" dirty="0">
-                <a:solidFill>
-                  <a:schemeClr val="tx1"/>
-                </a:solidFill>
-                <a:effectLst/>
-                <a:latin typeface="+mn-lt"/>
-                <a:ea typeface="ＭＳ Ｐゴシック" pitchFamily="-106" charset="-128"/>
-                <a:cs typeface="ＭＳ Ｐゴシック" pitchFamily="-106" charset="-128"/>
-              </a:rPr>
+            <a:endParaRPr lang="en-US" sz="1400" dirty="0"/>
+          </a:p>
+          <a:p>
+            <a:r>
+              <a:rPr lang="en-US" sz="1400" dirty="0"/>
               <a:t>Faithfulness, sovereignty, and mercy converge in Christ. God fulfills His word not through temporal power but through eternal reign - a kingdom not of this world (</a:t>
             </a:r>
             <a:r>
-              <a:rPr lang="en-US" sz="1400" i="1" kern="1200" dirty="0">
-                <a:solidFill>
-                  <a:schemeClr val="tx1"/>
-                </a:solidFill>
-                <a:effectLst/>
-                <a:latin typeface="+mn-lt"/>
-                <a:ea typeface="ＭＳ Ｐゴシック" pitchFamily="-106" charset="-128"/>
-                <a:cs typeface="ＭＳ Ｐゴシック" pitchFamily="-106" charset="-128"/>
-              </a:rPr>
+              <a:rPr lang="en-US" sz="1400" i="1" dirty="0"/>
               <a:t>John 18:36</a:t>
             </a:r>
             <a:r>
-              <a:rPr lang="en-US" sz="1400" kern="1200" dirty="0">
-                <a:solidFill>
-                  <a:schemeClr val="tx1"/>
-                </a:solidFill>
-                <a:effectLst/>
-                <a:latin typeface="+mn-lt"/>
-                <a:ea typeface="ＭＳ Ｐゴシック" pitchFamily="-106" charset="-128"/>
-                <a:cs typeface="ＭＳ Ｐゴシック" pitchFamily="-106" charset="-128"/>
-              </a:rPr>
+              <a:rPr lang="en-US" sz="1400" dirty="0"/>
               <a:t>).</a:t>
             </a:r>
           </a:p>
           <a:p>
-            <a:endParaRPr lang="en-US" sz="1400" kern="1200" dirty="0">
-              <a:solidFill>
-                <a:schemeClr val="tx1"/>
-              </a:solidFill>
-              <a:effectLst/>
-              <a:latin typeface="+mn-lt"/>
-              <a:ea typeface="ＭＳ Ｐゴシック" pitchFamily="-106" charset="-128"/>
-              <a:cs typeface="ＭＳ Ｐゴシック" pitchFamily="-106" charset="-128"/>
-            </a:endParaRPr>
+            <a:endParaRPr lang="en-US" sz="1400" dirty="0"/>
           </a:p>
           <a:p>
             <a:endParaRPr lang="en-US" dirty="0"/>
@@ -6197,761 +3301,273 @@
         <p:spPr/>
         <p:txBody>
           <a:bodyPr>
-            <a:normAutofit fontScale="55000" lnSpcReduction="20000"/>
+            <a:normAutofit fontScale="47500" lnSpcReduction="20000"/>
           </a:bodyPr>
           <a:lstStyle/>
           <a:p>
             <a:r>
-              <a:rPr lang="en-US" sz="1400" b="1" kern="1200" dirty="0">
-                <a:solidFill>
-                  <a:schemeClr val="tx1"/>
-                </a:solidFill>
-                <a:effectLst/>
-                <a:latin typeface="+mn-lt"/>
-                <a:ea typeface="ＭＳ Ｐゴシック" pitchFamily="-106" charset="-128"/>
-                <a:cs typeface="ＭＳ Ｐゴシック" pitchFamily="-106" charset="-128"/>
-              </a:rPr>
+              <a:rPr lang="en-US" sz="1400" b="1" dirty="0"/>
               <a:t>GOSPEL REFERENCES</a:t>
             </a:r>
-            <a:endParaRPr lang="en-US" sz="1400" kern="1200" dirty="0">
-              <a:solidFill>
-                <a:schemeClr val="tx1"/>
-              </a:solidFill>
-              <a:effectLst/>
-              <a:latin typeface="+mn-lt"/>
-              <a:ea typeface="ＭＳ Ｐゴシック" pitchFamily="-106" charset="-128"/>
-              <a:cs typeface="ＭＳ Ｐゴシック" pitchFamily="-106" charset="-128"/>
-            </a:endParaRPr>
-          </a:p>
-          <a:p>
-            <a:endParaRPr lang="en-US" sz="1400" b="1" kern="1200" dirty="0">
-              <a:solidFill>
-                <a:schemeClr val="tx1"/>
-              </a:solidFill>
-              <a:effectLst/>
-              <a:latin typeface="+mn-lt"/>
-              <a:ea typeface="ＭＳ Ｐゴシック" pitchFamily="-106" charset="-128"/>
-              <a:cs typeface="ＭＳ Ｐゴシック" pitchFamily="-106" charset="-128"/>
-            </a:endParaRPr>
-          </a:p>
-          <a:p>
-            <a:r>
-              <a:rPr lang="en-US" sz="1400" b="1" kern="1200" dirty="0">
-                <a:solidFill>
-                  <a:schemeClr val="tx1"/>
-                </a:solidFill>
-                <a:effectLst/>
-                <a:latin typeface="+mn-lt"/>
-                <a:ea typeface="ＭＳ Ｐゴシック" pitchFamily="-106" charset="-128"/>
-                <a:cs typeface="ＭＳ Ｐゴシック" pitchFamily="-106" charset="-128"/>
-              </a:rPr>
+            <a:endParaRPr lang="en-US" sz="1400" dirty="0"/>
+          </a:p>
+          <a:p>
+            <a:endParaRPr lang="en-US" sz="1400" b="1" dirty="0"/>
+          </a:p>
+          <a:p>
+            <a:r>
+              <a:rPr lang="en-US" sz="1400" b="1" dirty="0"/>
               <a:t>1. Matthew 1:1</a:t>
             </a:r>
-            <a:endParaRPr lang="en-US" sz="1400" kern="1200" dirty="0">
-              <a:solidFill>
-                <a:schemeClr val="tx1"/>
-              </a:solidFill>
-              <a:effectLst/>
-              <a:latin typeface="+mn-lt"/>
-              <a:ea typeface="ＭＳ Ｐゴシック" pitchFamily="-106" charset="-128"/>
-              <a:cs typeface="ＭＳ Ｐゴシック" pitchFamily="-106" charset="-128"/>
-            </a:endParaRPr>
-          </a:p>
-          <a:p>
-            <a:r>
-              <a:rPr lang="en-US" sz="1400" i="1" kern="1200" dirty="0">
-                <a:solidFill>
-                  <a:schemeClr val="tx1"/>
-                </a:solidFill>
-                <a:effectLst/>
-                <a:latin typeface="+mn-lt"/>
-                <a:ea typeface="ＭＳ Ｐゴシック" pitchFamily="-106" charset="-128"/>
-                <a:cs typeface="ＭＳ Ｐゴシック" pitchFamily="-106" charset="-128"/>
-              </a:rPr>
+            <a:endParaRPr lang="en-US" sz="1400" dirty="0"/>
+          </a:p>
+          <a:p>
+            <a:r>
+              <a:rPr lang="en-US" sz="1400" i="1" dirty="0"/>
               <a:t>“The book of the genealogy of Jesus Christ, the son of David, the son of Abraham.”</a:t>
             </a:r>
           </a:p>
           <a:p>
             <a:pPr rtl="0" fontAlgn="ctr"/>
             <a:r>
-              <a:rPr lang="en-US" sz="1400" kern="1200" dirty="0">
-                <a:solidFill>
-                  <a:schemeClr val="tx1"/>
-                </a:solidFill>
-                <a:effectLst/>
-                <a:latin typeface="+mn-lt"/>
-                <a:ea typeface="ＭＳ Ｐゴシック" pitchFamily="-106" charset="-128"/>
-                <a:cs typeface="ＭＳ Ｐゴシック" pitchFamily="-106" charset="-128"/>
-              </a:rPr>
+              <a:rPr lang="en-US" sz="1400" dirty="0"/>
               <a:t>Opens the New Testament by rooting Jesus in </a:t>
             </a:r>
             <a:r>
-              <a:rPr lang="en-US" sz="1400" b="1" kern="1200" dirty="0">
-                <a:solidFill>
-                  <a:schemeClr val="tx1"/>
-                </a:solidFill>
-                <a:effectLst/>
-                <a:latin typeface="+mn-lt"/>
-                <a:ea typeface="ＭＳ Ｐゴシック" pitchFamily="-106" charset="-128"/>
-                <a:cs typeface="ＭＳ Ｐゴシック" pitchFamily="-106" charset="-128"/>
-              </a:rPr>
+              <a:rPr lang="en-US" sz="1400" b="1" dirty="0"/>
               <a:t>David’s royal line</a:t>
             </a:r>
             <a:r>
-              <a:rPr lang="en-US" sz="1400" kern="1200" dirty="0">
-                <a:solidFill>
-                  <a:schemeClr val="tx1"/>
-                </a:solidFill>
-                <a:effectLst/>
-                <a:latin typeface="+mn-lt"/>
-                <a:ea typeface="ＭＳ Ｐゴシック" pitchFamily="-106" charset="-128"/>
-                <a:cs typeface="ＭＳ Ｐゴシック" pitchFamily="-106" charset="-128"/>
-              </a:rPr>
+              <a:rPr lang="en-US" sz="1400" dirty="0"/>
               <a:t>, affirming that He is the promised heir to the Davidic throne.</a:t>
             </a:r>
           </a:p>
           <a:p>
-            <a:endParaRPr lang="en-US" sz="1400" b="1" kern="1200" dirty="0">
-              <a:solidFill>
-                <a:schemeClr val="tx1"/>
-              </a:solidFill>
-              <a:effectLst/>
-              <a:latin typeface="+mn-lt"/>
-              <a:ea typeface="ＭＳ Ｐゴシック" pitchFamily="-106" charset="-128"/>
-              <a:cs typeface="ＭＳ Ｐゴシック" pitchFamily="-106" charset="-128"/>
-            </a:endParaRPr>
-          </a:p>
-          <a:p>
-            <a:r>
-              <a:rPr lang="en-US" sz="1400" b="1" kern="1200" dirty="0">
-                <a:solidFill>
-                  <a:schemeClr val="tx1"/>
-                </a:solidFill>
-                <a:effectLst/>
-                <a:latin typeface="+mn-lt"/>
-                <a:ea typeface="ＭＳ Ｐゴシック" pitchFamily="-106" charset="-128"/>
-                <a:cs typeface="ＭＳ Ｐゴシック" pitchFamily="-106" charset="-128"/>
-              </a:rPr>
+            <a:endParaRPr lang="en-US" sz="1400" b="1" dirty="0"/>
+          </a:p>
+          <a:p>
+            <a:r>
+              <a:rPr lang="en-US" sz="1400" b="1" dirty="0"/>
               <a:t>2. Matthew 9:27; 12:23; 15:22; 20:30-31; 21:9,15</a:t>
             </a:r>
-            <a:endParaRPr lang="en-US" sz="1400" kern="1200" dirty="0">
-              <a:solidFill>
-                <a:schemeClr val="tx1"/>
-              </a:solidFill>
-              <a:effectLst/>
-              <a:latin typeface="+mn-lt"/>
-              <a:ea typeface="ＭＳ Ｐゴシック" pitchFamily="-106" charset="-128"/>
-              <a:cs typeface="ＭＳ Ｐゴシック" pitchFamily="-106" charset="-128"/>
-            </a:endParaRPr>
-          </a:p>
-          <a:p>
-            <a:r>
-              <a:rPr lang="en-US" sz="1400" i="1" kern="1200" dirty="0">
-                <a:solidFill>
-                  <a:schemeClr val="tx1"/>
-                </a:solidFill>
-                <a:effectLst/>
-                <a:latin typeface="+mn-lt"/>
-                <a:ea typeface="ＭＳ Ｐゴシック" pitchFamily="-106" charset="-128"/>
-                <a:cs typeface="ＭＳ Ｐゴシック" pitchFamily="-106" charset="-128"/>
-              </a:rPr>
+            <a:endParaRPr lang="en-US" sz="1400" dirty="0"/>
+          </a:p>
+          <a:p>
+            <a:r>
+              <a:rPr lang="en-US" sz="1400" i="1" dirty="0"/>
               <a:t>“Son of David, have mercy on us!”</a:t>
             </a:r>
           </a:p>
           <a:p>
             <a:r>
-              <a:rPr lang="en-US" sz="1400" i="1" kern="1200" dirty="0">
-                <a:solidFill>
-                  <a:schemeClr val="tx1"/>
-                </a:solidFill>
-                <a:effectLst/>
-                <a:latin typeface="+mn-lt"/>
-                <a:ea typeface="ＭＳ Ｐゴシック" pitchFamily="-106" charset="-128"/>
-                <a:cs typeface="ＭＳ Ｐゴシック" pitchFamily="-106" charset="-128"/>
-              </a:rPr>
+              <a:rPr lang="en-US" sz="1400" i="1" dirty="0"/>
               <a:t>“Hosanna to the Son of David!”</a:t>
             </a:r>
           </a:p>
           <a:p>
             <a:pPr rtl="0" fontAlgn="ctr"/>
             <a:r>
-              <a:rPr lang="en-US" sz="1400" kern="1200" dirty="0">
-                <a:solidFill>
-                  <a:schemeClr val="tx1"/>
-                </a:solidFill>
-                <a:effectLst/>
-                <a:latin typeface="+mn-lt"/>
-                <a:ea typeface="ＭＳ Ｐゴシック" pitchFamily="-106" charset="-128"/>
-                <a:cs typeface="ＭＳ Ｐゴシック" pitchFamily="-106" charset="-128"/>
-              </a:rPr>
+              <a:rPr lang="en-US" sz="1400" dirty="0"/>
               <a:t>The title </a:t>
             </a:r>
             <a:r>
-              <a:rPr lang="en-US" sz="1400" b="1" kern="1200" dirty="0">
-                <a:solidFill>
-                  <a:schemeClr val="tx1"/>
-                </a:solidFill>
-                <a:effectLst/>
-                <a:latin typeface="+mn-lt"/>
-                <a:ea typeface="ＭＳ Ｐゴシック" pitchFamily="-106" charset="-128"/>
-                <a:cs typeface="ＭＳ Ｐゴシック" pitchFamily="-106" charset="-128"/>
-              </a:rPr>
+              <a:rPr lang="en-US" sz="1400" b="1" dirty="0"/>
               <a:t>“Son of David”</a:t>
             </a:r>
             <a:r>
-              <a:rPr lang="en-US" sz="1400" kern="1200" dirty="0">
-                <a:solidFill>
-                  <a:schemeClr val="tx1"/>
-                </a:solidFill>
-                <a:effectLst/>
-                <a:latin typeface="+mn-lt"/>
-                <a:ea typeface="ＭＳ Ｐゴシック" pitchFamily="-106" charset="-128"/>
-                <a:cs typeface="ＭＳ Ｐゴシック" pitchFamily="-106" charset="-128"/>
-              </a:rPr>
+              <a:rPr lang="en-US" sz="1400" dirty="0"/>
               <a:t> is a public recognition that Jesus is the awaited </a:t>
             </a:r>
             <a:r>
-              <a:rPr lang="en-US" sz="1400" b="1" kern="1200" dirty="0">
-                <a:solidFill>
-                  <a:schemeClr val="tx1"/>
-                </a:solidFill>
-                <a:effectLst/>
-                <a:latin typeface="+mn-lt"/>
-                <a:ea typeface="ＭＳ Ｐゴシック" pitchFamily="-106" charset="-128"/>
-                <a:cs typeface="ＭＳ Ｐゴシック" pitchFamily="-106" charset="-128"/>
-              </a:rPr>
+              <a:rPr lang="en-US" sz="1400" b="1" dirty="0"/>
               <a:t>Messianic King</a:t>
             </a:r>
             <a:r>
-              <a:rPr lang="en-US" sz="1400" kern="1200" dirty="0">
-                <a:solidFill>
-                  <a:schemeClr val="tx1"/>
-                </a:solidFill>
-                <a:effectLst/>
-                <a:latin typeface="+mn-lt"/>
-                <a:ea typeface="ＭＳ Ｐゴシック" pitchFamily="-106" charset="-128"/>
-                <a:cs typeface="ＭＳ Ｐゴシック" pitchFamily="-106" charset="-128"/>
-              </a:rPr>
+              <a:rPr lang="en-US" sz="1400" dirty="0"/>
               <a:t> promised to David (2 Sam. 7:12-16; Isa. 9:7).</a:t>
             </a:r>
           </a:p>
           <a:p>
-            <a:endParaRPr lang="en-US" sz="1400" b="1" kern="1200" dirty="0">
-              <a:solidFill>
-                <a:schemeClr val="tx1"/>
-              </a:solidFill>
-              <a:effectLst/>
-              <a:latin typeface="+mn-lt"/>
-              <a:ea typeface="ＭＳ Ｐゴシック" pitchFamily="-106" charset="-128"/>
-              <a:cs typeface="ＭＳ Ｐゴシック" pitchFamily="-106" charset="-128"/>
-            </a:endParaRPr>
-          </a:p>
-          <a:p>
-            <a:r>
-              <a:rPr lang="en-US" sz="1400" b="1" kern="1200" dirty="0">
-                <a:solidFill>
-                  <a:schemeClr val="tx1"/>
-                </a:solidFill>
-                <a:effectLst/>
-                <a:latin typeface="+mn-lt"/>
-                <a:ea typeface="ＭＳ Ｐゴシック" pitchFamily="-106" charset="-128"/>
-                <a:cs typeface="ＭＳ Ｐゴシック" pitchFamily="-106" charset="-128"/>
-              </a:rPr>
+            <a:endParaRPr lang="en-US" sz="1400" b="1" dirty="0"/>
+          </a:p>
+          <a:p>
+            <a:r>
+              <a:rPr lang="en-US" sz="1400" b="1" dirty="0"/>
               <a:t>3. Matthew 22:41-45 / Mark 12:35-37 / Luke 20:41-44</a:t>
             </a:r>
-            <a:endParaRPr lang="en-US" sz="1400" kern="1200" dirty="0">
-              <a:solidFill>
-                <a:schemeClr val="tx1"/>
-              </a:solidFill>
-              <a:effectLst/>
-              <a:latin typeface="+mn-lt"/>
-              <a:ea typeface="ＭＳ Ｐゴシック" pitchFamily="-106" charset="-128"/>
-              <a:cs typeface="ＭＳ Ｐゴシック" pitchFamily="-106" charset="-128"/>
-            </a:endParaRPr>
-          </a:p>
-          <a:p>
-            <a:r>
-              <a:rPr lang="en-US" sz="1400" i="1" kern="1200" dirty="0">
-                <a:solidFill>
-                  <a:schemeClr val="tx1"/>
-                </a:solidFill>
-                <a:effectLst/>
-                <a:latin typeface="+mn-lt"/>
-                <a:ea typeface="ＭＳ Ｐゴシック" pitchFamily="-106" charset="-128"/>
-                <a:cs typeface="ＭＳ Ｐゴシック" pitchFamily="-106" charset="-128"/>
-              </a:rPr>
+            <a:endParaRPr lang="en-US" sz="1400" dirty="0"/>
+          </a:p>
+          <a:p>
+            <a:r>
+              <a:rPr lang="en-US" sz="1400" i="1" dirty="0"/>
               <a:t>“How is it then that David, speaking by the Spirit, calls him ‘Lord’?”</a:t>
             </a:r>
           </a:p>
           <a:p>
             <a:pPr rtl="0" fontAlgn="ctr"/>
             <a:r>
-              <a:rPr lang="en-US" sz="1400" kern="1200" dirty="0">
-                <a:solidFill>
-                  <a:schemeClr val="tx1"/>
-                </a:solidFill>
-                <a:effectLst/>
-                <a:latin typeface="+mn-lt"/>
-                <a:ea typeface="ＭＳ Ｐゴシック" pitchFamily="-106" charset="-128"/>
-                <a:cs typeface="ＭＳ Ｐゴシック" pitchFamily="-106" charset="-128"/>
-              </a:rPr>
+              <a:rPr lang="en-US" sz="1400" dirty="0"/>
               <a:t>Jesus cites </a:t>
             </a:r>
             <a:r>
-              <a:rPr lang="en-US" sz="1400" b="1" kern="1200" dirty="0">
-                <a:solidFill>
-                  <a:schemeClr val="tx1"/>
-                </a:solidFill>
-                <a:effectLst/>
-                <a:latin typeface="+mn-lt"/>
-                <a:ea typeface="ＭＳ Ｐゴシック" pitchFamily="-106" charset="-128"/>
-                <a:cs typeface="ＭＳ Ｐゴシック" pitchFamily="-106" charset="-128"/>
-              </a:rPr>
+              <a:rPr lang="en-US" sz="1400" b="1" dirty="0"/>
               <a:t>Psalm 110:1</a:t>
             </a:r>
             <a:r>
-              <a:rPr lang="en-US" sz="1400" kern="1200" dirty="0">
-                <a:solidFill>
-                  <a:schemeClr val="tx1"/>
-                </a:solidFill>
-                <a:effectLst/>
-                <a:latin typeface="+mn-lt"/>
-                <a:ea typeface="ＭＳ Ｐゴシック" pitchFamily="-106" charset="-128"/>
-                <a:cs typeface="ＭＳ Ｐゴシック" pitchFamily="-106" charset="-128"/>
-              </a:rPr>
+              <a:rPr lang="en-US" sz="1400" dirty="0"/>
               <a:t>, revealing that the Messiah is </a:t>
             </a:r>
             <a:r>
-              <a:rPr lang="en-US" sz="1400" b="1" kern="1200" dirty="0">
-                <a:solidFill>
-                  <a:schemeClr val="tx1"/>
-                </a:solidFill>
-                <a:effectLst/>
-                <a:latin typeface="+mn-lt"/>
-                <a:ea typeface="ＭＳ Ｐゴシック" pitchFamily="-106" charset="-128"/>
-                <a:cs typeface="ＭＳ Ｐゴシック" pitchFamily="-106" charset="-128"/>
-              </a:rPr>
+              <a:rPr lang="en-US" sz="1400" b="1" dirty="0"/>
               <a:t>David’s Lord as well as his Son</a:t>
             </a:r>
             <a:r>
-              <a:rPr lang="en-US" sz="1400" kern="1200" dirty="0">
-                <a:solidFill>
-                  <a:schemeClr val="tx1"/>
-                </a:solidFill>
-                <a:effectLst/>
-                <a:latin typeface="+mn-lt"/>
-                <a:ea typeface="ＭＳ Ｐゴシック" pitchFamily="-106" charset="-128"/>
-                <a:cs typeface="ＭＳ Ｐゴシック" pitchFamily="-106" charset="-128"/>
-              </a:rPr>
+              <a:rPr lang="en-US" sz="1400" dirty="0"/>
               <a:t>, showing His divine kingship.</a:t>
             </a:r>
           </a:p>
           <a:p>
-            <a:endParaRPr lang="en-US" sz="1400" b="1" kern="1200" dirty="0">
-              <a:solidFill>
-                <a:schemeClr val="tx1"/>
-              </a:solidFill>
-              <a:effectLst/>
-              <a:latin typeface="+mn-lt"/>
-              <a:ea typeface="ＭＳ Ｐゴシック" pitchFamily="-106" charset="-128"/>
-              <a:cs typeface="ＭＳ Ｐゴシック" pitchFamily="-106" charset="-128"/>
-            </a:endParaRPr>
-          </a:p>
-          <a:p>
-            <a:r>
-              <a:rPr lang="en-US" sz="1400" b="1" kern="1200" dirty="0">
-                <a:solidFill>
-                  <a:schemeClr val="tx1"/>
-                </a:solidFill>
-                <a:effectLst/>
-                <a:latin typeface="+mn-lt"/>
-                <a:ea typeface="ＭＳ Ｐゴシック" pitchFamily="-106" charset="-128"/>
-                <a:cs typeface="ＭＳ Ｐゴシック" pitchFamily="-106" charset="-128"/>
-              </a:rPr>
+            <a:endParaRPr lang="en-US" sz="1400" b="1" dirty="0"/>
+          </a:p>
+          <a:p>
+            <a:r>
+              <a:rPr lang="en-US" sz="1400" b="1" dirty="0"/>
               <a:t>4. Luke 1:30-33</a:t>
             </a:r>
-            <a:endParaRPr lang="en-US" sz="1400" kern="1200" dirty="0">
-              <a:solidFill>
-                <a:schemeClr val="tx1"/>
-              </a:solidFill>
-              <a:effectLst/>
-              <a:latin typeface="+mn-lt"/>
-              <a:ea typeface="ＭＳ Ｐゴシック" pitchFamily="-106" charset="-128"/>
-              <a:cs typeface="ＭＳ Ｐゴシック" pitchFamily="-106" charset="-128"/>
-            </a:endParaRPr>
-          </a:p>
-          <a:p>
-            <a:r>
-              <a:rPr lang="en-US" sz="1400" i="1" kern="1200" dirty="0">
-                <a:solidFill>
-                  <a:schemeClr val="tx1"/>
-                </a:solidFill>
-                <a:effectLst/>
-                <a:latin typeface="+mn-lt"/>
-                <a:ea typeface="ＭＳ Ｐゴシック" pitchFamily="-106" charset="-128"/>
-                <a:cs typeface="ＭＳ Ｐゴシック" pitchFamily="-106" charset="-128"/>
-              </a:rPr>
+            <a:endParaRPr lang="en-US" sz="1400" dirty="0"/>
+          </a:p>
+          <a:p>
+            <a:r>
+              <a:rPr lang="en-US" sz="1400" i="1" dirty="0"/>
               <a:t>“The Lord God will give him the throne of his father David, and he will reign over the house of Jacob forever; his kingdom will never end.”</a:t>
             </a:r>
           </a:p>
           <a:p>
             <a:pPr rtl="0" fontAlgn="ctr"/>
             <a:r>
-              <a:rPr lang="en-US" sz="1400" kern="1200" dirty="0">
-                <a:solidFill>
-                  <a:schemeClr val="tx1"/>
-                </a:solidFill>
-                <a:effectLst/>
-                <a:latin typeface="+mn-lt"/>
-                <a:ea typeface="ＭＳ Ｐゴシック" pitchFamily="-106" charset="-128"/>
-                <a:cs typeface="ＭＳ Ｐゴシック" pitchFamily="-106" charset="-128"/>
-              </a:rPr>
+              <a:rPr lang="en-US" sz="1400" dirty="0"/>
               <a:t>Gabriel directly announces the </a:t>
             </a:r>
             <a:r>
-              <a:rPr lang="en-US" sz="1400" b="1" kern="1200" dirty="0">
-                <a:solidFill>
-                  <a:schemeClr val="tx1"/>
-                </a:solidFill>
-                <a:effectLst/>
-                <a:latin typeface="+mn-lt"/>
-                <a:ea typeface="ＭＳ Ｐゴシック" pitchFamily="-106" charset="-128"/>
-                <a:cs typeface="ＭＳ Ｐゴシック" pitchFamily="-106" charset="-128"/>
-              </a:rPr>
+              <a:rPr lang="en-US" sz="1400" b="1" dirty="0"/>
               <a:t>Davidic Covenant’s fulfillment</a:t>
             </a:r>
             <a:r>
-              <a:rPr lang="en-US" sz="1400" kern="1200" dirty="0">
-                <a:solidFill>
-                  <a:schemeClr val="tx1"/>
-                </a:solidFill>
-                <a:effectLst/>
-                <a:latin typeface="+mn-lt"/>
-                <a:ea typeface="ＭＳ Ｐゴシック" pitchFamily="-106" charset="-128"/>
-                <a:cs typeface="ＭＳ Ｐゴシック" pitchFamily="-106" charset="-128"/>
-              </a:rPr>
+              <a:rPr lang="en-US" sz="1400" dirty="0"/>
               <a:t> in Jesus.</a:t>
             </a:r>
             <a:br>
-              <a:rPr lang="en-US" sz="1400" kern="1200" dirty="0">
-                <a:solidFill>
-                  <a:schemeClr val="tx1"/>
-                </a:solidFill>
-                <a:effectLst/>
-                <a:latin typeface="+mn-lt"/>
-                <a:ea typeface="ＭＳ Ｐゴシック" pitchFamily="-106" charset="-128"/>
-                <a:cs typeface="ＭＳ Ｐゴシック" pitchFamily="-106" charset="-128"/>
-              </a:rPr>
+              <a:rPr lang="en-US" sz="1400" dirty="0"/>
             </a:br>
             <a:r>
-              <a:rPr lang="en-US" sz="1400" kern="1200" dirty="0">
-                <a:solidFill>
-                  <a:schemeClr val="tx1"/>
-                </a:solidFill>
-                <a:effectLst/>
-                <a:latin typeface="+mn-lt"/>
-                <a:ea typeface="ＭＳ Ｐゴシック" pitchFamily="-106" charset="-128"/>
-                <a:cs typeface="ＭＳ Ｐゴシック" pitchFamily="-106" charset="-128"/>
-              </a:rPr>
+              <a:rPr lang="en-US" sz="1400" dirty="0"/>
               <a:t>Echoes 2 Samuel 7:13-16 and Isaiah 9:7 almost verbatim.</a:t>
             </a:r>
           </a:p>
           <a:p>
-            <a:endParaRPr lang="en-US" sz="1400" b="1" kern="1200" dirty="0">
-              <a:solidFill>
-                <a:schemeClr val="tx1"/>
-              </a:solidFill>
-              <a:effectLst/>
-              <a:latin typeface="+mn-lt"/>
-              <a:ea typeface="ＭＳ Ｐゴシック" pitchFamily="-106" charset="-128"/>
-              <a:cs typeface="ＭＳ Ｐゴシック" pitchFamily="-106" charset="-128"/>
-            </a:endParaRPr>
-          </a:p>
-          <a:p>
-            <a:r>
-              <a:rPr lang="en-US" sz="1400" b="1" kern="1200" dirty="0">
-                <a:solidFill>
-                  <a:schemeClr val="tx1"/>
-                </a:solidFill>
-                <a:effectLst/>
-                <a:latin typeface="+mn-lt"/>
-                <a:ea typeface="ＭＳ Ｐゴシック" pitchFamily="-106" charset="-128"/>
-                <a:cs typeface="ＭＳ Ｐゴシック" pitchFamily="-106" charset="-128"/>
-              </a:rPr>
+            <a:endParaRPr lang="en-US" sz="1400" b="1" dirty="0"/>
+          </a:p>
+          <a:p>
+            <a:r>
+              <a:rPr lang="en-US" sz="1400" b="1" dirty="0"/>
               <a:t>5. Luke 1:68-69</a:t>
             </a:r>
-            <a:endParaRPr lang="en-US" sz="1400" kern="1200" dirty="0">
-              <a:solidFill>
-                <a:schemeClr val="tx1"/>
-              </a:solidFill>
-              <a:effectLst/>
-              <a:latin typeface="+mn-lt"/>
-              <a:ea typeface="ＭＳ Ｐゴシック" pitchFamily="-106" charset="-128"/>
-              <a:cs typeface="ＭＳ Ｐゴシック" pitchFamily="-106" charset="-128"/>
-            </a:endParaRPr>
-          </a:p>
-          <a:p>
-            <a:r>
-              <a:rPr lang="en-US" sz="1400" i="1" kern="1200" dirty="0">
-                <a:solidFill>
-                  <a:schemeClr val="tx1"/>
-                </a:solidFill>
-                <a:effectLst/>
-                <a:latin typeface="+mn-lt"/>
-                <a:ea typeface="ＭＳ Ｐゴシック" pitchFamily="-106" charset="-128"/>
-                <a:cs typeface="ＭＳ Ｐゴシック" pitchFamily="-106" charset="-128"/>
-              </a:rPr>
+            <a:endParaRPr lang="en-US" sz="1400" dirty="0"/>
+          </a:p>
+          <a:p>
+            <a:r>
+              <a:rPr lang="en-US" sz="1400" i="1" dirty="0"/>
               <a:t>“He has raised up a horn of salvation for us in the house of his servant David.”</a:t>
             </a:r>
           </a:p>
           <a:p>
             <a:pPr rtl="0" fontAlgn="ctr"/>
             <a:r>
-              <a:rPr lang="en-US" sz="1400" kern="1200" dirty="0">
-                <a:solidFill>
-                  <a:schemeClr val="tx1"/>
-                </a:solidFill>
-                <a:effectLst/>
-                <a:latin typeface="+mn-lt"/>
-                <a:ea typeface="ＭＳ Ｐゴシック" pitchFamily="-106" charset="-128"/>
-                <a:cs typeface="ＭＳ Ｐゴシック" pitchFamily="-106" charset="-128"/>
-              </a:rPr>
+              <a:rPr lang="en-US" sz="1400" dirty="0"/>
               <a:t>Zechariah prophesies that Jesus’ coming is the realization of God’s </a:t>
             </a:r>
             <a:r>
-              <a:rPr lang="en-US" sz="1400" b="1" kern="1200" dirty="0">
-                <a:solidFill>
-                  <a:schemeClr val="tx1"/>
-                </a:solidFill>
-                <a:effectLst/>
-                <a:latin typeface="+mn-lt"/>
-                <a:ea typeface="ＭＳ Ｐゴシック" pitchFamily="-106" charset="-128"/>
-                <a:cs typeface="ＭＳ Ｐゴシック" pitchFamily="-106" charset="-128"/>
-              </a:rPr>
+              <a:rPr lang="en-US" sz="1400" b="1" dirty="0"/>
               <a:t>promise to David</a:t>
             </a:r>
             <a:r>
-              <a:rPr lang="en-US" sz="1400" kern="1200" dirty="0">
-                <a:solidFill>
-                  <a:schemeClr val="tx1"/>
-                </a:solidFill>
-                <a:effectLst/>
-                <a:latin typeface="+mn-lt"/>
-                <a:ea typeface="ＭＳ Ｐゴシック" pitchFamily="-106" charset="-128"/>
-                <a:cs typeface="ＭＳ Ｐゴシック" pitchFamily="-106" charset="-128"/>
-              </a:rPr>
+              <a:rPr lang="en-US" sz="1400" dirty="0"/>
               <a:t>.</a:t>
             </a:r>
           </a:p>
           <a:p>
-            <a:endParaRPr lang="en-US" sz="1400" b="1" kern="1200" dirty="0">
-              <a:solidFill>
-                <a:schemeClr val="tx1"/>
-              </a:solidFill>
-              <a:effectLst/>
-              <a:latin typeface="+mn-lt"/>
-              <a:ea typeface="ＭＳ Ｐゴシック" pitchFamily="-106" charset="-128"/>
-              <a:cs typeface="ＭＳ Ｐゴシック" pitchFamily="-106" charset="-128"/>
-            </a:endParaRPr>
-          </a:p>
-          <a:p>
-            <a:r>
-              <a:rPr lang="en-US" sz="1400" b="1" kern="1200" dirty="0">
-                <a:solidFill>
-                  <a:schemeClr val="tx1"/>
-                </a:solidFill>
-                <a:effectLst/>
-                <a:latin typeface="+mn-lt"/>
-                <a:ea typeface="ＭＳ Ｐゴシック" pitchFamily="-106" charset="-128"/>
-                <a:cs typeface="ＭＳ Ｐゴシック" pitchFamily="-106" charset="-128"/>
-              </a:rPr>
+            <a:endParaRPr lang="en-US" sz="1400" b="1" dirty="0"/>
+          </a:p>
+          <a:p>
+            <a:r>
+              <a:rPr lang="en-US" sz="1400" b="1" dirty="0"/>
               <a:t>6. Luke 2:4-11</a:t>
             </a:r>
-            <a:endParaRPr lang="en-US" sz="1400" kern="1200" dirty="0">
-              <a:solidFill>
-                <a:schemeClr val="tx1"/>
-              </a:solidFill>
-              <a:effectLst/>
-              <a:latin typeface="+mn-lt"/>
-              <a:ea typeface="ＭＳ Ｐゴシック" pitchFamily="-106" charset="-128"/>
-              <a:cs typeface="ＭＳ Ｐゴシック" pitchFamily="-106" charset="-128"/>
-            </a:endParaRPr>
-          </a:p>
-          <a:p>
-            <a:r>
-              <a:rPr lang="en-US" sz="1400" i="1" kern="1200" dirty="0">
-                <a:solidFill>
-                  <a:schemeClr val="tx1"/>
-                </a:solidFill>
-                <a:effectLst/>
-                <a:latin typeface="+mn-lt"/>
-                <a:ea typeface="ＭＳ Ｐゴシック" pitchFamily="-106" charset="-128"/>
-                <a:cs typeface="ＭＳ Ｐゴシック" pitchFamily="-106" charset="-128"/>
-              </a:rPr>
+            <a:endParaRPr lang="en-US" sz="1400" dirty="0"/>
+          </a:p>
+          <a:p>
+            <a:r>
+              <a:rPr lang="en-US" sz="1400" i="1" dirty="0"/>
               <a:t>“Joseph went up … to Bethlehem, the town of David… Today in the town of David a Savior has been born to you; he is Christ the Lord.”</a:t>
             </a:r>
           </a:p>
           <a:p>
             <a:pPr rtl="0" fontAlgn="ctr"/>
             <a:r>
-              <a:rPr lang="en-US" sz="1400" kern="1200" dirty="0">
-                <a:solidFill>
-                  <a:schemeClr val="tx1"/>
-                </a:solidFill>
-                <a:effectLst/>
-                <a:latin typeface="+mn-lt"/>
-                <a:ea typeface="ＭＳ Ｐゴシック" pitchFamily="-106" charset="-128"/>
-                <a:cs typeface="ＭＳ Ｐゴシック" pitchFamily="-106" charset="-128"/>
-              </a:rPr>
+              <a:rPr lang="en-US" sz="1400" dirty="0"/>
               <a:t>Bethlehem’s mention links Jesus’ birth to </a:t>
             </a:r>
             <a:r>
-              <a:rPr lang="en-US" sz="1400" b="1" kern="1200" dirty="0">
-                <a:solidFill>
-                  <a:schemeClr val="tx1"/>
-                </a:solidFill>
-                <a:effectLst/>
-                <a:latin typeface="+mn-lt"/>
-                <a:ea typeface="ＭＳ Ｐゴシック" pitchFamily="-106" charset="-128"/>
-                <a:cs typeface="ＭＳ Ｐゴシック" pitchFamily="-106" charset="-128"/>
-              </a:rPr>
+              <a:rPr lang="en-US" sz="1400" b="1" dirty="0"/>
               <a:t>David’s lineage and hometown</a:t>
             </a:r>
             <a:r>
-              <a:rPr lang="en-US" sz="1400" kern="1200" dirty="0">
-                <a:solidFill>
-                  <a:schemeClr val="tx1"/>
-                </a:solidFill>
-                <a:effectLst/>
-                <a:latin typeface="+mn-lt"/>
-                <a:ea typeface="ＭＳ Ｐゴシック" pitchFamily="-106" charset="-128"/>
-                <a:cs typeface="ＭＳ Ｐゴシック" pitchFamily="-106" charset="-128"/>
-              </a:rPr>
+              <a:rPr lang="en-US" sz="1400" dirty="0"/>
               <a:t>, fulfilling </a:t>
             </a:r>
             <a:r>
-              <a:rPr lang="en-US" sz="1400" b="1" kern="1200" dirty="0">
-                <a:solidFill>
-                  <a:schemeClr val="tx1"/>
-                </a:solidFill>
-                <a:effectLst/>
-                <a:latin typeface="+mn-lt"/>
-                <a:ea typeface="ＭＳ Ｐゴシック" pitchFamily="-106" charset="-128"/>
-                <a:cs typeface="ＭＳ Ｐゴシック" pitchFamily="-106" charset="-128"/>
-              </a:rPr>
+              <a:rPr lang="en-US" sz="1400" b="1" dirty="0"/>
               <a:t>Micah 5:2</a:t>
             </a:r>
             <a:r>
-              <a:rPr lang="en-US" sz="1400" kern="1200" dirty="0">
-                <a:solidFill>
-                  <a:schemeClr val="tx1"/>
-                </a:solidFill>
-                <a:effectLst/>
-                <a:latin typeface="+mn-lt"/>
-                <a:ea typeface="ＭＳ Ｐゴシック" pitchFamily="-106" charset="-128"/>
-                <a:cs typeface="ＭＳ Ｐゴシック" pitchFamily="-106" charset="-128"/>
-              </a:rPr>
+              <a:rPr lang="en-US" sz="1400" dirty="0"/>
               <a:t> and God’s covenantal promise.</a:t>
             </a:r>
           </a:p>
           <a:p>
-            <a:endParaRPr lang="en-US" sz="1400" b="1" kern="1200" dirty="0">
-              <a:solidFill>
-                <a:schemeClr val="tx1"/>
-              </a:solidFill>
-              <a:effectLst/>
-              <a:latin typeface="+mn-lt"/>
-              <a:ea typeface="ＭＳ Ｐゴシック" pitchFamily="-106" charset="-128"/>
-              <a:cs typeface="ＭＳ Ｐゴシック" pitchFamily="-106" charset="-128"/>
-            </a:endParaRPr>
-          </a:p>
-          <a:p>
-            <a:r>
-              <a:rPr lang="en-US" sz="1400" b="1" kern="1200" dirty="0">
-                <a:solidFill>
-                  <a:schemeClr val="tx1"/>
-                </a:solidFill>
-                <a:effectLst/>
-                <a:latin typeface="+mn-lt"/>
-                <a:ea typeface="ＭＳ Ｐゴシック" pitchFamily="-106" charset="-128"/>
-                <a:cs typeface="ＭＳ Ｐゴシック" pitchFamily="-106" charset="-128"/>
-              </a:rPr>
+            <a:endParaRPr lang="en-US" sz="1400" b="1" dirty="0"/>
+          </a:p>
+          <a:p>
+            <a:r>
+              <a:rPr lang="en-US" sz="1400" b="1" dirty="0"/>
               <a:t>7. John 7:42</a:t>
             </a:r>
-            <a:endParaRPr lang="en-US" sz="1400" kern="1200" dirty="0">
-              <a:solidFill>
-                <a:schemeClr val="tx1"/>
-              </a:solidFill>
-              <a:effectLst/>
-              <a:latin typeface="+mn-lt"/>
-              <a:ea typeface="ＭＳ Ｐゴシック" pitchFamily="-106" charset="-128"/>
-              <a:cs typeface="ＭＳ Ｐゴシック" pitchFamily="-106" charset="-128"/>
-            </a:endParaRPr>
-          </a:p>
-          <a:p>
-            <a:r>
-              <a:rPr lang="en-US" sz="1400" i="1" kern="1200" dirty="0">
-                <a:solidFill>
-                  <a:schemeClr val="tx1"/>
-                </a:solidFill>
-                <a:effectLst/>
-                <a:latin typeface="+mn-lt"/>
-                <a:ea typeface="ＭＳ Ｐゴシック" pitchFamily="-106" charset="-128"/>
-                <a:cs typeface="ＭＳ Ｐゴシック" pitchFamily="-106" charset="-128"/>
-              </a:rPr>
+            <a:endParaRPr lang="en-US" sz="1400" dirty="0"/>
+          </a:p>
+          <a:p>
+            <a:r>
+              <a:rPr lang="en-US" sz="1400" i="1" dirty="0"/>
               <a:t>“Does not Scripture say that the Messiah will come from David’s descendants and from Bethlehem, the town where David lived?”</a:t>
             </a:r>
           </a:p>
           <a:p>
             <a:pPr rtl="0" fontAlgn="ctr"/>
             <a:r>
-              <a:rPr lang="en-US" sz="1400" kern="1200" dirty="0">
-                <a:solidFill>
-                  <a:schemeClr val="tx1"/>
-                </a:solidFill>
-                <a:effectLst/>
-                <a:latin typeface="+mn-lt"/>
-                <a:ea typeface="ＭＳ Ｐゴシック" pitchFamily="-106" charset="-128"/>
-                <a:cs typeface="ＭＳ Ｐゴシック" pitchFamily="-106" charset="-128"/>
-              </a:rPr>
+              <a:rPr lang="en-US" sz="1400" dirty="0"/>
               <a:t>Even the crowds recognized that </a:t>
             </a:r>
             <a:r>
-              <a:rPr lang="en-US" sz="1400" b="1" kern="1200" dirty="0">
-                <a:solidFill>
-                  <a:schemeClr val="tx1"/>
-                </a:solidFill>
-                <a:effectLst/>
-                <a:latin typeface="+mn-lt"/>
-                <a:ea typeface="ＭＳ Ｐゴシック" pitchFamily="-106" charset="-128"/>
-                <a:cs typeface="ＭＳ Ｐゴシック" pitchFamily="-106" charset="-128"/>
-              </a:rPr>
+              <a:rPr lang="en-US" sz="1400" b="1" dirty="0"/>
               <a:t>Messiah must come from David’s line</a:t>
             </a:r>
             <a:r>
-              <a:rPr lang="en-US" sz="1400" kern="1200" dirty="0">
-                <a:solidFill>
-                  <a:schemeClr val="tx1"/>
-                </a:solidFill>
-                <a:effectLst/>
-                <a:latin typeface="+mn-lt"/>
-                <a:ea typeface="ＭＳ Ｐゴシック" pitchFamily="-106" charset="-128"/>
-                <a:cs typeface="ＭＳ Ｐゴシック" pitchFamily="-106" charset="-128"/>
-              </a:rPr>
+              <a:rPr lang="en-US" sz="1400" dirty="0"/>
               <a:t>, showing common knowledge of the covenant expectation.</a:t>
             </a:r>
           </a:p>
           <a:p>
             <a:r>
-              <a:rPr lang="en-US" sz="1400" kern="1200" dirty="0">
-                <a:solidFill>
-                  <a:schemeClr val="tx1"/>
-                </a:solidFill>
-                <a:effectLst/>
-                <a:latin typeface="+mn-lt"/>
-                <a:ea typeface="ＭＳ Ｐゴシック" pitchFamily="-106" charset="-128"/>
-                <a:cs typeface="ＭＳ Ｐゴシック" pitchFamily="-106" charset="-128"/>
-              </a:rPr>
+              <a:rPr lang="en-US" sz="1400" dirty="0"/>
               <a:t> </a:t>
             </a:r>
           </a:p>
@@ -7073,569 +3689,201 @@
           <a:lstStyle/>
           <a:p>
             <a:r>
-              <a:rPr lang="en-US" sz="1400" b="1" kern="1200" dirty="0">
-                <a:solidFill>
-                  <a:schemeClr val="tx1"/>
-                </a:solidFill>
-                <a:effectLst/>
-                <a:latin typeface="+mn-lt"/>
-                <a:ea typeface="ＭＳ Ｐゴシック" pitchFamily="-106" charset="-128"/>
-                <a:cs typeface="ＭＳ Ｐゴシック" pitchFamily="-106" charset="-128"/>
-              </a:rPr>
+              <a:rPr lang="en-US" sz="1400" b="1" dirty="0"/>
               <a:t>ACTS REFERENCES</a:t>
             </a:r>
-            <a:endParaRPr lang="en-US" sz="1400" kern="1200" dirty="0">
-              <a:solidFill>
-                <a:schemeClr val="tx1"/>
-              </a:solidFill>
-              <a:effectLst/>
-              <a:latin typeface="+mn-lt"/>
-              <a:ea typeface="ＭＳ Ｐゴシック" pitchFamily="-106" charset="-128"/>
-              <a:cs typeface="ＭＳ Ｐゴシック" pitchFamily="-106" charset="-128"/>
-            </a:endParaRPr>
-          </a:p>
-          <a:p>
-            <a:endParaRPr lang="en-US" sz="1400" b="1" kern="1200" dirty="0">
-              <a:solidFill>
-                <a:schemeClr val="tx1"/>
-              </a:solidFill>
-              <a:effectLst/>
-              <a:latin typeface="+mn-lt"/>
-              <a:ea typeface="ＭＳ Ｐゴシック" pitchFamily="-106" charset="-128"/>
-              <a:cs typeface="ＭＳ Ｐゴシック" pitchFamily="-106" charset="-128"/>
-            </a:endParaRPr>
-          </a:p>
-          <a:p>
-            <a:r>
-              <a:rPr lang="en-US" sz="1400" b="1" kern="1200" dirty="0">
-                <a:solidFill>
-                  <a:schemeClr val="tx1"/>
-                </a:solidFill>
-                <a:effectLst/>
-                <a:latin typeface="+mn-lt"/>
-                <a:ea typeface="ＭＳ Ｐゴシック" pitchFamily="-106" charset="-128"/>
-                <a:cs typeface="ＭＳ Ｐゴシック" pitchFamily="-106" charset="-128"/>
-              </a:rPr>
+            <a:endParaRPr lang="en-US" sz="1400" dirty="0"/>
+          </a:p>
+          <a:p>
+            <a:endParaRPr lang="en-US" sz="1400" b="1" dirty="0"/>
+          </a:p>
+          <a:p>
+            <a:r>
+              <a:rPr lang="en-US" sz="1400" b="1" dirty="0"/>
               <a:t>8. Acts 2:29-36</a:t>
             </a:r>
-            <a:endParaRPr lang="en-US" sz="1400" kern="1200" dirty="0">
-              <a:solidFill>
-                <a:schemeClr val="tx1"/>
-              </a:solidFill>
-              <a:effectLst/>
-              <a:latin typeface="+mn-lt"/>
-              <a:ea typeface="ＭＳ Ｐゴシック" pitchFamily="-106" charset="-128"/>
-              <a:cs typeface="ＭＳ Ｐゴシック" pitchFamily="-106" charset="-128"/>
-            </a:endParaRPr>
-          </a:p>
-          <a:p>
-            <a:r>
-              <a:rPr lang="en-US" sz="1400" kern="1200" dirty="0">
-                <a:solidFill>
-                  <a:schemeClr val="tx1"/>
-                </a:solidFill>
-                <a:effectLst/>
-                <a:latin typeface="+mn-lt"/>
-                <a:ea typeface="ＭＳ Ｐゴシック" pitchFamily="-106" charset="-128"/>
-                <a:cs typeface="ＭＳ Ｐゴシック" pitchFamily="-106" charset="-128"/>
-              </a:rPr>
+            <a:endParaRPr lang="en-US" sz="1400" dirty="0"/>
+          </a:p>
+          <a:p>
+            <a:r>
+              <a:rPr lang="en-US" sz="1400" dirty="0"/>
               <a:t>“God had sworn an oath to him that he would place one of his descendants on his throne… God has made this Jesus, whom you crucified, both Lord and Christ.”</a:t>
             </a:r>
           </a:p>
           <a:p>
             <a:pPr rtl="0" fontAlgn="ctr"/>
             <a:r>
-              <a:rPr lang="en-US" sz="1400" kern="1200" dirty="0">
-                <a:solidFill>
-                  <a:schemeClr val="tx1"/>
-                </a:solidFill>
-                <a:effectLst/>
-                <a:latin typeface="+mn-lt"/>
-                <a:ea typeface="ＭＳ Ｐゴシック" pitchFamily="-106" charset="-128"/>
-                <a:cs typeface="ＭＳ Ｐゴシック" pitchFamily="-106" charset="-128"/>
-              </a:rPr>
+              <a:rPr lang="en-US" sz="1400" dirty="0"/>
               <a:t>Peter explicitly references </a:t>
             </a:r>
             <a:r>
-              <a:rPr lang="en-US" sz="1400" b="1" kern="1200" dirty="0">
-                <a:solidFill>
-                  <a:schemeClr val="tx1"/>
-                </a:solidFill>
-                <a:effectLst/>
-                <a:latin typeface="+mn-lt"/>
-                <a:ea typeface="ＭＳ Ｐゴシック" pitchFamily="-106" charset="-128"/>
-                <a:cs typeface="ＭＳ Ｐゴシック" pitchFamily="-106" charset="-128"/>
-              </a:rPr>
+              <a:rPr lang="en-US" sz="1400" b="1" dirty="0"/>
               <a:t>the oath to David</a:t>
             </a:r>
             <a:r>
-              <a:rPr lang="en-US" sz="1400" kern="1200" dirty="0">
-                <a:solidFill>
-                  <a:schemeClr val="tx1"/>
-                </a:solidFill>
-                <a:effectLst/>
-                <a:latin typeface="+mn-lt"/>
-                <a:ea typeface="ＭＳ Ｐゴシック" pitchFamily="-106" charset="-128"/>
-                <a:cs typeface="ＭＳ Ｐゴシック" pitchFamily="-106" charset="-128"/>
-              </a:rPr>
+              <a:rPr lang="en-US" sz="1400" dirty="0"/>
               <a:t> (2 Samuel 7), declaring that it is fulfilled in Jesus’ </a:t>
             </a:r>
             <a:r>
-              <a:rPr lang="en-US" sz="1400" b="1" kern="1200" dirty="0">
-                <a:solidFill>
-                  <a:schemeClr val="tx1"/>
-                </a:solidFill>
-                <a:effectLst/>
-                <a:latin typeface="+mn-lt"/>
-                <a:ea typeface="ＭＳ Ｐゴシック" pitchFamily="-106" charset="-128"/>
-                <a:cs typeface="ＭＳ Ｐゴシック" pitchFamily="-106" charset="-128"/>
-              </a:rPr>
+              <a:rPr lang="en-US" sz="1400" b="1" dirty="0"/>
               <a:t>resurrection and exaltation</a:t>
             </a:r>
             <a:r>
-              <a:rPr lang="en-US" sz="1400" kern="1200" dirty="0">
-                <a:solidFill>
-                  <a:schemeClr val="tx1"/>
-                </a:solidFill>
-                <a:effectLst/>
-                <a:latin typeface="+mn-lt"/>
-                <a:ea typeface="ＭＳ Ｐゴシック" pitchFamily="-106" charset="-128"/>
-                <a:cs typeface="ＭＳ Ｐゴシック" pitchFamily="-106" charset="-128"/>
-              </a:rPr>
+              <a:rPr lang="en-US" sz="1400" dirty="0"/>
               <a:t>.</a:t>
             </a:r>
           </a:p>
           <a:p>
-            <a:endParaRPr lang="en-US" sz="1400" b="1" kern="1200" dirty="0">
-              <a:solidFill>
-                <a:schemeClr val="tx1"/>
-              </a:solidFill>
-              <a:effectLst/>
-              <a:latin typeface="+mn-lt"/>
-              <a:ea typeface="ＭＳ Ｐゴシック" pitchFamily="-106" charset="-128"/>
-              <a:cs typeface="ＭＳ Ｐゴシック" pitchFamily="-106" charset="-128"/>
-            </a:endParaRPr>
-          </a:p>
-          <a:p>
-            <a:r>
-              <a:rPr lang="en-US" sz="1400" b="1" kern="1200" dirty="0">
-                <a:solidFill>
-                  <a:schemeClr val="tx1"/>
-                </a:solidFill>
-                <a:effectLst/>
-                <a:latin typeface="+mn-lt"/>
-                <a:ea typeface="ＭＳ Ｐゴシック" pitchFamily="-106" charset="-128"/>
-                <a:cs typeface="ＭＳ Ｐゴシック" pitchFamily="-106" charset="-128"/>
-              </a:rPr>
+            <a:endParaRPr lang="en-US" sz="1400" b="1" dirty="0"/>
+          </a:p>
+          <a:p>
+            <a:r>
+              <a:rPr lang="en-US" sz="1400" b="1" dirty="0"/>
               <a:t>9. Acts 7:45-46</a:t>
             </a:r>
-            <a:endParaRPr lang="en-US" sz="1400" kern="1200" dirty="0">
-              <a:solidFill>
-                <a:schemeClr val="tx1"/>
-              </a:solidFill>
-              <a:effectLst/>
-              <a:latin typeface="+mn-lt"/>
-              <a:ea typeface="ＭＳ Ｐゴシック" pitchFamily="-106" charset="-128"/>
-              <a:cs typeface="ＭＳ Ｐゴシック" pitchFamily="-106" charset="-128"/>
-            </a:endParaRPr>
-          </a:p>
-          <a:p>
-            <a:r>
-              <a:rPr lang="en-US" sz="1400" kern="1200" dirty="0">
-                <a:solidFill>
-                  <a:schemeClr val="tx1"/>
-                </a:solidFill>
-                <a:effectLst/>
-                <a:latin typeface="+mn-lt"/>
-                <a:ea typeface="ＭＳ Ｐゴシック" pitchFamily="-106" charset="-128"/>
-                <a:cs typeface="ＭＳ Ｐゴシック" pitchFamily="-106" charset="-128"/>
-              </a:rPr>
+            <a:endParaRPr lang="en-US" sz="1400" dirty="0"/>
+          </a:p>
+          <a:p>
+            <a:r>
+              <a:rPr lang="en-US" sz="1400" dirty="0"/>
               <a:t>“David … found favor in God’s sight and asked that he might find a dwelling place for the God of Jacob.”</a:t>
             </a:r>
           </a:p>
           <a:p>
             <a:pPr rtl="0" fontAlgn="ctr"/>
             <a:r>
-              <a:rPr lang="en-US" sz="1400" kern="1200" dirty="0">
-                <a:solidFill>
-                  <a:schemeClr val="tx1"/>
-                </a:solidFill>
-                <a:effectLst/>
-                <a:latin typeface="+mn-lt"/>
-                <a:ea typeface="ＭＳ Ｐゴシック" pitchFamily="-106" charset="-128"/>
-                <a:cs typeface="ＭＳ Ｐゴシック" pitchFamily="-106" charset="-128"/>
-              </a:rPr>
+              <a:rPr lang="en-US" sz="1400" dirty="0"/>
               <a:t>Stephen recalls David’s role in God’s redemptive plan - building context for </a:t>
             </a:r>
             <a:r>
-              <a:rPr lang="en-US" sz="1400" b="1" kern="1200" dirty="0">
-                <a:solidFill>
-                  <a:schemeClr val="tx1"/>
-                </a:solidFill>
-                <a:effectLst/>
-                <a:latin typeface="+mn-lt"/>
-                <a:ea typeface="ＭＳ Ｐゴシック" pitchFamily="-106" charset="-128"/>
-                <a:cs typeface="ＭＳ Ｐゴシック" pitchFamily="-106" charset="-128"/>
-              </a:rPr>
+              <a:rPr lang="en-US" sz="1400" b="1" dirty="0"/>
               <a:t>God’s covenant promise of an everlasting house</a:t>
             </a:r>
             <a:r>
-              <a:rPr lang="en-US" sz="1400" kern="1200" dirty="0">
-                <a:solidFill>
-                  <a:schemeClr val="tx1"/>
-                </a:solidFill>
-                <a:effectLst/>
-                <a:latin typeface="+mn-lt"/>
-                <a:ea typeface="ＭＳ Ｐゴシック" pitchFamily="-106" charset="-128"/>
-                <a:cs typeface="ＭＳ Ｐゴシック" pitchFamily="-106" charset="-128"/>
-              </a:rPr>
+              <a:rPr lang="en-US" sz="1400" dirty="0"/>
               <a:t>.</a:t>
             </a:r>
           </a:p>
           <a:p>
-            <a:endParaRPr lang="en-US" sz="1400" b="1" kern="1200" dirty="0">
-              <a:solidFill>
-                <a:schemeClr val="tx1"/>
-              </a:solidFill>
-              <a:effectLst/>
-              <a:latin typeface="+mn-lt"/>
-              <a:ea typeface="ＭＳ Ｐゴシック" pitchFamily="-106" charset="-128"/>
-              <a:cs typeface="ＭＳ Ｐゴシック" pitchFamily="-106" charset="-128"/>
-            </a:endParaRPr>
-          </a:p>
-          <a:p>
-            <a:r>
-              <a:rPr lang="en-US" sz="1400" b="1" kern="1200" dirty="0">
-                <a:solidFill>
-                  <a:schemeClr val="tx1"/>
-                </a:solidFill>
-                <a:effectLst/>
-                <a:latin typeface="+mn-lt"/>
-                <a:ea typeface="ＭＳ Ｐゴシック" pitchFamily="-106" charset="-128"/>
-                <a:cs typeface="ＭＳ Ｐゴシック" pitchFamily="-106" charset="-128"/>
-              </a:rPr>
+            <a:endParaRPr lang="en-US" sz="1400" b="1" dirty="0"/>
+          </a:p>
+          <a:p>
+            <a:r>
+              <a:rPr lang="en-US" sz="1400" b="1" dirty="0"/>
               <a:t>10. Acts 13:22-23</a:t>
             </a:r>
-            <a:endParaRPr lang="en-US" sz="1400" kern="1200" dirty="0">
-              <a:solidFill>
-                <a:schemeClr val="tx1"/>
-              </a:solidFill>
-              <a:effectLst/>
-              <a:latin typeface="+mn-lt"/>
-              <a:ea typeface="ＭＳ Ｐゴシック" pitchFamily="-106" charset="-128"/>
-              <a:cs typeface="ＭＳ Ｐゴシック" pitchFamily="-106" charset="-128"/>
-            </a:endParaRPr>
-          </a:p>
-          <a:p>
-            <a:r>
-              <a:rPr lang="en-US" sz="1400" kern="1200" dirty="0">
-                <a:solidFill>
-                  <a:schemeClr val="tx1"/>
-                </a:solidFill>
-                <a:effectLst/>
-                <a:latin typeface="+mn-lt"/>
-                <a:ea typeface="ＭＳ Ｐゴシック" pitchFamily="-106" charset="-128"/>
-                <a:cs typeface="ＭＳ Ｐゴシック" pitchFamily="-106" charset="-128"/>
-              </a:rPr>
+            <a:endParaRPr lang="en-US" sz="1400" dirty="0"/>
+          </a:p>
+          <a:p>
+            <a:r>
+              <a:rPr lang="en-US" sz="1400" dirty="0"/>
               <a:t>“From this man’s descendants God has brought to Israel the Savior Jesus, as he promised.”</a:t>
             </a:r>
           </a:p>
           <a:p>
             <a:pPr rtl="0" fontAlgn="ctr"/>
             <a:r>
-              <a:rPr lang="en-US" sz="1400" kern="1200" dirty="0">
-                <a:solidFill>
-                  <a:schemeClr val="tx1"/>
-                </a:solidFill>
-                <a:effectLst/>
-                <a:latin typeface="+mn-lt"/>
-                <a:ea typeface="ＭＳ Ｐゴシック" pitchFamily="-106" charset="-128"/>
-                <a:cs typeface="ＭＳ Ｐゴシック" pitchFamily="-106" charset="-128"/>
-              </a:rPr>
+              <a:rPr lang="en-US" sz="1400" dirty="0"/>
               <a:t>Paul explicitly ties </a:t>
             </a:r>
             <a:r>
-              <a:rPr lang="en-US" sz="1400" b="1" kern="1200" dirty="0">
-                <a:solidFill>
-                  <a:schemeClr val="tx1"/>
-                </a:solidFill>
-                <a:effectLst/>
-                <a:latin typeface="+mn-lt"/>
-                <a:ea typeface="ＭＳ Ｐゴシック" pitchFamily="-106" charset="-128"/>
-                <a:cs typeface="ＭＳ Ｐゴシック" pitchFamily="-106" charset="-128"/>
-              </a:rPr>
+              <a:rPr lang="en-US" sz="1400" b="1" dirty="0"/>
               <a:t>the promise to David</a:t>
             </a:r>
             <a:r>
-              <a:rPr lang="en-US" sz="1400" kern="1200" dirty="0">
-                <a:solidFill>
-                  <a:schemeClr val="tx1"/>
-                </a:solidFill>
-                <a:effectLst/>
-                <a:latin typeface="+mn-lt"/>
-                <a:ea typeface="ＭＳ Ｐゴシック" pitchFamily="-106" charset="-128"/>
-                <a:cs typeface="ＭＳ Ｐゴシック" pitchFamily="-106" charset="-128"/>
-              </a:rPr>
+              <a:rPr lang="en-US" sz="1400" dirty="0"/>
               <a:t> with the arrival of Jesus, affirming continuity from covenant to Christ.</a:t>
             </a:r>
           </a:p>
           <a:p>
-            <a:endParaRPr lang="en-US" sz="1400" b="1" kern="1200" dirty="0">
-              <a:solidFill>
-                <a:schemeClr val="tx1"/>
-              </a:solidFill>
-              <a:effectLst/>
-              <a:latin typeface="+mn-lt"/>
-              <a:ea typeface="ＭＳ Ｐゴシック" pitchFamily="-106" charset="-128"/>
-              <a:cs typeface="ＭＳ Ｐゴシック" pitchFamily="-106" charset="-128"/>
-            </a:endParaRPr>
-          </a:p>
-          <a:p>
-            <a:r>
-              <a:rPr lang="en-US" sz="1400" b="1" kern="1200" dirty="0">
-                <a:solidFill>
-                  <a:schemeClr val="tx1"/>
-                </a:solidFill>
-                <a:effectLst/>
-                <a:latin typeface="+mn-lt"/>
-                <a:ea typeface="ＭＳ Ｐゴシック" pitchFamily="-106" charset="-128"/>
-                <a:cs typeface="ＭＳ Ｐゴシック" pitchFamily="-106" charset="-128"/>
-              </a:rPr>
+            <a:endParaRPr lang="en-US" sz="1400" b="1" dirty="0"/>
+          </a:p>
+          <a:p>
+            <a:r>
+              <a:rPr lang="en-US" sz="1400" b="1" dirty="0"/>
               <a:t>11. Acts 13:32-34</a:t>
             </a:r>
-            <a:endParaRPr lang="en-US" sz="1400" kern="1200" dirty="0">
-              <a:solidFill>
-                <a:schemeClr val="tx1"/>
-              </a:solidFill>
-              <a:effectLst/>
-              <a:latin typeface="+mn-lt"/>
-              <a:ea typeface="ＭＳ Ｐゴシック" pitchFamily="-106" charset="-128"/>
-              <a:cs typeface="ＭＳ Ｐゴシック" pitchFamily="-106" charset="-128"/>
-            </a:endParaRPr>
-          </a:p>
-          <a:p>
-            <a:r>
-              <a:rPr lang="en-US" sz="1400" kern="1200" dirty="0">
-                <a:solidFill>
-                  <a:schemeClr val="tx1"/>
-                </a:solidFill>
-                <a:effectLst/>
-                <a:latin typeface="+mn-lt"/>
-                <a:ea typeface="ＭＳ Ｐゴシック" pitchFamily="-106" charset="-128"/>
-                <a:cs typeface="ＭＳ Ｐゴシック" pitchFamily="-106" charset="-128"/>
-              </a:rPr>
+            <a:endParaRPr lang="en-US" sz="1400" dirty="0"/>
+          </a:p>
+          <a:p>
+            <a:r>
+              <a:rPr lang="en-US" sz="1400" dirty="0"/>
               <a:t>“What God promised to the fathers he has fulfilled to us their children by raising Jesus… as it is written in the second Psalm… ‘I will give you the holy and sure blessings of David.’”</a:t>
             </a:r>
           </a:p>
           <a:p>
             <a:pPr rtl="0" fontAlgn="ctr"/>
             <a:r>
-              <a:rPr lang="en-US" sz="1400" kern="1200" dirty="0">
-                <a:solidFill>
-                  <a:schemeClr val="tx1"/>
-                </a:solidFill>
-                <a:effectLst/>
-                <a:latin typeface="+mn-lt"/>
-                <a:ea typeface="ＭＳ Ｐゴシック" pitchFamily="-106" charset="-128"/>
-                <a:cs typeface="ＭＳ Ｐゴシック" pitchFamily="-106" charset="-128"/>
-              </a:rPr>
+              <a:rPr lang="en-US" sz="1400" dirty="0"/>
               <a:t>Paul quotes </a:t>
             </a:r>
             <a:r>
-              <a:rPr lang="en-US" sz="1400" b="1" kern="1200" dirty="0">
-                <a:solidFill>
-                  <a:schemeClr val="tx1"/>
-                </a:solidFill>
-                <a:effectLst/>
-                <a:latin typeface="+mn-lt"/>
-                <a:ea typeface="ＭＳ Ｐゴシック" pitchFamily="-106" charset="-128"/>
-                <a:cs typeface="ＭＳ Ｐゴシック" pitchFamily="-106" charset="-128"/>
-              </a:rPr>
+              <a:rPr lang="en-US" sz="1400" b="1" dirty="0"/>
               <a:t>Psalm 2</a:t>
             </a:r>
             <a:r>
-              <a:rPr lang="en-US" sz="1400" kern="1200" dirty="0">
-                <a:solidFill>
-                  <a:schemeClr val="tx1"/>
-                </a:solidFill>
-                <a:effectLst/>
-                <a:latin typeface="+mn-lt"/>
-                <a:ea typeface="ＭＳ Ｐゴシック" pitchFamily="-106" charset="-128"/>
-                <a:cs typeface="ＭＳ Ｐゴシック" pitchFamily="-106" charset="-128"/>
-              </a:rPr>
+              <a:rPr lang="en-US" sz="1400" dirty="0"/>
               <a:t> and </a:t>
             </a:r>
             <a:r>
-              <a:rPr lang="en-US" sz="1400" b="1" kern="1200" dirty="0">
-                <a:solidFill>
-                  <a:schemeClr val="tx1"/>
-                </a:solidFill>
-                <a:effectLst/>
-                <a:latin typeface="+mn-lt"/>
-                <a:ea typeface="ＭＳ Ｐゴシック" pitchFamily="-106" charset="-128"/>
-                <a:cs typeface="ＭＳ Ｐゴシック" pitchFamily="-106" charset="-128"/>
-              </a:rPr>
+              <a:rPr lang="en-US" sz="1400" b="1" dirty="0"/>
               <a:t>Isaiah 55:3</a:t>
             </a:r>
             <a:r>
-              <a:rPr lang="en-US" sz="1400" kern="1200" dirty="0">
-                <a:solidFill>
-                  <a:schemeClr val="tx1"/>
-                </a:solidFill>
-                <a:effectLst/>
-                <a:latin typeface="+mn-lt"/>
-                <a:ea typeface="ＭＳ Ｐゴシック" pitchFamily="-106" charset="-128"/>
-                <a:cs typeface="ＭＳ Ｐゴシック" pitchFamily="-106" charset="-128"/>
-              </a:rPr>
+              <a:rPr lang="en-US" sz="1400" dirty="0"/>
               <a:t>, identifying Jesus’ </a:t>
             </a:r>
             <a:r>
-              <a:rPr lang="en-US" sz="1400" b="1" kern="1200" dirty="0">
-                <a:solidFill>
-                  <a:schemeClr val="tx1"/>
-                </a:solidFill>
-                <a:effectLst/>
-                <a:latin typeface="+mn-lt"/>
-                <a:ea typeface="ＭＳ Ｐゴシック" pitchFamily="-106" charset="-128"/>
-                <a:cs typeface="ＭＳ Ｐゴシック" pitchFamily="-106" charset="-128"/>
-              </a:rPr>
+              <a:rPr lang="en-US" sz="1400" b="1" dirty="0"/>
               <a:t>resurrection as the confirmation</a:t>
             </a:r>
             <a:r>
-              <a:rPr lang="en-US" sz="1400" kern="1200" dirty="0">
-                <a:solidFill>
-                  <a:schemeClr val="tx1"/>
-                </a:solidFill>
-                <a:effectLst/>
-                <a:latin typeface="+mn-lt"/>
-                <a:ea typeface="ＭＳ Ｐゴシック" pitchFamily="-106" charset="-128"/>
-                <a:cs typeface="ＭＳ Ｐゴシック" pitchFamily="-106" charset="-128"/>
-              </a:rPr>
+              <a:rPr lang="en-US" sz="1400" dirty="0"/>
               <a:t> of God’s “sure mercies of David.”</a:t>
             </a:r>
           </a:p>
           <a:p>
-            <a:endParaRPr lang="en-US" sz="1400" b="1" kern="1200" dirty="0">
-              <a:solidFill>
-                <a:schemeClr val="tx1"/>
-              </a:solidFill>
-              <a:effectLst/>
-              <a:latin typeface="+mn-lt"/>
-              <a:ea typeface="ＭＳ Ｐゴシック" pitchFamily="-106" charset="-128"/>
-              <a:cs typeface="ＭＳ Ｐゴシック" pitchFamily="-106" charset="-128"/>
-            </a:endParaRPr>
-          </a:p>
-          <a:p>
-            <a:r>
-              <a:rPr lang="en-US" sz="1400" b="1" kern="1200" dirty="0">
-                <a:solidFill>
-                  <a:schemeClr val="tx1"/>
-                </a:solidFill>
-                <a:effectLst/>
-                <a:latin typeface="+mn-lt"/>
-                <a:ea typeface="ＭＳ Ｐゴシック" pitchFamily="-106" charset="-128"/>
-                <a:cs typeface="ＭＳ Ｐゴシック" pitchFamily="-106" charset="-128"/>
-              </a:rPr>
+            <a:endParaRPr lang="en-US" sz="1400" b="1" dirty="0"/>
+          </a:p>
+          <a:p>
+            <a:r>
+              <a:rPr lang="en-US" sz="1400" b="1" dirty="0"/>
               <a:t>12. Acts 15:15-17</a:t>
             </a:r>
-            <a:endParaRPr lang="en-US" sz="1400" kern="1200" dirty="0">
-              <a:solidFill>
-                <a:schemeClr val="tx1"/>
-              </a:solidFill>
-              <a:effectLst/>
-              <a:latin typeface="+mn-lt"/>
-              <a:ea typeface="ＭＳ Ｐゴシック" pitchFamily="-106" charset="-128"/>
-              <a:cs typeface="ＭＳ Ｐゴシック" pitchFamily="-106" charset="-128"/>
-            </a:endParaRPr>
-          </a:p>
-          <a:p>
-            <a:r>
-              <a:rPr lang="en-US" sz="1400" kern="1200" dirty="0">
-                <a:solidFill>
-                  <a:schemeClr val="tx1"/>
-                </a:solidFill>
-                <a:effectLst/>
-                <a:latin typeface="+mn-lt"/>
-                <a:ea typeface="ＭＳ Ｐゴシック" pitchFamily="-106" charset="-128"/>
-                <a:cs typeface="ＭＳ Ｐゴシック" pitchFamily="-106" charset="-128"/>
-              </a:rPr>
+            <a:endParaRPr lang="en-US" sz="1400" dirty="0"/>
+          </a:p>
+          <a:p>
+            <a:r>
+              <a:rPr lang="en-US" sz="1400" dirty="0"/>
               <a:t>James quotes </a:t>
             </a:r>
             <a:r>
-              <a:rPr lang="en-US" sz="1400" b="1" kern="1200" dirty="0">
-                <a:solidFill>
-                  <a:schemeClr val="tx1"/>
-                </a:solidFill>
-                <a:effectLst/>
-                <a:latin typeface="+mn-lt"/>
-                <a:ea typeface="ＭＳ Ｐゴシック" pitchFamily="-106" charset="-128"/>
-                <a:cs typeface="ＭＳ Ｐゴシック" pitchFamily="-106" charset="-128"/>
-              </a:rPr>
+              <a:rPr lang="en-US" sz="1400" b="1" dirty="0"/>
               <a:t>Amos 9:11-12</a:t>
             </a:r>
             <a:r>
-              <a:rPr lang="en-US" sz="1400" kern="1200" dirty="0">
-                <a:solidFill>
-                  <a:schemeClr val="tx1"/>
-                </a:solidFill>
-                <a:effectLst/>
-                <a:latin typeface="+mn-lt"/>
-                <a:ea typeface="ＭＳ Ｐゴシック" pitchFamily="-106" charset="-128"/>
-                <a:cs typeface="ＭＳ Ｐゴシック" pitchFamily="-106" charset="-128"/>
-              </a:rPr>
+              <a:rPr lang="en-US" sz="1400" dirty="0"/>
               <a:t> -</a:t>
             </a:r>
           </a:p>
           <a:p>
             <a:r>
-              <a:rPr lang="en-US" sz="1400" kern="1200" dirty="0">
-                <a:solidFill>
-                  <a:schemeClr val="tx1"/>
-                </a:solidFill>
-                <a:effectLst/>
-                <a:latin typeface="+mn-lt"/>
-                <a:ea typeface="ＭＳ Ｐゴシック" pitchFamily="-106" charset="-128"/>
-                <a:cs typeface="ＭＳ Ｐゴシック" pitchFamily="-106" charset="-128"/>
-              </a:rPr>
+              <a:rPr lang="en-US" sz="1400" dirty="0"/>
               <a:t>“After this I will return and rebuild David’s fallen tent…”</a:t>
             </a:r>
           </a:p>
           <a:p>
             <a:pPr rtl="0" fontAlgn="ctr"/>
             <a:r>
-              <a:rPr lang="en-US" sz="1400" kern="1200" dirty="0">
-                <a:solidFill>
-                  <a:schemeClr val="tx1"/>
-                </a:solidFill>
-                <a:effectLst/>
-                <a:latin typeface="+mn-lt"/>
-                <a:ea typeface="ＭＳ Ｐゴシック" pitchFamily="-106" charset="-128"/>
-                <a:cs typeface="ＭＳ Ｐゴシック" pitchFamily="-106" charset="-128"/>
-              </a:rPr>
+              <a:rPr lang="en-US" sz="1400" dirty="0"/>
               <a:t>The early Church sees Gentile inclusion as part of the </a:t>
             </a:r>
             <a:r>
-              <a:rPr lang="en-US" sz="1400" b="1" kern="1200" dirty="0">
-                <a:solidFill>
-                  <a:schemeClr val="tx1"/>
-                </a:solidFill>
-                <a:effectLst/>
-                <a:latin typeface="+mn-lt"/>
-                <a:ea typeface="ＭＳ Ｐゴシック" pitchFamily="-106" charset="-128"/>
-                <a:cs typeface="ＭＳ Ｐゴシック" pitchFamily="-106" charset="-128"/>
-              </a:rPr>
+              <a:rPr lang="en-US" sz="1400" b="1" dirty="0"/>
               <a:t>restoration of David’s kingdom</a:t>
             </a:r>
             <a:r>
-              <a:rPr lang="en-US" sz="1400" kern="1200" dirty="0">
-                <a:solidFill>
-                  <a:schemeClr val="tx1"/>
-                </a:solidFill>
-                <a:effectLst/>
-                <a:latin typeface="+mn-lt"/>
-                <a:ea typeface="ＭＳ Ｐゴシック" pitchFamily="-106" charset="-128"/>
-                <a:cs typeface="ＭＳ Ｐゴシック" pitchFamily="-106" charset="-128"/>
-              </a:rPr>
+              <a:rPr lang="en-US" sz="1400" dirty="0"/>
               <a:t> through Jesus the Messiah.</a:t>
             </a:r>
           </a:p>
@@ -7757,511 +4005,183 @@
           <a:lstStyle/>
           <a:p>
             <a:r>
-              <a:rPr lang="en-US" sz="1400" b="1" kern="1200" dirty="0">
-                <a:solidFill>
-                  <a:schemeClr val="tx1"/>
-                </a:solidFill>
-                <a:effectLst/>
-                <a:latin typeface="+mn-lt"/>
-                <a:ea typeface="ＭＳ Ｐゴシック" pitchFamily="-106" charset="-128"/>
-                <a:cs typeface="ＭＳ Ｐゴシック" pitchFamily="-106" charset="-128"/>
-              </a:rPr>
+              <a:rPr lang="en-US" sz="1400" b="1" dirty="0"/>
               <a:t>EPISTLE REFERENCES</a:t>
             </a:r>
-            <a:endParaRPr lang="en-US" sz="1400" kern="1200" dirty="0">
-              <a:solidFill>
-                <a:schemeClr val="tx1"/>
-              </a:solidFill>
-              <a:effectLst/>
-              <a:latin typeface="+mn-lt"/>
-              <a:ea typeface="ＭＳ Ｐゴシック" pitchFamily="-106" charset="-128"/>
-              <a:cs typeface="ＭＳ Ｐゴシック" pitchFamily="-106" charset="-128"/>
-            </a:endParaRPr>
-          </a:p>
-          <a:p>
-            <a:endParaRPr lang="en-US" sz="1400" b="1" kern="1200" dirty="0">
-              <a:solidFill>
-                <a:schemeClr val="tx1"/>
-              </a:solidFill>
-              <a:effectLst/>
-              <a:latin typeface="+mn-lt"/>
-              <a:ea typeface="ＭＳ Ｐゴシック" pitchFamily="-106" charset="-128"/>
-              <a:cs typeface="ＭＳ Ｐゴシック" pitchFamily="-106" charset="-128"/>
-            </a:endParaRPr>
-          </a:p>
-          <a:p>
-            <a:r>
-              <a:rPr lang="en-US" sz="1400" b="1" kern="1200" dirty="0">
-                <a:solidFill>
-                  <a:schemeClr val="tx1"/>
-                </a:solidFill>
-                <a:effectLst/>
-                <a:latin typeface="+mn-lt"/>
-                <a:ea typeface="ＭＳ Ｐゴシック" pitchFamily="-106" charset="-128"/>
-                <a:cs typeface="ＭＳ Ｐゴシック" pitchFamily="-106" charset="-128"/>
-              </a:rPr>
+            <a:endParaRPr lang="en-US" sz="1400" dirty="0"/>
+          </a:p>
+          <a:p>
+            <a:endParaRPr lang="en-US" sz="1400" b="1" dirty="0"/>
+          </a:p>
+          <a:p>
+            <a:r>
+              <a:rPr lang="en-US" sz="1400" b="1" dirty="0"/>
               <a:t>13. Romans 1:3-4</a:t>
             </a:r>
-            <a:endParaRPr lang="en-US" sz="1400" kern="1200" dirty="0">
-              <a:solidFill>
-                <a:schemeClr val="tx1"/>
-              </a:solidFill>
-              <a:effectLst/>
-              <a:latin typeface="+mn-lt"/>
-              <a:ea typeface="ＭＳ Ｐゴシック" pitchFamily="-106" charset="-128"/>
-              <a:cs typeface="ＭＳ Ｐゴシック" pitchFamily="-106" charset="-128"/>
-            </a:endParaRPr>
-          </a:p>
-          <a:p>
-            <a:r>
-              <a:rPr lang="en-US" sz="1400" kern="1200" dirty="0">
-                <a:solidFill>
-                  <a:schemeClr val="tx1"/>
-                </a:solidFill>
-                <a:effectLst/>
-                <a:latin typeface="+mn-lt"/>
-                <a:ea typeface="ＭＳ Ｐゴシック" pitchFamily="-106" charset="-128"/>
-                <a:cs typeface="ＭＳ Ｐゴシック" pitchFamily="-106" charset="-128"/>
-              </a:rPr>
+            <a:endParaRPr lang="en-US" sz="1400" dirty="0"/>
+          </a:p>
+          <a:p>
+            <a:r>
+              <a:rPr lang="en-US" sz="1400" dirty="0"/>
               <a:t>“Concerning his Son, who was descended from David according to the flesh and declared to be the Son of God in power by his resurrection.”</a:t>
             </a:r>
           </a:p>
           <a:p>
             <a:pPr rtl="0" fontAlgn="ctr"/>
             <a:r>
-              <a:rPr lang="en-US" sz="1400" kern="1200" dirty="0">
-                <a:solidFill>
-                  <a:schemeClr val="tx1"/>
-                </a:solidFill>
-                <a:effectLst/>
-                <a:latin typeface="+mn-lt"/>
-                <a:ea typeface="ＭＳ Ｐゴシック" pitchFamily="-106" charset="-128"/>
-                <a:cs typeface="ＭＳ Ｐゴシック" pitchFamily="-106" charset="-128"/>
-              </a:rPr>
+              <a:rPr lang="en-US" sz="1400" dirty="0"/>
               <a:t>Paul links Jesus’ </a:t>
             </a:r>
             <a:r>
-              <a:rPr lang="en-US" sz="1400" b="1" kern="1200" dirty="0">
-                <a:solidFill>
-                  <a:schemeClr val="tx1"/>
-                </a:solidFill>
-                <a:effectLst/>
-                <a:latin typeface="+mn-lt"/>
-                <a:ea typeface="ＭＳ Ｐゴシック" pitchFamily="-106" charset="-128"/>
-                <a:cs typeface="ＭＳ Ｐゴシック" pitchFamily="-106" charset="-128"/>
-              </a:rPr>
+              <a:rPr lang="en-US" sz="1400" b="1" dirty="0"/>
               <a:t>Davidic descent</a:t>
             </a:r>
             <a:r>
-              <a:rPr lang="en-US" sz="1400" kern="1200" dirty="0">
-                <a:solidFill>
-                  <a:schemeClr val="tx1"/>
-                </a:solidFill>
-                <a:effectLst/>
-                <a:latin typeface="+mn-lt"/>
-                <a:ea typeface="ＭＳ Ｐゴシック" pitchFamily="-106" charset="-128"/>
-                <a:cs typeface="ＭＳ Ｐゴシック" pitchFamily="-106" charset="-128"/>
-              </a:rPr>
+              <a:rPr lang="en-US" sz="1400" dirty="0"/>
               <a:t> (fulfilling the covenant promise) with His divine sonship confirmed by resurrection.</a:t>
             </a:r>
           </a:p>
           <a:p>
-            <a:endParaRPr lang="en-US" sz="1400" b="1" kern="1200" dirty="0">
-              <a:solidFill>
-                <a:schemeClr val="tx1"/>
-              </a:solidFill>
-              <a:effectLst/>
-              <a:latin typeface="+mn-lt"/>
-              <a:ea typeface="ＭＳ Ｐゴシック" pitchFamily="-106" charset="-128"/>
-              <a:cs typeface="ＭＳ Ｐゴシック" pitchFamily="-106" charset="-128"/>
-            </a:endParaRPr>
-          </a:p>
-          <a:p>
-            <a:r>
-              <a:rPr lang="en-US" sz="1400" b="1" kern="1200" dirty="0">
-                <a:solidFill>
-                  <a:schemeClr val="tx1"/>
-                </a:solidFill>
-                <a:effectLst/>
-                <a:latin typeface="+mn-lt"/>
-                <a:ea typeface="ＭＳ Ｐゴシック" pitchFamily="-106" charset="-128"/>
-                <a:cs typeface="ＭＳ Ｐゴシック" pitchFamily="-106" charset="-128"/>
-              </a:rPr>
+            <a:endParaRPr lang="en-US" sz="1400" b="1" dirty="0"/>
+          </a:p>
+          <a:p>
+            <a:r>
+              <a:rPr lang="en-US" sz="1400" b="1" dirty="0"/>
               <a:t>14. Romans 15:12</a:t>
             </a:r>
-            <a:endParaRPr lang="en-US" sz="1400" kern="1200" dirty="0">
-              <a:solidFill>
-                <a:schemeClr val="tx1"/>
-              </a:solidFill>
-              <a:effectLst/>
-              <a:latin typeface="+mn-lt"/>
-              <a:ea typeface="ＭＳ Ｐゴシック" pitchFamily="-106" charset="-128"/>
-              <a:cs typeface="ＭＳ Ｐゴシック" pitchFamily="-106" charset="-128"/>
-            </a:endParaRPr>
-          </a:p>
-          <a:p>
-            <a:r>
-              <a:rPr lang="en-US" sz="1400" kern="1200" dirty="0">
-                <a:solidFill>
-                  <a:schemeClr val="tx1"/>
-                </a:solidFill>
-                <a:effectLst/>
-                <a:latin typeface="+mn-lt"/>
-                <a:ea typeface="ＭＳ Ｐゴシック" pitchFamily="-106" charset="-128"/>
-                <a:cs typeface="ＭＳ Ｐゴシック" pitchFamily="-106" charset="-128"/>
-              </a:rPr>
+            <a:endParaRPr lang="en-US" sz="1400" dirty="0"/>
+          </a:p>
+          <a:p>
+            <a:r>
+              <a:rPr lang="en-US" sz="1400" dirty="0"/>
               <a:t>Paul quotes </a:t>
             </a:r>
             <a:r>
-              <a:rPr lang="en-US" sz="1400" b="1" kern="1200" dirty="0">
-                <a:solidFill>
-                  <a:schemeClr val="tx1"/>
-                </a:solidFill>
-                <a:effectLst/>
-                <a:latin typeface="+mn-lt"/>
-                <a:ea typeface="ＭＳ Ｐゴシック" pitchFamily="-106" charset="-128"/>
-                <a:cs typeface="ＭＳ Ｐゴシック" pitchFamily="-106" charset="-128"/>
-              </a:rPr>
+              <a:rPr lang="en-US" sz="1400" b="1" dirty="0"/>
               <a:t>Isaiah 11:10</a:t>
             </a:r>
             <a:r>
-              <a:rPr lang="en-US" sz="1400" kern="1200" dirty="0">
-                <a:solidFill>
-                  <a:schemeClr val="tx1"/>
-                </a:solidFill>
-                <a:effectLst/>
-                <a:latin typeface="+mn-lt"/>
-                <a:ea typeface="ＭＳ Ｐゴシック" pitchFamily="-106" charset="-128"/>
-                <a:cs typeface="ＭＳ Ｐゴシック" pitchFamily="-106" charset="-128"/>
-              </a:rPr>
+              <a:rPr lang="en-US" sz="1400" dirty="0"/>
               <a:t> -</a:t>
             </a:r>
           </a:p>
           <a:p>
             <a:r>
-              <a:rPr lang="en-US" sz="1400" kern="1200" dirty="0">
-                <a:solidFill>
-                  <a:schemeClr val="tx1"/>
-                </a:solidFill>
-                <a:effectLst/>
-                <a:latin typeface="+mn-lt"/>
-                <a:ea typeface="ＭＳ Ｐゴシック" pitchFamily="-106" charset="-128"/>
-                <a:cs typeface="ＭＳ Ｐゴシック" pitchFamily="-106" charset="-128"/>
-              </a:rPr>
+              <a:rPr lang="en-US" sz="1400" dirty="0"/>
               <a:t>“The Root of Jesse will spring up, one who will arise to rule over the nations.”</a:t>
             </a:r>
           </a:p>
           <a:p>
             <a:pPr rtl="0" fontAlgn="ctr"/>
             <a:r>
-              <a:rPr lang="en-US" sz="1400" kern="1200" dirty="0">
-                <a:solidFill>
-                  <a:schemeClr val="tx1"/>
-                </a:solidFill>
-                <a:effectLst/>
-                <a:latin typeface="+mn-lt"/>
-                <a:ea typeface="ＭＳ Ｐゴシック" pitchFamily="-106" charset="-128"/>
-                <a:cs typeface="ＭＳ Ｐゴシック" pitchFamily="-106" charset="-128"/>
-              </a:rPr>
+              <a:rPr lang="en-US" sz="1400" dirty="0"/>
               <a:t>The </a:t>
             </a:r>
             <a:r>
-              <a:rPr lang="en-US" sz="1400" b="1" kern="1200" dirty="0">
-                <a:solidFill>
-                  <a:schemeClr val="tx1"/>
-                </a:solidFill>
-                <a:effectLst/>
-                <a:latin typeface="+mn-lt"/>
-                <a:ea typeface="ＭＳ Ｐゴシック" pitchFamily="-106" charset="-128"/>
-                <a:cs typeface="ＭＳ Ｐゴシック" pitchFamily="-106" charset="-128"/>
-              </a:rPr>
+              <a:rPr lang="en-US" sz="1400" b="1" dirty="0"/>
               <a:t>Root of Jesse (David’s father)</a:t>
             </a:r>
             <a:r>
-              <a:rPr lang="en-US" sz="1400" kern="1200" dirty="0">
-                <a:solidFill>
-                  <a:schemeClr val="tx1"/>
-                </a:solidFill>
-                <a:effectLst/>
-                <a:latin typeface="+mn-lt"/>
-                <a:ea typeface="ＭＳ Ｐゴシック" pitchFamily="-106" charset="-128"/>
-                <a:cs typeface="ＭＳ Ｐゴシック" pitchFamily="-106" charset="-128"/>
-              </a:rPr>
+              <a:rPr lang="en-US" sz="1400" dirty="0"/>
               <a:t> is a direct prophetic title for the Messiah, showing that Christ’s reign fulfills the Davidic hope.</a:t>
             </a:r>
           </a:p>
           <a:p>
-            <a:endParaRPr lang="en-US" sz="1400" b="1" kern="1200" dirty="0">
-              <a:solidFill>
-                <a:schemeClr val="tx1"/>
-              </a:solidFill>
-              <a:effectLst/>
-              <a:latin typeface="+mn-lt"/>
-              <a:ea typeface="ＭＳ Ｐゴシック" pitchFamily="-106" charset="-128"/>
-              <a:cs typeface="ＭＳ Ｐゴシック" pitchFamily="-106" charset="-128"/>
-            </a:endParaRPr>
-          </a:p>
-          <a:p>
-            <a:r>
-              <a:rPr lang="en-US" sz="1400" b="1" kern="1200" dirty="0">
-                <a:solidFill>
-                  <a:schemeClr val="tx1"/>
-                </a:solidFill>
-                <a:effectLst/>
-                <a:latin typeface="+mn-lt"/>
-                <a:ea typeface="ＭＳ Ｐゴシック" pitchFamily="-106" charset="-128"/>
-                <a:cs typeface="ＭＳ Ｐゴシック" pitchFamily="-106" charset="-128"/>
-              </a:rPr>
+            <a:endParaRPr lang="en-US" sz="1400" b="1" dirty="0"/>
+          </a:p>
+          <a:p>
+            <a:r>
+              <a:rPr lang="en-US" sz="1400" b="1" dirty="0"/>
               <a:t>15. 2 Timothy 2:8</a:t>
             </a:r>
-            <a:endParaRPr lang="en-US" sz="1400" kern="1200" dirty="0">
-              <a:solidFill>
-                <a:schemeClr val="tx1"/>
-              </a:solidFill>
-              <a:effectLst/>
-              <a:latin typeface="+mn-lt"/>
-              <a:ea typeface="ＭＳ Ｐゴシック" pitchFamily="-106" charset="-128"/>
-              <a:cs typeface="ＭＳ Ｐゴシック" pitchFamily="-106" charset="-128"/>
-            </a:endParaRPr>
-          </a:p>
-          <a:p>
-            <a:r>
-              <a:rPr lang="en-US" sz="1400" kern="1200" dirty="0">
-                <a:solidFill>
-                  <a:schemeClr val="tx1"/>
-                </a:solidFill>
-                <a:effectLst/>
-                <a:latin typeface="+mn-lt"/>
-                <a:ea typeface="ＭＳ Ｐゴシック" pitchFamily="-106" charset="-128"/>
-                <a:cs typeface="ＭＳ Ｐゴシック" pitchFamily="-106" charset="-128"/>
-              </a:rPr>
+            <a:endParaRPr lang="en-US" sz="1400" dirty="0"/>
+          </a:p>
+          <a:p>
+            <a:r>
+              <a:rPr lang="en-US" sz="1400" dirty="0"/>
               <a:t>“Remember Jesus Christ, raised from the dead, descended from David. This is my gospel.”</a:t>
             </a:r>
           </a:p>
           <a:p>
             <a:pPr rtl="0" fontAlgn="ctr"/>
             <a:r>
-              <a:rPr lang="en-US" sz="1400" kern="1200" dirty="0">
-                <a:solidFill>
-                  <a:schemeClr val="tx1"/>
-                </a:solidFill>
-                <a:effectLst/>
-                <a:latin typeface="+mn-lt"/>
-                <a:ea typeface="ＭＳ Ｐゴシック" pitchFamily="-106" charset="-128"/>
-                <a:cs typeface="ＭＳ Ｐゴシック" pitchFamily="-106" charset="-128"/>
-              </a:rPr>
+              <a:rPr lang="en-US" sz="1400" dirty="0"/>
               <a:t>The </a:t>
             </a:r>
             <a:r>
-              <a:rPr lang="en-US" sz="1400" b="1" kern="1200" dirty="0">
-                <a:solidFill>
-                  <a:schemeClr val="tx1"/>
-                </a:solidFill>
-                <a:effectLst/>
-                <a:latin typeface="+mn-lt"/>
-                <a:ea typeface="ＭＳ Ｐゴシック" pitchFamily="-106" charset="-128"/>
-                <a:cs typeface="ＭＳ Ｐゴシック" pitchFamily="-106" charset="-128"/>
-              </a:rPr>
+              <a:rPr lang="en-US" sz="1400" b="1" dirty="0"/>
               <a:t>Davidic descent of Jesus</a:t>
             </a:r>
             <a:r>
-              <a:rPr lang="en-US" sz="1400" kern="1200" dirty="0">
-                <a:solidFill>
-                  <a:schemeClr val="tx1"/>
-                </a:solidFill>
-                <a:effectLst/>
-                <a:latin typeface="+mn-lt"/>
-                <a:ea typeface="ＭＳ Ｐゴシック" pitchFamily="-106" charset="-128"/>
-                <a:cs typeface="ＭＳ Ｐゴシック" pitchFamily="-106" charset="-128"/>
-              </a:rPr>
+              <a:rPr lang="en-US" sz="1400" dirty="0"/>
               <a:t> is essential to the gospel itself - it testifies to God’s faithfulness to His covenant promise.</a:t>
             </a:r>
           </a:p>
           <a:p>
-            <a:endParaRPr lang="en-US" sz="1400" b="1" kern="1200" dirty="0">
-              <a:solidFill>
-                <a:schemeClr val="tx1"/>
-              </a:solidFill>
-              <a:effectLst/>
-              <a:latin typeface="+mn-lt"/>
-              <a:ea typeface="ＭＳ Ｐゴシック" pitchFamily="-106" charset="-128"/>
-              <a:cs typeface="ＭＳ Ｐゴシック" pitchFamily="-106" charset="-128"/>
-            </a:endParaRPr>
-          </a:p>
-          <a:p>
-            <a:r>
-              <a:rPr lang="en-US" sz="1400" b="1" kern="1200" dirty="0">
-                <a:solidFill>
-                  <a:schemeClr val="tx1"/>
-                </a:solidFill>
-                <a:effectLst/>
-                <a:latin typeface="+mn-lt"/>
-                <a:ea typeface="ＭＳ Ｐゴシック" pitchFamily="-106" charset="-128"/>
-                <a:cs typeface="ＭＳ Ｐゴシック" pitchFamily="-106" charset="-128"/>
-              </a:rPr>
+            <a:endParaRPr lang="en-US" sz="1400" b="1" dirty="0"/>
+          </a:p>
+          <a:p>
+            <a:r>
+              <a:rPr lang="en-US" sz="1400" b="1" dirty="0"/>
               <a:t>16. Hebrews 1:5</a:t>
             </a:r>
-            <a:endParaRPr lang="en-US" sz="1400" kern="1200" dirty="0">
-              <a:solidFill>
-                <a:schemeClr val="tx1"/>
-              </a:solidFill>
-              <a:effectLst/>
-              <a:latin typeface="+mn-lt"/>
-              <a:ea typeface="ＭＳ Ｐゴシック" pitchFamily="-106" charset="-128"/>
-              <a:cs typeface="ＭＳ Ｐゴシック" pitchFamily="-106" charset="-128"/>
-            </a:endParaRPr>
-          </a:p>
-          <a:p>
-            <a:r>
-              <a:rPr lang="en-US" sz="1400" kern="1200" dirty="0">
-                <a:solidFill>
-                  <a:schemeClr val="tx1"/>
-                </a:solidFill>
-                <a:effectLst/>
-                <a:latin typeface="+mn-lt"/>
-                <a:ea typeface="ＭＳ Ｐゴシック" pitchFamily="-106" charset="-128"/>
-                <a:cs typeface="ＭＳ Ｐゴシック" pitchFamily="-106" charset="-128"/>
-              </a:rPr>
+            <a:endParaRPr lang="en-US" sz="1400" dirty="0"/>
+          </a:p>
+          <a:p>
+            <a:r>
+              <a:rPr lang="en-US" sz="1400" dirty="0"/>
               <a:t>“You are my Son; today I have begotten you.”</a:t>
             </a:r>
           </a:p>
           <a:p>
             <a:r>
-              <a:rPr lang="en-US" sz="1400" kern="1200" dirty="0">
-                <a:solidFill>
-                  <a:schemeClr val="tx1"/>
-                </a:solidFill>
-                <a:effectLst/>
-                <a:latin typeface="+mn-lt"/>
-                <a:ea typeface="ＭＳ Ｐゴシック" pitchFamily="-106" charset="-128"/>
-                <a:cs typeface="ＭＳ Ｐゴシック" pitchFamily="-106" charset="-128"/>
-              </a:rPr>
+              <a:rPr lang="en-US" sz="1400" dirty="0"/>
               <a:t>(Psalm 2:7)</a:t>
             </a:r>
           </a:p>
           <a:p>
             <a:pPr rtl="0" fontAlgn="ctr"/>
             <a:r>
-              <a:rPr lang="en-US" sz="1400" kern="1200" dirty="0">
-                <a:solidFill>
-                  <a:schemeClr val="tx1"/>
-                </a:solidFill>
-                <a:effectLst/>
-                <a:latin typeface="+mn-lt"/>
-                <a:ea typeface="ＭＳ Ｐゴシック" pitchFamily="-106" charset="-128"/>
-                <a:cs typeface="ＭＳ Ｐゴシック" pitchFamily="-106" charset="-128"/>
-              </a:rPr>
+              <a:rPr lang="en-US" sz="1400" dirty="0"/>
               <a:t>Psalm 2 is a </a:t>
             </a:r>
             <a:r>
-              <a:rPr lang="en-US" sz="1400" b="1" kern="1200" dirty="0">
-                <a:solidFill>
-                  <a:schemeClr val="tx1"/>
-                </a:solidFill>
-                <a:effectLst/>
-                <a:latin typeface="+mn-lt"/>
-                <a:ea typeface="ＭＳ Ｐゴシック" pitchFamily="-106" charset="-128"/>
-                <a:cs typeface="ＭＳ Ｐゴシック" pitchFamily="-106" charset="-128"/>
-              </a:rPr>
+              <a:rPr lang="en-US" sz="1400" b="1" dirty="0"/>
               <a:t>Davidic royal psalm</a:t>
             </a:r>
             <a:r>
-              <a:rPr lang="en-US" sz="1400" kern="1200" dirty="0">
-                <a:solidFill>
-                  <a:schemeClr val="tx1"/>
-                </a:solidFill>
-                <a:effectLst/>
-                <a:latin typeface="+mn-lt"/>
-                <a:ea typeface="ＭＳ Ｐゴシック" pitchFamily="-106" charset="-128"/>
-                <a:cs typeface="ＭＳ Ｐゴシック" pitchFamily="-106" charset="-128"/>
-              </a:rPr>
+              <a:rPr lang="en-US" sz="1400" dirty="0"/>
               <a:t>, and the author of Hebrews applies it to Jesus’ exaltation - the true fulfillment of God’s covenant with David.</a:t>
             </a:r>
           </a:p>
           <a:p>
-            <a:endParaRPr lang="en-US" sz="1400" b="1" kern="1200" dirty="0">
-              <a:solidFill>
-                <a:schemeClr val="tx1"/>
-              </a:solidFill>
-              <a:effectLst/>
-              <a:latin typeface="+mn-lt"/>
-              <a:ea typeface="ＭＳ Ｐゴシック" pitchFamily="-106" charset="-128"/>
-              <a:cs typeface="ＭＳ Ｐゴシック" pitchFamily="-106" charset="-128"/>
-            </a:endParaRPr>
-          </a:p>
-          <a:p>
-            <a:r>
-              <a:rPr lang="en-US" sz="1400" b="1" kern="1200" dirty="0">
-                <a:solidFill>
-                  <a:schemeClr val="tx1"/>
-                </a:solidFill>
-                <a:effectLst/>
-                <a:latin typeface="+mn-lt"/>
-                <a:ea typeface="ＭＳ Ｐゴシック" pitchFamily="-106" charset="-128"/>
-                <a:cs typeface="ＭＳ Ｐゴシック" pitchFamily="-106" charset="-128"/>
-              </a:rPr>
+            <a:endParaRPr lang="en-US" sz="1400" b="1" dirty="0"/>
+          </a:p>
+          <a:p>
+            <a:r>
+              <a:rPr lang="en-US" sz="1400" b="1" dirty="0"/>
               <a:t>17. Hebrews 7:14</a:t>
             </a:r>
-            <a:endParaRPr lang="en-US" sz="1400" kern="1200" dirty="0">
-              <a:solidFill>
-                <a:schemeClr val="tx1"/>
-              </a:solidFill>
-              <a:effectLst/>
-              <a:latin typeface="+mn-lt"/>
-              <a:ea typeface="ＭＳ Ｐゴシック" pitchFamily="-106" charset="-128"/>
-              <a:cs typeface="ＭＳ Ｐゴシック" pitchFamily="-106" charset="-128"/>
-            </a:endParaRPr>
-          </a:p>
-          <a:p>
-            <a:r>
-              <a:rPr lang="en-US" sz="1400" kern="1200" dirty="0">
-                <a:solidFill>
-                  <a:schemeClr val="tx1"/>
-                </a:solidFill>
-                <a:effectLst/>
-                <a:latin typeface="+mn-lt"/>
-                <a:ea typeface="ＭＳ Ｐゴシック" pitchFamily="-106" charset="-128"/>
-                <a:cs typeface="ＭＳ Ｐゴシック" pitchFamily="-106" charset="-128"/>
-              </a:rPr>
+            <a:endParaRPr lang="en-US" sz="1400" dirty="0"/>
+          </a:p>
+          <a:p>
+            <a:r>
+              <a:rPr lang="en-US" sz="1400" dirty="0"/>
               <a:t>“It is evident that our Lord was descended from Judah.”</a:t>
             </a:r>
           </a:p>
           <a:p>
             <a:pPr rtl="0" fontAlgn="ctr"/>
             <a:r>
-              <a:rPr lang="en-US" sz="1400" kern="1200" dirty="0">
-                <a:solidFill>
-                  <a:schemeClr val="tx1"/>
-                </a:solidFill>
-                <a:effectLst/>
-                <a:latin typeface="+mn-lt"/>
-                <a:ea typeface="ＭＳ Ｐゴシック" pitchFamily="-106" charset="-128"/>
-                <a:cs typeface="ＭＳ Ｐゴシック" pitchFamily="-106" charset="-128"/>
-              </a:rPr>
+              <a:rPr lang="en-US" sz="1400" dirty="0"/>
               <a:t>Affirms Jesus’ tribal lineage from Judah - the same line from which David came (Genesis 49:10), verifying </a:t>
             </a:r>
             <a:r>
-              <a:rPr lang="en-US" sz="1400" b="1" kern="1200" dirty="0">
-                <a:solidFill>
-                  <a:schemeClr val="tx1"/>
-                </a:solidFill>
-                <a:effectLst/>
-                <a:latin typeface="+mn-lt"/>
-                <a:ea typeface="ＭＳ Ｐゴシック" pitchFamily="-106" charset="-128"/>
-                <a:cs typeface="ＭＳ Ｐゴシック" pitchFamily="-106" charset="-128"/>
-              </a:rPr>
+              <a:rPr lang="en-US" sz="1400" b="1" dirty="0"/>
               <a:t>the legal right to David’s throne</a:t>
             </a:r>
             <a:r>
-              <a:rPr lang="en-US" sz="1400" kern="1200" dirty="0">
-                <a:solidFill>
-                  <a:schemeClr val="tx1"/>
-                </a:solidFill>
-                <a:effectLst/>
-                <a:latin typeface="+mn-lt"/>
-                <a:ea typeface="ＭＳ Ｐゴシック" pitchFamily="-106" charset="-128"/>
-                <a:cs typeface="ＭＳ Ｐゴシック" pitchFamily="-106" charset="-128"/>
-              </a:rPr>
+              <a:rPr lang="en-US" sz="1400" dirty="0"/>
               <a:t>.</a:t>
             </a:r>
           </a:p>
@@ -16850,7 +12770,7 @@
             </a:r>
             <a:r>
               <a:rPr lang="en-US" i="1" dirty="0"/>
-              <a:t>“Concerning His Son Jesus Christ our Lord, which was made of the seed of David according to the flesh, and declared to be the Son of God with power… by the resurrection from the dead.”</a:t>
+              <a:t>“Concerning His Son Jesus Christ our Lord, which was made of the seed of David according to the flesh and declared to be the Son of God with power… by the resurrection from the dead.”</a:t>
             </a:r>
           </a:p>
           <a:p>
@@ -21306,33 +17226,15 @@
                                   </p:childTnLst>
                                 </p:cTn>
                               </p:par>
-                            </p:childTnLst>
-                          </p:cTn>
-                        </p:par>
-                      </p:childTnLst>
-                    </p:cTn>
-                  </p:par>
-                  <p:par>
-                    <p:cTn id="46" fill="hold">
-                      <p:stCondLst>
-                        <p:cond delay="indefinite"/>
-                      </p:stCondLst>
-                      <p:childTnLst>
-                        <p:par>
-                          <p:cTn id="47" fill="hold">
-                            <p:stCondLst>
-                              <p:cond delay="0"/>
-                            </p:stCondLst>
-                            <p:childTnLst>
                               <p:par>
-                                <p:cTn id="48" presetID="42" presetClass="entr" presetSubtype="0" fill="hold" nodeType="clickEffect">
+                                <p:cTn id="46" presetID="42" presetClass="entr" presetSubtype="0" fill="hold" nodeType="withEffect">
                                   <p:stCondLst>
                                     <p:cond delay="0"/>
                                   </p:stCondLst>
                                   <p:childTnLst>
                                     <p:set>
                                       <p:cBhvr>
-                                        <p:cTn id="49" dur="1" fill="hold">
+                                        <p:cTn id="47" dur="1" fill="hold">
                                           <p:stCondLst>
                                             <p:cond delay="0"/>
                                           </p:stCondLst>
@@ -21354,7 +17256,7 @@
                                     </p:set>
                                     <p:animEffect transition="in" filter="fade">
                                       <p:cBhvr>
-                                        <p:cTn id="50" dur="1000"/>
+                                        <p:cTn id="48" dur="1000"/>
                                         <p:tgtEl>
                                           <p:spTgt spid="3">
                                             <p:txEl>
@@ -21366,7 +17268,7 @@
                                     </p:animEffect>
                                     <p:anim calcmode="lin" valueType="num">
                                       <p:cBhvr>
-                                        <p:cTn id="51" dur="1000" fill="hold"/>
+                                        <p:cTn id="49" dur="1000" fill="hold"/>
                                         <p:tgtEl>
                                           <p:spTgt spid="3">
                                             <p:txEl>
@@ -21393,7 +17295,7 @@
                                     </p:anim>
                                     <p:anim calcmode="lin" valueType="num">
                                       <p:cBhvr>
-                                        <p:cTn id="52" dur="1000" fill="hold"/>
+                                        <p:cTn id="50" dur="1000" fill="hold"/>
                                         <p:tgtEl>
                                           <p:spTgt spid="3">
                                             <p:txEl>
@@ -21428,26 +17330,26 @@
                     </p:cTn>
                   </p:par>
                   <p:par>
-                    <p:cTn id="53" fill="hold">
+                    <p:cTn id="51" fill="hold">
                       <p:stCondLst>
                         <p:cond delay="indefinite"/>
                       </p:stCondLst>
                       <p:childTnLst>
                         <p:par>
-                          <p:cTn id="54" fill="hold">
+                          <p:cTn id="52" fill="hold">
                             <p:stCondLst>
                               <p:cond delay="0"/>
                             </p:stCondLst>
                             <p:childTnLst>
                               <p:par>
-                                <p:cTn id="55" presetID="42" presetClass="entr" presetSubtype="0" fill="hold" nodeType="clickEffect">
+                                <p:cTn id="53" presetID="42" presetClass="entr" presetSubtype="0" fill="hold" nodeType="clickEffect">
                                   <p:stCondLst>
                                     <p:cond delay="0"/>
                                   </p:stCondLst>
                                   <p:childTnLst>
                                     <p:set>
                                       <p:cBhvr>
-                                        <p:cTn id="56" dur="1" fill="hold">
+                                        <p:cTn id="54" dur="1" fill="hold">
                                           <p:stCondLst>
                                             <p:cond delay="0"/>
                                           </p:stCondLst>
@@ -21469,7 +17371,7 @@
                                     </p:set>
                                     <p:animEffect transition="in" filter="fade">
                                       <p:cBhvr>
-                                        <p:cTn id="57" dur="1000"/>
+                                        <p:cTn id="55" dur="1000"/>
                                         <p:tgtEl>
                                           <p:spTgt spid="3">
                                             <p:txEl>
@@ -21481,7 +17383,7 @@
                                     </p:animEffect>
                                     <p:anim calcmode="lin" valueType="num">
                                       <p:cBhvr>
-                                        <p:cTn id="58" dur="1000" fill="hold"/>
+                                        <p:cTn id="56" dur="1000" fill="hold"/>
                                         <p:tgtEl>
                                           <p:spTgt spid="3">
                                             <p:txEl>
@@ -21508,7 +17410,7 @@
                                     </p:anim>
                                     <p:anim calcmode="lin" valueType="num">
                                       <p:cBhvr>
-                                        <p:cTn id="59" dur="1000" fill="hold"/>
+                                        <p:cTn id="57" dur="1000" fill="hold"/>
                                         <p:tgtEl>
                                           <p:spTgt spid="3">
                                             <p:txEl>

--- a/2025-Q4/Promises4/2025-10-26-Promises4.pptx
+++ b/2025-Q4/Promises4/2025-10-26-Promises4.pptx
@@ -284,7 +284,7 @@
               <a:pPr>
                 <a:defRPr/>
               </a:pPr>
-              <a:t>10/25/2025</a:t>
+              <a:t>11/2/2025</a:t>
             </a:fld>
             <a:endParaRPr lang="en-US"/>
           </a:p>
@@ -2380,12 +2380,8 @@
           <a:lstStyle/>
           <a:p>
             <a:r>
-              <a:rPr lang="en-US" sz="1400" b="1"/>
-              <a:t>The </a:t>
-            </a:r>
-            <a:r>
               <a:rPr lang="en-US" sz="1400" b="1" dirty="0"/>
-              <a:t>Prophetic Solution: Virgin Birth as Covenant Fulfillment</a:t>
+              <a:t>The Prophetic Solution: Virgin Birth as Covenant Fulfillment</a:t>
             </a:r>
             <a:endParaRPr lang="en-US" sz="1400" dirty="0"/>
           </a:p>
@@ -2585,9 +2581,6 @@
               <a:rPr lang="en-US" sz="1400" dirty="0"/>
               <a:t> to reign.</a:t>
             </a:r>
-          </a:p>
-          <a:p>
-            <a:endParaRPr lang="en-US" sz="1400" b="1" dirty="0"/>
           </a:p>
           <a:p>
             <a:endParaRPr lang="en-US" sz="1400" b="1" dirty="0"/>
